--- a/static/aulas/via_das_pentoses.pptx
+++ b/static/aulas/via_das_pentoses.pptx
@@ -5,35 +5,36 @@
     <p:sldMasterId id="2147483660" r:id="rId1"/>
   </p:sldMasterIdLst>
   <p:notesMasterIdLst>
-    <p:notesMasterId r:id="rId28"/>
+    <p:notesMasterId r:id="rId29"/>
   </p:notesMasterIdLst>
   <p:sldIdLst>
     <p:sldId id="439" r:id="rId2"/>
-    <p:sldId id="472" r:id="rId3"/>
-    <p:sldId id="459" r:id="rId4"/>
-    <p:sldId id="463" r:id="rId5"/>
-    <p:sldId id="464" r:id="rId6"/>
-    <p:sldId id="462" r:id="rId7"/>
-    <p:sldId id="445" r:id="rId8"/>
-    <p:sldId id="475" r:id="rId9"/>
-    <p:sldId id="476" r:id="rId10"/>
-    <p:sldId id="488" r:id="rId11"/>
-    <p:sldId id="478" r:id="rId12"/>
-    <p:sldId id="466" r:id="rId13"/>
-    <p:sldId id="461" r:id="rId14"/>
-    <p:sldId id="480" r:id="rId15"/>
-    <p:sldId id="481" r:id="rId16"/>
-    <p:sldId id="460" r:id="rId17"/>
-    <p:sldId id="489" r:id="rId18"/>
-    <p:sldId id="485" r:id="rId19"/>
-    <p:sldId id="486" r:id="rId20"/>
-    <p:sldId id="491" r:id="rId21"/>
-    <p:sldId id="471" r:id="rId22"/>
-    <p:sldId id="482" r:id="rId23"/>
-    <p:sldId id="483" r:id="rId24"/>
-    <p:sldId id="467" r:id="rId25"/>
-    <p:sldId id="479" r:id="rId26"/>
-    <p:sldId id="257" r:id="rId27"/>
+    <p:sldId id="493" r:id="rId3"/>
+    <p:sldId id="472" r:id="rId4"/>
+    <p:sldId id="459" r:id="rId5"/>
+    <p:sldId id="463" r:id="rId6"/>
+    <p:sldId id="464" r:id="rId7"/>
+    <p:sldId id="462" r:id="rId8"/>
+    <p:sldId id="445" r:id="rId9"/>
+    <p:sldId id="475" r:id="rId10"/>
+    <p:sldId id="476" r:id="rId11"/>
+    <p:sldId id="492" r:id="rId12"/>
+    <p:sldId id="488" r:id="rId13"/>
+    <p:sldId id="478" r:id="rId14"/>
+    <p:sldId id="466" r:id="rId15"/>
+    <p:sldId id="461" r:id="rId16"/>
+    <p:sldId id="480" r:id="rId17"/>
+    <p:sldId id="481" r:id="rId18"/>
+    <p:sldId id="460" r:id="rId19"/>
+    <p:sldId id="489" r:id="rId20"/>
+    <p:sldId id="485" r:id="rId21"/>
+    <p:sldId id="486" r:id="rId22"/>
+    <p:sldId id="491" r:id="rId23"/>
+    <p:sldId id="471" r:id="rId24"/>
+    <p:sldId id="482" r:id="rId25"/>
+    <p:sldId id="483" r:id="rId26"/>
+    <p:sldId id="467" r:id="rId27"/>
+    <p:sldId id="479" r:id="rId28"/>
   </p:sldIdLst>
   <p:sldSz cx="12192000" cy="6858000"/>
   <p:notesSz cx="6858000" cy="9144000"/>
@@ -222,7 +223,7 @@
           <a:p>
             <a:fld id="{17F2CC55-A33F-4323-9CA8-65041B993A72}" type="datetimeFigureOut">
               <a:rPr lang="pt-BR" smtClean="0"/>
-              <a:t>19/06/2023</a:t>
+              <a:t>23/06/2023</a:t>
             </a:fld>
             <a:endParaRPr lang="pt-BR"/>
           </a:p>
@@ -554,7 +555,7 @@
           <a:p>
             <a:fld id="{0616988F-82E2-41D4-B11A-EAF4A967003C}" type="slidenum">
               <a:rPr lang="pt-BR" smtClean="0"/>
-              <a:t>3</a:t>
+              <a:t>4</a:t>
             </a:fld>
             <a:endParaRPr lang="pt-BR"/>
           </a:p>
@@ -638,7 +639,7 @@
           <a:p>
             <a:fld id="{0616988F-82E2-41D4-B11A-EAF4A967003C}" type="slidenum">
               <a:rPr lang="pt-BR" smtClean="0"/>
-              <a:t>6</a:t>
+              <a:t>7</a:t>
             </a:fld>
             <a:endParaRPr lang="pt-BR"/>
           </a:p>
@@ -722,7 +723,7 @@
           <a:p>
             <a:fld id="{0616988F-82E2-41D4-B11A-EAF4A967003C}" type="slidenum">
               <a:rPr lang="pt-BR" smtClean="0"/>
-              <a:t>7</a:t>
+              <a:t>8</a:t>
             </a:fld>
             <a:endParaRPr lang="pt-BR"/>
           </a:p>
@@ -853,7 +854,7 @@
                 <a:tabLst/>
                 <a:defRPr/>
               </a:pPr>
-              <a:t>8</a:t>
+              <a:t>9</a:t>
             </a:fld>
             <a:endParaRPr kumimoji="0" lang="pt-BR" sz="1200" b="0" i="0" u="none" strike="noStrike" kern="1200" cap="none" spc="0" normalizeH="0" baseline="0" noProof="0">
               <a:ln>
@@ -950,7 +951,7 @@
           <a:p>
             <a:fld id="{0616988F-82E2-41D4-B11A-EAF4A967003C}" type="slidenum">
               <a:rPr lang="pt-BR" smtClean="0"/>
-              <a:t>12</a:t>
+              <a:t>14</a:t>
             </a:fld>
             <a:endParaRPr lang="pt-BR"/>
           </a:p>
@@ -1034,7 +1035,7 @@
           <a:p>
             <a:fld id="{0616988F-82E2-41D4-B11A-EAF4A967003C}" type="slidenum">
               <a:rPr lang="pt-BR" smtClean="0"/>
-              <a:t>23</a:t>
+              <a:t>25</a:t>
             </a:fld>
             <a:endParaRPr lang="pt-BR"/>
           </a:p>
@@ -1200,7 +1201,7 @@
           <a:p>
             <a:fld id="{E3BCEED8-149E-406E-B91A-7F4F3B181D0A}" type="datetimeFigureOut">
               <a:rPr lang="pt-BR" smtClean="0"/>
-              <a:t>19/06/2023</a:t>
+              <a:t>23/06/2023</a:t>
             </a:fld>
             <a:endParaRPr lang="pt-BR"/>
           </a:p>
@@ -1398,7 +1399,7 @@
           <a:p>
             <a:fld id="{E3BCEED8-149E-406E-B91A-7F4F3B181D0A}" type="datetimeFigureOut">
               <a:rPr lang="pt-BR" smtClean="0"/>
-              <a:t>19/06/2023</a:t>
+              <a:t>23/06/2023</a:t>
             </a:fld>
             <a:endParaRPr lang="pt-BR"/>
           </a:p>
@@ -1606,7 +1607,7 @@
           <a:p>
             <a:fld id="{E3BCEED8-149E-406E-B91A-7F4F3B181D0A}" type="datetimeFigureOut">
               <a:rPr lang="pt-BR" smtClean="0"/>
-              <a:t>19/06/2023</a:t>
+              <a:t>23/06/2023</a:t>
             </a:fld>
             <a:endParaRPr lang="pt-BR"/>
           </a:p>
@@ -1804,7 +1805,7 @@
           <a:p>
             <a:fld id="{E3BCEED8-149E-406E-B91A-7F4F3B181D0A}" type="datetimeFigureOut">
               <a:rPr lang="pt-BR" smtClean="0"/>
-              <a:t>19/06/2023</a:t>
+              <a:t>23/06/2023</a:t>
             </a:fld>
             <a:endParaRPr lang="pt-BR"/>
           </a:p>
@@ -2079,7 +2080,7 @@
           <a:p>
             <a:fld id="{E3BCEED8-149E-406E-B91A-7F4F3B181D0A}" type="datetimeFigureOut">
               <a:rPr lang="pt-BR" smtClean="0"/>
-              <a:t>19/06/2023</a:t>
+              <a:t>23/06/2023</a:t>
             </a:fld>
             <a:endParaRPr lang="pt-BR"/>
           </a:p>
@@ -2344,7 +2345,7 @@
           <a:p>
             <a:fld id="{E3BCEED8-149E-406E-B91A-7F4F3B181D0A}" type="datetimeFigureOut">
               <a:rPr lang="pt-BR" smtClean="0"/>
-              <a:t>19/06/2023</a:t>
+              <a:t>23/06/2023</a:t>
             </a:fld>
             <a:endParaRPr lang="pt-BR"/>
           </a:p>
@@ -2756,7 +2757,7 @@
           <a:p>
             <a:fld id="{E3BCEED8-149E-406E-B91A-7F4F3B181D0A}" type="datetimeFigureOut">
               <a:rPr lang="pt-BR" smtClean="0"/>
-              <a:t>19/06/2023</a:t>
+              <a:t>23/06/2023</a:t>
             </a:fld>
             <a:endParaRPr lang="pt-BR"/>
           </a:p>
@@ -2897,7 +2898,7 @@
           <a:p>
             <a:fld id="{E3BCEED8-149E-406E-B91A-7F4F3B181D0A}" type="datetimeFigureOut">
               <a:rPr lang="pt-BR" smtClean="0"/>
-              <a:t>19/06/2023</a:t>
+              <a:t>23/06/2023</a:t>
             </a:fld>
             <a:endParaRPr lang="pt-BR"/>
           </a:p>
@@ -3010,7 +3011,7 @@
           <a:p>
             <a:fld id="{E3BCEED8-149E-406E-B91A-7F4F3B181D0A}" type="datetimeFigureOut">
               <a:rPr lang="pt-BR" smtClean="0"/>
-              <a:t>19/06/2023</a:t>
+              <a:t>23/06/2023</a:t>
             </a:fld>
             <a:endParaRPr lang="pt-BR"/>
           </a:p>
@@ -3321,7 +3322,7 @@
           <a:p>
             <a:fld id="{E3BCEED8-149E-406E-B91A-7F4F3B181D0A}" type="datetimeFigureOut">
               <a:rPr lang="pt-BR" smtClean="0"/>
-              <a:t>19/06/2023</a:t>
+              <a:t>23/06/2023</a:t>
             </a:fld>
             <a:endParaRPr lang="pt-BR"/>
           </a:p>
@@ -3609,7 +3610,7 @@
           <a:p>
             <a:fld id="{E3BCEED8-149E-406E-B91A-7F4F3B181D0A}" type="datetimeFigureOut">
               <a:rPr lang="pt-BR" smtClean="0"/>
-              <a:t>19/06/2023</a:t>
+              <a:t>23/06/2023</a:t>
             </a:fld>
             <a:endParaRPr lang="pt-BR"/>
           </a:p>
@@ -3856,7 +3857,7 @@
           <a:p>
             <a:fld id="{E3BCEED8-149E-406E-B91A-7F4F3B181D0A}" type="datetimeFigureOut">
               <a:rPr lang="pt-BR" smtClean="0"/>
-              <a:t>19/06/2023</a:t>
+              <a:t>23/06/2023</a:t>
             </a:fld>
             <a:endParaRPr lang="pt-BR"/>
           </a:p>
@@ -4275,266 +4276,6 @@
       </p:grpSpPr>
       <p:sp>
         <p:nvSpPr>
-          <p:cNvPr id="3" name="CustomShape 3">
-            <a:extLst>
-              <a:ext uri="{FF2B5EF4-FFF2-40B4-BE49-F238E27FC236}">
-                <a16:creationId xmlns:a16="http://schemas.microsoft.com/office/drawing/2014/main" id="{3AB0E804-64D7-4DB3-89E4-764241977BF4}"/>
-              </a:ext>
-            </a:extLst>
-          </p:cNvPr>
-          <p:cNvSpPr/>
-          <p:nvPr/>
-        </p:nvSpPr>
-        <p:spPr>
-          <a:xfrm>
-            <a:off x="8410074" y="5289794"/>
-            <a:ext cx="3427288" cy="1568206"/>
-          </a:xfrm>
-          <a:prstGeom prst="rect">
-            <a:avLst/>
-          </a:prstGeom>
-          <a:noFill/>
-          <a:ln>
-            <a:noFill/>
-          </a:ln>
-        </p:spPr>
-        <p:style>
-          <a:lnRef idx="0">
-            <a:scrgbClr r="0" g="0" b="0"/>
-          </a:lnRef>
-          <a:fillRef idx="0">
-            <a:scrgbClr r="0" g="0" b="0"/>
-          </a:fillRef>
-          <a:effectRef idx="0">
-            <a:scrgbClr r="0" g="0" b="0"/>
-          </a:effectRef>
-          <a:fontRef idx="minor"/>
-        </p:style>
-        <p:txBody>
-          <a:bodyPr wrap="square" lIns="90000" tIns="45000" rIns="90000" bIns="45000">
-            <a:spAutoFit/>
-          </a:bodyPr>
-          <a:lstStyle/>
-          <a:p>
-            <a:pPr marL="0" marR="0" lvl="0" indent="0" algn="l" defTabSz="914400" rtl="0" eaLnBrk="1" fontAlgn="auto" latinLnBrk="0" hangingPunct="1">
-              <a:lnSpc>
-                <a:spcPct val="100000"/>
-              </a:lnSpc>
-              <a:spcBef>
-                <a:spcPts val="0"/>
-              </a:spcBef>
-              <a:spcAft>
-                <a:spcPts val="0"/>
-              </a:spcAft>
-              <a:buClrTx/>
-              <a:buSzTx/>
-              <a:buFontTx/>
-              <a:buNone/>
-              <a:tabLst/>
-              <a:defRPr/>
-            </a:pPr>
-            <a:r>
-              <a:rPr kumimoji="0" lang="pt-BR" sz="2400" b="1" i="0" u="sng" strike="noStrike" kern="1200" cap="none" spc="-1" normalizeH="0" baseline="0" noProof="0" dirty="0">
-                <a:ln>
-                  <a:noFill/>
-                </a:ln>
-                <a:solidFill>
-                  <a:prstClr val="white"/>
-                </a:solidFill>
-                <a:effectLst/>
-                <a:uLnTx/>
-                <a:uFillTx/>
-                <a:latin typeface="Bell MT"/>
-                <a:ea typeface="+mn-ea"/>
-                <a:cs typeface="+mn-cs"/>
-              </a:rPr>
-              <a:t>Contato:</a:t>
-            </a:r>
-            <a:endParaRPr kumimoji="0" lang="pt-BR" sz="2400" b="1" i="0" u="sng" strike="noStrike" kern="1200" cap="none" spc="-1" normalizeH="0" baseline="0" noProof="0" dirty="0">
-              <a:ln>
-                <a:noFill/>
-              </a:ln>
-              <a:solidFill>
-                <a:prstClr val="white"/>
-              </a:solidFill>
-              <a:effectLst/>
-              <a:uLnTx/>
-              <a:uFillTx/>
-              <a:latin typeface="Bell MT"/>
-              <a:ea typeface="+mn-ea"/>
-              <a:cs typeface="+mn-cs"/>
-              <a:hlinkClick r:id="rId2">
-                <a:extLst>
-                  <a:ext uri="{A12FA001-AC4F-418D-AE19-62706E023703}">
-                    <ahyp:hlinkClr xmlns:ahyp="http://schemas.microsoft.com/office/drawing/2018/hyperlinkcolor" val="tx"/>
-                  </a:ext>
-                </a:extLst>
-              </a:hlinkClick>
-            </a:endParaRPr>
-          </a:p>
-          <a:p>
-            <a:pPr marL="0" marR="0" lvl="0" indent="0" algn="r" defTabSz="914400" rtl="0" eaLnBrk="1" fontAlgn="auto" latinLnBrk="0" hangingPunct="1">
-              <a:lnSpc>
-                <a:spcPct val="100000"/>
-              </a:lnSpc>
-              <a:spcBef>
-                <a:spcPts val="0"/>
-              </a:spcBef>
-              <a:spcAft>
-                <a:spcPts val="0"/>
-              </a:spcAft>
-              <a:buClrTx/>
-              <a:buSzTx/>
-              <a:buFontTx/>
-              <a:buNone/>
-              <a:tabLst/>
-              <a:defRPr/>
-            </a:pPr>
-            <a:r>
-              <a:rPr kumimoji="0" lang="pt-BR" sz="2400" b="1" i="0" u="none" strike="noStrike" kern="1200" cap="none" spc="-1" normalizeH="0" baseline="0" noProof="0" dirty="0">
-                <a:ln>
-                  <a:noFill/>
-                </a:ln>
-                <a:solidFill>
-                  <a:srgbClr val="FFC000">
-                    <a:lumMod val="60000"/>
-                    <a:lumOff val="40000"/>
-                  </a:srgbClr>
-                </a:solidFill>
-                <a:effectLst/>
-                <a:uLnTx/>
-                <a:uFillTx/>
-                <a:latin typeface="Bell MT"/>
-                <a:ea typeface="+mn-ea"/>
-                <a:cs typeface="+mn-cs"/>
-                <a:hlinkClick r:id="rId2">
-                  <a:extLst>
-                    <a:ext uri="{A12FA001-AC4F-418D-AE19-62706E023703}">
-                      <ahyp:hlinkClr xmlns:ahyp="http://schemas.microsoft.com/office/drawing/2018/hyperlinkcolor" val="tx"/>
-                    </a:ext>
-                  </a:extLst>
-                </a:hlinkClick>
-              </a:rPr>
-              <a:t>danilo_as@live.com</a:t>
-            </a:r>
-            <a:endParaRPr kumimoji="0" lang="pt-BR" sz="2400" b="1" i="0" u="none" strike="noStrike" kern="1200" cap="none" spc="-1" normalizeH="0" baseline="0" noProof="0" dirty="0">
-              <a:ln>
-                <a:noFill/>
-              </a:ln>
-              <a:solidFill>
-                <a:srgbClr val="FFC000">
-                  <a:lumMod val="60000"/>
-                  <a:lumOff val="40000"/>
-                </a:srgbClr>
-              </a:solidFill>
-              <a:effectLst/>
-              <a:uLnTx/>
-              <a:uFillTx/>
-              <a:latin typeface="Bell MT"/>
-              <a:ea typeface="+mn-ea"/>
-              <a:cs typeface="+mn-cs"/>
-            </a:endParaRPr>
-          </a:p>
-          <a:p>
-            <a:pPr marL="0" marR="0" lvl="0" indent="0" algn="r" defTabSz="914400" rtl="0" eaLnBrk="1" fontAlgn="auto" latinLnBrk="0" hangingPunct="1">
-              <a:lnSpc>
-                <a:spcPct val="100000"/>
-              </a:lnSpc>
-              <a:spcBef>
-                <a:spcPts val="0"/>
-              </a:spcBef>
-              <a:spcAft>
-                <a:spcPts val="0"/>
-              </a:spcAft>
-              <a:buClrTx/>
-              <a:buSzTx/>
-              <a:buFontTx/>
-              <a:buNone/>
-              <a:tabLst/>
-              <a:defRPr/>
-            </a:pPr>
-            <a:r>
-              <a:rPr kumimoji="0" lang="pt-BR" sz="2400" b="1" i="0" u="none" strike="noStrike" kern="1200" cap="none" spc="-1" normalizeH="0" baseline="0" noProof="0" dirty="0">
-                <a:ln>
-                  <a:noFill/>
-                </a:ln>
-                <a:solidFill>
-                  <a:srgbClr val="FFC000">
-                    <a:lumMod val="60000"/>
-                    <a:lumOff val="40000"/>
-                  </a:srgbClr>
-                </a:solidFill>
-                <a:effectLst/>
-                <a:uLnTx/>
-                <a:uFillTx/>
-                <a:latin typeface="Bell MT"/>
-                <a:ea typeface="+mn-ea"/>
-                <a:cs typeface="+mn-cs"/>
-                <a:hlinkClick r:id="rId3">
-                  <a:extLst>
-                    <a:ext uri="{A12FA001-AC4F-418D-AE19-62706E023703}">
-                      <ahyp:hlinkClr xmlns:ahyp="http://schemas.microsoft.com/office/drawing/2018/hyperlinkcolor" val="tx"/>
-                    </a:ext>
-                  </a:extLst>
-                </a:hlinkClick>
-              </a:rPr>
-              <a:t>danilo.santos@ufes.br</a:t>
-            </a:r>
-            <a:endParaRPr kumimoji="0" lang="pt-BR" sz="2400" b="1" i="0" u="none" strike="noStrike" kern="1200" cap="none" spc="-1" normalizeH="0" baseline="0" noProof="0" dirty="0">
-              <a:ln>
-                <a:noFill/>
-              </a:ln>
-              <a:solidFill>
-                <a:srgbClr val="FFC000">
-                  <a:lumMod val="60000"/>
-                  <a:lumOff val="40000"/>
-                </a:srgbClr>
-              </a:solidFill>
-              <a:effectLst/>
-              <a:uLnTx/>
-              <a:uFillTx/>
-              <a:latin typeface="Bell MT"/>
-              <a:ea typeface="+mn-ea"/>
-              <a:cs typeface="+mn-cs"/>
-            </a:endParaRPr>
-          </a:p>
-          <a:p>
-            <a:pPr marL="0" marR="0" lvl="0" indent="0" algn="r" defTabSz="914400" rtl="0" eaLnBrk="1" fontAlgn="auto" latinLnBrk="0" hangingPunct="1">
-              <a:lnSpc>
-                <a:spcPct val="100000"/>
-              </a:lnSpc>
-              <a:spcBef>
-                <a:spcPts val="0"/>
-              </a:spcBef>
-              <a:spcAft>
-                <a:spcPts val="0"/>
-              </a:spcAft>
-              <a:buClrTx/>
-              <a:buSzTx/>
-              <a:buFontTx/>
-              <a:buNone/>
-              <a:tabLst/>
-              <a:defRPr/>
-            </a:pPr>
-            <a:endParaRPr kumimoji="0" lang="pt-BR" sz="2400" b="1" i="0" u="none" strike="noStrike" kern="1200" cap="none" spc="-1" normalizeH="0" baseline="0" noProof="0" dirty="0">
-              <a:ln>
-                <a:noFill/>
-              </a:ln>
-              <a:solidFill>
-                <a:prstClr val="white"/>
-              </a:solidFill>
-              <a:effectLst/>
-              <a:uLnTx/>
-              <a:uFillTx/>
-              <a:latin typeface="Bell MT"/>
-              <a:ea typeface="+mn-ea"/>
-              <a:cs typeface="+mn-cs"/>
-            </a:endParaRPr>
-          </a:p>
-        </p:txBody>
-      </p:sp>
-      <p:sp>
-        <p:nvSpPr>
           <p:cNvPr id="4" name="CustomShape 3">
             <a:extLst>
               <a:ext uri="{FF2B5EF4-FFF2-40B4-BE49-F238E27FC236}">
@@ -4973,6 +4714,473 @@
           </a:p>
         </p:txBody>
       </p:sp>
+      <p:sp>
+        <p:nvSpPr>
+          <p:cNvPr id="7" name="CustomShape 3">
+            <a:extLst>
+              <a:ext uri="{FF2B5EF4-FFF2-40B4-BE49-F238E27FC236}">
+                <a16:creationId xmlns:a16="http://schemas.microsoft.com/office/drawing/2014/main" id="{1D731588-0F55-4C33-BC78-E0824465C8BC}"/>
+              </a:ext>
+            </a:extLst>
+          </p:cNvPr>
+          <p:cNvSpPr/>
+          <p:nvPr/>
+        </p:nvSpPr>
+        <p:spPr>
+          <a:xfrm>
+            <a:off x="7327046" y="4665578"/>
+            <a:ext cx="4244099" cy="1937538"/>
+          </a:xfrm>
+          <a:prstGeom prst="rect">
+            <a:avLst/>
+          </a:prstGeom>
+          <a:noFill/>
+          <a:ln>
+            <a:noFill/>
+          </a:ln>
+        </p:spPr>
+        <p:style>
+          <a:lnRef idx="0">
+            <a:scrgbClr r="0" g="0" b="0"/>
+          </a:lnRef>
+          <a:fillRef idx="0">
+            <a:scrgbClr r="0" g="0" b="0"/>
+          </a:fillRef>
+          <a:effectRef idx="0">
+            <a:scrgbClr r="0" g="0" b="0"/>
+          </a:effectRef>
+          <a:fontRef idx="minor"/>
+        </p:style>
+        <p:txBody>
+          <a:bodyPr wrap="square" lIns="90000" tIns="45000" rIns="90000" bIns="45000">
+            <a:spAutoFit/>
+          </a:bodyPr>
+          <a:lstStyle/>
+          <a:p>
+            <a:pPr algn="r">
+              <a:defRPr/>
+            </a:pPr>
+            <a:r>
+              <a:rPr lang="pt-BR" sz="2400" b="1" spc="-1" dirty="0">
+                <a:solidFill>
+                  <a:srgbClr val="FFC000">
+                    <a:lumMod val="60000"/>
+                    <a:lumOff val="40000"/>
+                  </a:srgbClr>
+                </a:solidFill>
+                <a:latin typeface="Bell MT"/>
+              </a:rPr>
+              <a:t>bioquimicacomdanilo.com.br</a:t>
+            </a:r>
+          </a:p>
+          <a:p>
+            <a:pPr marL="0" marR="0" lvl="0" indent="0" algn="r" defTabSz="914400" rtl="0" eaLnBrk="1" fontAlgn="auto" latinLnBrk="0" hangingPunct="1">
+              <a:lnSpc>
+                <a:spcPct val="100000"/>
+              </a:lnSpc>
+              <a:spcBef>
+                <a:spcPts val="0"/>
+              </a:spcBef>
+              <a:spcAft>
+                <a:spcPts val="0"/>
+              </a:spcAft>
+              <a:buClrTx/>
+              <a:buSzTx/>
+              <a:buFontTx/>
+              <a:buNone/>
+              <a:tabLst/>
+              <a:defRPr/>
+            </a:pPr>
+            <a:r>
+              <a:rPr kumimoji="0" lang="pt-BR" sz="2400" b="1" i="0" strike="noStrike" kern="1200" cap="none" spc="-1" normalizeH="0" baseline="0" noProof="0" dirty="0">
+                <a:ln>
+                  <a:noFill/>
+                </a:ln>
+                <a:solidFill>
+                  <a:srgbClr val="FFC000">
+                    <a:lumMod val="60000"/>
+                    <a:lumOff val="40000"/>
+                  </a:srgbClr>
+                </a:solidFill>
+                <a:effectLst/>
+                <a:uLnTx/>
+                <a:uFillTx/>
+                <a:latin typeface="Bell MT"/>
+                <a:ea typeface="+mn-ea"/>
+                <a:cs typeface="+mn-cs"/>
+              </a:rPr>
+              <a:t>danilo.santos@ufes.br</a:t>
+            </a:r>
+          </a:p>
+          <a:p>
+            <a:pPr algn="r">
+              <a:defRPr/>
+            </a:pPr>
+            <a:r>
+              <a:rPr lang="pt-BR" sz="2400" b="1" spc="-1" dirty="0">
+                <a:solidFill>
+                  <a:srgbClr val="FFC000">
+                    <a:lumMod val="60000"/>
+                    <a:lumOff val="40000"/>
+                  </a:srgbClr>
+                </a:solidFill>
+                <a:latin typeface="Bell MT"/>
+              </a:rPr>
+              <a:t>danilo_as@live.com</a:t>
+            </a:r>
+          </a:p>
+          <a:p>
+            <a:pPr marL="0" marR="0" lvl="0" indent="0" algn="r" defTabSz="914400" rtl="0" eaLnBrk="1" fontAlgn="auto" latinLnBrk="0" hangingPunct="1">
+              <a:lnSpc>
+                <a:spcPct val="100000"/>
+              </a:lnSpc>
+              <a:spcBef>
+                <a:spcPts val="0"/>
+              </a:spcBef>
+              <a:spcAft>
+                <a:spcPts val="0"/>
+              </a:spcAft>
+              <a:buClrTx/>
+              <a:buSzTx/>
+              <a:buFontTx/>
+              <a:buNone/>
+              <a:tabLst/>
+              <a:defRPr/>
+            </a:pPr>
+            <a:r>
+              <a:rPr lang="pt-BR" sz="2400" b="1" spc="-1" dirty="0">
+                <a:solidFill>
+                  <a:srgbClr val="FFC000">
+                    <a:lumMod val="60000"/>
+                    <a:lumOff val="40000"/>
+                  </a:srgbClr>
+                </a:solidFill>
+                <a:latin typeface="Bell MT"/>
+              </a:rPr>
+              <a:t>@daniloas.com_</a:t>
+            </a:r>
+            <a:endParaRPr kumimoji="0" lang="pt-BR" sz="2400" b="1" i="0" strike="noStrike" kern="1200" cap="none" spc="-1" normalizeH="0" baseline="0" noProof="0" dirty="0">
+              <a:ln>
+                <a:noFill/>
+              </a:ln>
+              <a:solidFill>
+                <a:srgbClr val="FFC000">
+                  <a:lumMod val="60000"/>
+                  <a:lumOff val="40000"/>
+                </a:srgbClr>
+              </a:solidFill>
+              <a:effectLst/>
+              <a:uLnTx/>
+              <a:uFillTx/>
+              <a:latin typeface="Bell MT"/>
+              <a:ea typeface="+mn-ea"/>
+              <a:cs typeface="+mn-cs"/>
+            </a:endParaRPr>
+          </a:p>
+          <a:p>
+            <a:pPr marL="0" marR="0" lvl="0" indent="0" algn="r" defTabSz="914400" rtl="0" eaLnBrk="1" fontAlgn="auto" latinLnBrk="0" hangingPunct="1">
+              <a:lnSpc>
+                <a:spcPct val="100000"/>
+              </a:lnSpc>
+              <a:spcBef>
+                <a:spcPts val="0"/>
+              </a:spcBef>
+              <a:spcAft>
+                <a:spcPts val="0"/>
+              </a:spcAft>
+              <a:buClrTx/>
+              <a:buSzTx/>
+              <a:buFontTx/>
+              <a:buNone/>
+              <a:tabLst/>
+              <a:defRPr/>
+            </a:pPr>
+            <a:r>
+              <a:rPr lang="pt-BR" sz="2400" b="1" spc="-1" dirty="0">
+                <a:solidFill>
+                  <a:srgbClr val="FFC000">
+                    <a:lumMod val="60000"/>
+                    <a:lumOff val="40000"/>
+                  </a:srgbClr>
+                </a:solidFill>
+                <a:latin typeface="Bell MT"/>
+              </a:rPr>
+              <a:t>daniloas.com</a:t>
+            </a:r>
+          </a:p>
+        </p:txBody>
+      </p:sp>
+      <p:pic>
+        <p:nvPicPr>
+          <p:cNvPr id="8" name="Picture 2" descr="Logo Ig PNG, Logo Instagram Icon Free DOWNLOAD - Free ...">
+            <a:extLst>
+              <a:ext uri="{FF2B5EF4-FFF2-40B4-BE49-F238E27FC236}">
+                <a16:creationId xmlns:a16="http://schemas.microsoft.com/office/drawing/2014/main" id="{31712589-D0CB-472A-AD20-084C3D491B98}"/>
+              </a:ext>
+            </a:extLst>
+          </p:cNvPr>
+          <p:cNvPicPr>
+            <a:picLocks noChangeAspect="1" noChangeArrowheads="1"/>
+          </p:cNvPicPr>
+          <p:nvPr/>
+        </p:nvPicPr>
+        <p:blipFill>
+          <a:blip r:embed="rId2">
+            <a:extLst>
+              <a:ext uri="{BEBA8EAE-BF5A-486C-A8C5-ECC9F3942E4B}">
+                <a14:imgProps xmlns:a14="http://schemas.microsoft.com/office/drawing/2010/main">
+                  <a14:imgLayer r:embed="rId3">
+                    <a14:imgEffect>
+                      <a14:brightnessContrast bright="100000"/>
+                    </a14:imgEffect>
+                  </a14:imgLayer>
+                </a14:imgProps>
+              </a:ext>
+              <a:ext uri="{28A0092B-C50C-407E-A947-70E740481C1C}">
+                <a14:useLocalDpi xmlns:a14="http://schemas.microsoft.com/office/drawing/2010/main" val="0"/>
+              </a:ext>
+            </a:extLst>
+          </a:blip>
+          <a:srcRect/>
+          <a:stretch>
+            <a:fillRect/>
+          </a:stretch>
+        </p:blipFill>
+        <p:spPr bwMode="auto">
+          <a:xfrm>
+            <a:off x="11571145" y="5899832"/>
+            <a:ext cx="286836" cy="286836"/>
+          </a:xfrm>
+          <a:prstGeom prst="rect">
+            <a:avLst/>
+          </a:prstGeom>
+          <a:extLst>
+            <a:ext uri="{909E8E84-426E-40DD-AFC4-6F175D3DCCD1}">
+              <a14:hiddenFill xmlns:a14="http://schemas.microsoft.com/office/drawing/2010/main">
+                <a:solidFill>
+                  <a:srgbClr val="FFFFFF"/>
+                </a:solidFill>
+              </a14:hiddenFill>
+            </a:ext>
+          </a:extLst>
+        </p:spPr>
+      </p:pic>
+      <p:pic>
+        <p:nvPicPr>
+          <p:cNvPr id="9" name="Picture 4">
+            <a:extLst>
+              <a:ext uri="{FF2B5EF4-FFF2-40B4-BE49-F238E27FC236}">
+                <a16:creationId xmlns:a16="http://schemas.microsoft.com/office/drawing/2014/main" id="{1BF45E86-8255-4C82-BC8C-0D5FB82CD104}"/>
+              </a:ext>
+            </a:extLst>
+          </p:cNvPr>
+          <p:cNvPicPr>
+            <a:picLocks noChangeAspect="1" noChangeArrowheads="1"/>
+          </p:cNvPicPr>
+          <p:nvPr/>
+        </p:nvPicPr>
+        <p:blipFill>
+          <a:blip r:embed="rId4">
+            <a:extLst>
+              <a:ext uri="{BEBA8EAE-BF5A-486C-A8C5-ECC9F3942E4B}">
+                <a14:imgProps xmlns:a14="http://schemas.microsoft.com/office/drawing/2010/main">
+                  <a14:imgLayer r:embed="rId5">
+                    <a14:imgEffect>
+                      <a14:brightnessContrast bright="100000"/>
+                    </a14:imgEffect>
+                  </a14:imgLayer>
+                </a14:imgProps>
+              </a:ext>
+              <a:ext uri="{28A0092B-C50C-407E-A947-70E740481C1C}">
+                <a14:useLocalDpi xmlns:a14="http://schemas.microsoft.com/office/drawing/2010/main" val="0"/>
+              </a:ext>
+            </a:extLst>
+          </a:blip>
+          <a:srcRect/>
+          <a:stretch>
+            <a:fillRect/>
+          </a:stretch>
+        </p:blipFill>
+        <p:spPr bwMode="auto">
+          <a:xfrm>
+            <a:off x="11571145" y="4794375"/>
+            <a:ext cx="252000" cy="252000"/>
+          </a:xfrm>
+          <a:prstGeom prst="rect">
+            <a:avLst/>
+          </a:prstGeom>
+          <a:extLst>
+            <a:ext uri="{909E8E84-426E-40DD-AFC4-6F175D3DCCD1}">
+              <a14:hiddenFill xmlns:a14="http://schemas.microsoft.com/office/drawing/2010/main">
+                <a:solidFill>
+                  <a:srgbClr val="FFFFFF"/>
+                </a:solidFill>
+              </a14:hiddenFill>
+            </a:ext>
+          </a:extLst>
+        </p:spPr>
+      </p:pic>
+      <p:pic>
+        <p:nvPicPr>
+          <p:cNvPr id="10" name="Picture 4">
+            <a:extLst>
+              <a:ext uri="{FF2B5EF4-FFF2-40B4-BE49-F238E27FC236}">
+                <a16:creationId xmlns:a16="http://schemas.microsoft.com/office/drawing/2014/main" id="{A87F6756-A1DE-4CBF-9A38-6B4D2775B5E5}"/>
+              </a:ext>
+            </a:extLst>
+          </p:cNvPr>
+          <p:cNvPicPr>
+            <a:picLocks noChangeAspect="1" noChangeArrowheads="1"/>
+          </p:cNvPicPr>
+          <p:nvPr/>
+        </p:nvPicPr>
+        <p:blipFill>
+          <a:blip r:embed="rId4">
+            <a:extLst>
+              <a:ext uri="{BEBA8EAE-BF5A-486C-A8C5-ECC9F3942E4B}">
+                <a14:imgProps xmlns:a14="http://schemas.microsoft.com/office/drawing/2010/main">
+                  <a14:imgLayer r:embed="rId5">
+                    <a14:imgEffect>
+                      <a14:brightnessContrast bright="100000"/>
+                    </a14:imgEffect>
+                  </a14:imgLayer>
+                </a14:imgProps>
+              </a:ext>
+              <a:ext uri="{28A0092B-C50C-407E-A947-70E740481C1C}">
+                <a14:useLocalDpi xmlns:a14="http://schemas.microsoft.com/office/drawing/2010/main" val="0"/>
+              </a:ext>
+            </a:extLst>
+          </a:blip>
+          <a:srcRect/>
+          <a:stretch>
+            <a:fillRect/>
+          </a:stretch>
+        </p:blipFill>
+        <p:spPr bwMode="auto">
+          <a:xfrm>
+            <a:off x="11588563" y="6257317"/>
+            <a:ext cx="252000" cy="252000"/>
+          </a:xfrm>
+          <a:prstGeom prst="rect">
+            <a:avLst/>
+          </a:prstGeom>
+          <a:extLst>
+            <a:ext uri="{909E8E84-426E-40DD-AFC4-6F175D3DCCD1}">
+              <a14:hiddenFill xmlns:a14="http://schemas.microsoft.com/office/drawing/2010/main">
+                <a:solidFill>
+                  <a:srgbClr val="FFFFFF"/>
+                </a:solidFill>
+              </a14:hiddenFill>
+            </a:ext>
+          </a:extLst>
+        </p:spPr>
+      </p:pic>
+      <p:pic>
+        <p:nvPicPr>
+          <p:cNvPr id="12" name="Picture 2" descr="Email Icon Black Simple transparent PNG - StickPNG">
+            <a:extLst>
+              <a:ext uri="{FF2B5EF4-FFF2-40B4-BE49-F238E27FC236}">
+                <a16:creationId xmlns:a16="http://schemas.microsoft.com/office/drawing/2014/main" id="{331C4228-C264-452C-897A-D69AB44A2FDC}"/>
+              </a:ext>
+            </a:extLst>
+          </p:cNvPr>
+          <p:cNvPicPr>
+            <a:picLocks noChangeAspect="1" noChangeArrowheads="1"/>
+          </p:cNvPicPr>
+          <p:nvPr/>
+        </p:nvPicPr>
+        <p:blipFill rotWithShape="1">
+          <a:blip r:embed="rId6">
+            <a:extLst>
+              <a:ext uri="{BEBA8EAE-BF5A-486C-A8C5-ECC9F3942E4B}">
+                <a14:imgProps xmlns:a14="http://schemas.microsoft.com/office/drawing/2010/main">
+                  <a14:imgLayer r:embed="rId7">
+                    <a14:imgEffect>
+                      <a14:brightnessContrast bright="100000"/>
+                    </a14:imgEffect>
+                  </a14:imgLayer>
+                </a14:imgProps>
+              </a:ext>
+              <a:ext uri="{28A0092B-C50C-407E-A947-70E740481C1C}">
+                <a14:useLocalDpi xmlns:a14="http://schemas.microsoft.com/office/drawing/2010/main" val="0"/>
+              </a:ext>
+            </a:extLst>
+          </a:blip>
+          <a:srcRect l="16638" t="24304" r="16863" b="24219"/>
+          <a:stretch/>
+        </p:blipFill>
+        <p:spPr bwMode="auto">
+          <a:xfrm>
+            <a:off x="11557895" y="5175172"/>
+            <a:ext cx="279030" cy="216000"/>
+          </a:xfrm>
+          <a:prstGeom prst="rect">
+            <a:avLst/>
+          </a:prstGeom>
+          <a:extLst>
+            <a:ext uri="{909E8E84-426E-40DD-AFC4-6F175D3DCCD1}">
+              <a14:hiddenFill xmlns:a14="http://schemas.microsoft.com/office/drawing/2010/main">
+                <a:solidFill>
+                  <a:srgbClr val="FFFFFF"/>
+                </a:solidFill>
+              </a14:hiddenFill>
+            </a:ext>
+          </a:extLst>
+        </p:spPr>
+      </p:pic>
+      <p:pic>
+        <p:nvPicPr>
+          <p:cNvPr id="13" name="Picture 2" descr="Email Icon Black Simple transparent PNG - StickPNG">
+            <a:extLst>
+              <a:ext uri="{FF2B5EF4-FFF2-40B4-BE49-F238E27FC236}">
+                <a16:creationId xmlns:a16="http://schemas.microsoft.com/office/drawing/2014/main" id="{7FECE3AD-FD40-4555-8227-51B9A4F56EFE}"/>
+              </a:ext>
+            </a:extLst>
+          </p:cNvPr>
+          <p:cNvPicPr>
+            <a:picLocks noChangeAspect="1" noChangeArrowheads="1"/>
+          </p:cNvPicPr>
+          <p:nvPr/>
+        </p:nvPicPr>
+        <p:blipFill rotWithShape="1">
+          <a:blip r:embed="rId6">
+            <a:extLst>
+              <a:ext uri="{BEBA8EAE-BF5A-486C-A8C5-ECC9F3942E4B}">
+                <a14:imgProps xmlns:a14="http://schemas.microsoft.com/office/drawing/2010/main">
+                  <a14:imgLayer r:embed="rId7">
+                    <a14:imgEffect>
+                      <a14:brightnessContrast bright="100000"/>
+                    </a14:imgEffect>
+                  </a14:imgLayer>
+                </a14:imgProps>
+              </a:ext>
+              <a:ext uri="{28A0092B-C50C-407E-A947-70E740481C1C}">
+                <a14:useLocalDpi xmlns:a14="http://schemas.microsoft.com/office/drawing/2010/main" val="0"/>
+              </a:ext>
+            </a:extLst>
+          </a:blip>
+          <a:srcRect l="16638" t="24304" r="16863" b="24219"/>
+          <a:stretch/>
+        </p:blipFill>
+        <p:spPr bwMode="auto">
+          <a:xfrm>
+            <a:off x="11560481" y="5542522"/>
+            <a:ext cx="279030" cy="216000"/>
+          </a:xfrm>
+          <a:prstGeom prst="rect">
+            <a:avLst/>
+          </a:prstGeom>
+          <a:extLst>
+            <a:ext uri="{909E8E84-426E-40DD-AFC4-6F175D3DCCD1}">
+              <a14:hiddenFill xmlns:a14="http://schemas.microsoft.com/office/drawing/2010/main">
+                <a:solidFill>
+                  <a:srgbClr val="FFFFFF"/>
+                </a:solidFill>
+              </a14:hiddenFill>
+            </a:ext>
+          </a:extLst>
+        </p:spPr>
+      </p:pic>
     </p:spTree>
     <p:extLst>
       <p:ext uri="{BB962C8B-B14F-4D97-AF65-F5344CB8AC3E}">
@@ -5008,6 +5216,2696 @@
       </p:grpSpPr>
       <p:sp>
         <p:nvSpPr>
+          <p:cNvPr id="5" name="Título 1">
+            <a:extLst>
+              <a:ext uri="{FF2B5EF4-FFF2-40B4-BE49-F238E27FC236}">
+                <a16:creationId xmlns:a16="http://schemas.microsoft.com/office/drawing/2014/main" id="{B7EC11B8-2E63-4591-AAD1-F42A06B57F92}"/>
+              </a:ext>
+            </a:extLst>
+          </p:cNvPr>
+          <p:cNvSpPr txBox="1">
+            <a:spLocks/>
+          </p:cNvSpPr>
+          <p:nvPr/>
+        </p:nvSpPr>
+        <p:spPr>
+          <a:xfrm>
+            <a:off x="781755" y="473213"/>
+            <a:ext cx="10732466" cy="1325563"/>
+          </a:xfrm>
+          <a:prstGeom prst="rect">
+            <a:avLst/>
+          </a:prstGeom>
+        </p:spPr>
+        <p:txBody>
+          <a:bodyPr vert="horz" lIns="91440" tIns="45720" rIns="91440" bIns="45720" rtlCol="0" anchor="ctr">
+            <a:normAutofit/>
+          </a:bodyPr>
+          <a:lstStyle>
+            <a:lvl1pPr algn="l" defTabSz="914400" rtl="0" eaLnBrk="1" latinLnBrk="0" hangingPunct="1">
+              <a:lnSpc>
+                <a:spcPct val="90000"/>
+              </a:lnSpc>
+              <a:spcBef>
+                <a:spcPct val="0"/>
+              </a:spcBef>
+              <a:buNone/>
+              <a:defRPr sz="4400" kern="1200">
+                <a:solidFill>
+                  <a:schemeClr val="tx1"/>
+                </a:solidFill>
+                <a:latin typeface="+mj-lt"/>
+                <a:ea typeface="+mj-ea"/>
+                <a:cs typeface="+mj-cs"/>
+              </a:defRPr>
+            </a:lvl1pPr>
+          </a:lstStyle>
+          <a:p>
+            <a:r>
+              <a:rPr lang="pt-BR" sz="2800" dirty="0">
+                <a:solidFill>
+                  <a:schemeClr val="bg1"/>
+                </a:solidFill>
+                <a:latin typeface="Eras Bold ITC" panose="020B0907030504020204" pitchFamily="34" charset="0"/>
+              </a:rPr>
+              <a:t>NADPH doa seus elétrons para compostos que combatem moléculas perigosas </a:t>
+            </a:r>
+          </a:p>
+        </p:txBody>
+      </p:sp>
+      <p:cxnSp>
+        <p:nvCxnSpPr>
+          <p:cNvPr id="6" name="Conector reto 5">
+            <a:extLst>
+              <a:ext uri="{FF2B5EF4-FFF2-40B4-BE49-F238E27FC236}">
+                <a16:creationId xmlns:a16="http://schemas.microsoft.com/office/drawing/2014/main" id="{74509A4A-31E4-4903-9145-7A4717A8494B}"/>
+              </a:ext>
+            </a:extLst>
+          </p:cNvPr>
+          <p:cNvCxnSpPr>
+            <a:cxnSpLocks/>
+          </p:cNvCxnSpPr>
+          <p:nvPr/>
+        </p:nvCxnSpPr>
+        <p:spPr>
+          <a:xfrm>
+            <a:off x="6509084" y="1299411"/>
+            <a:ext cx="4572000" cy="0"/>
+          </a:xfrm>
+          <a:prstGeom prst="line">
+            <a:avLst/>
+          </a:prstGeom>
+          <a:ln w="28575">
+            <a:solidFill>
+              <a:schemeClr val="accent4">
+                <a:lumMod val="60000"/>
+                <a:lumOff val="40000"/>
+              </a:schemeClr>
+            </a:solidFill>
+          </a:ln>
+        </p:spPr>
+        <p:style>
+          <a:lnRef idx="1">
+            <a:schemeClr val="accent1"/>
+          </a:lnRef>
+          <a:fillRef idx="0">
+            <a:schemeClr val="accent1"/>
+          </a:fillRef>
+          <a:effectRef idx="0">
+            <a:schemeClr val="accent1"/>
+          </a:effectRef>
+          <a:fontRef idx="minor">
+            <a:schemeClr val="tx1"/>
+          </a:fontRef>
+        </p:style>
+      </p:cxnSp>
+      <p:cxnSp>
+        <p:nvCxnSpPr>
+          <p:cNvPr id="9" name="Conector de Seta Reta 8">
+            <a:extLst>
+              <a:ext uri="{FF2B5EF4-FFF2-40B4-BE49-F238E27FC236}">
+                <a16:creationId xmlns:a16="http://schemas.microsoft.com/office/drawing/2014/main" id="{141F7774-2A0D-42D3-849D-30919FAADDDF}"/>
+              </a:ext>
+            </a:extLst>
+          </p:cNvPr>
+          <p:cNvCxnSpPr>
+            <a:cxnSpLocks/>
+          </p:cNvCxnSpPr>
+          <p:nvPr/>
+        </p:nvCxnSpPr>
+        <p:spPr>
+          <a:xfrm>
+            <a:off x="8834595" y="1299411"/>
+            <a:ext cx="0" cy="1656645"/>
+          </a:xfrm>
+          <a:prstGeom prst="straightConnector1">
+            <a:avLst/>
+          </a:prstGeom>
+          <a:ln w="76200">
+            <a:solidFill>
+              <a:schemeClr val="accent4">
+                <a:lumMod val="60000"/>
+                <a:lumOff val="40000"/>
+              </a:schemeClr>
+            </a:solidFill>
+            <a:tailEnd type="triangle"/>
+          </a:ln>
+        </p:spPr>
+        <p:style>
+          <a:lnRef idx="1">
+            <a:schemeClr val="accent1"/>
+          </a:lnRef>
+          <a:fillRef idx="0">
+            <a:schemeClr val="accent1"/>
+          </a:fillRef>
+          <a:effectRef idx="0">
+            <a:schemeClr val="accent1"/>
+          </a:effectRef>
+          <a:fontRef idx="minor">
+            <a:schemeClr val="tx1"/>
+          </a:fontRef>
+        </p:style>
+      </p:cxnSp>
+      <p:sp>
+        <p:nvSpPr>
+          <p:cNvPr id="10" name="CaixaDeTexto 9">
+            <a:extLst>
+              <a:ext uri="{FF2B5EF4-FFF2-40B4-BE49-F238E27FC236}">
+                <a16:creationId xmlns:a16="http://schemas.microsoft.com/office/drawing/2014/main" id="{576E376F-E143-4996-B791-488F736BD89E}"/>
+              </a:ext>
+            </a:extLst>
+          </p:cNvPr>
+          <p:cNvSpPr txBox="1"/>
+          <p:nvPr/>
+        </p:nvSpPr>
+        <p:spPr>
+          <a:xfrm>
+            <a:off x="6785810" y="2956056"/>
+            <a:ext cx="4018547" cy="461665"/>
+          </a:xfrm>
+          <a:prstGeom prst="rect">
+            <a:avLst/>
+          </a:prstGeom>
+          <a:noFill/>
+        </p:spPr>
+        <p:txBody>
+          <a:bodyPr wrap="square" rtlCol="0">
+            <a:spAutoFit/>
+          </a:bodyPr>
+          <a:lstStyle/>
+          <a:p>
+            <a:pPr algn="ctr"/>
+            <a:r>
+              <a:rPr lang="pt-BR" sz="2400" dirty="0">
+                <a:solidFill>
+                  <a:schemeClr val="bg1"/>
+                </a:solidFill>
+                <a:latin typeface="Bell MT" panose="02020503060305020303" pitchFamily="18" charset="0"/>
+              </a:rPr>
+              <a:t>Antioxidantes</a:t>
+            </a:r>
+          </a:p>
+        </p:txBody>
+      </p:sp>
+      <p:cxnSp>
+        <p:nvCxnSpPr>
+          <p:cNvPr id="14" name="Conector reto 13">
+            <a:extLst>
+              <a:ext uri="{FF2B5EF4-FFF2-40B4-BE49-F238E27FC236}">
+                <a16:creationId xmlns:a16="http://schemas.microsoft.com/office/drawing/2014/main" id="{5A9049B1-7021-47BE-BE07-ADC3727F7F09}"/>
+              </a:ext>
+            </a:extLst>
+          </p:cNvPr>
+          <p:cNvCxnSpPr>
+            <a:cxnSpLocks/>
+          </p:cNvCxnSpPr>
+          <p:nvPr/>
+        </p:nvCxnSpPr>
+        <p:spPr>
+          <a:xfrm>
+            <a:off x="798097" y="1622576"/>
+            <a:ext cx="3713745" cy="0"/>
+          </a:xfrm>
+          <a:prstGeom prst="line">
+            <a:avLst/>
+          </a:prstGeom>
+          <a:ln w="28575">
+            <a:solidFill>
+              <a:schemeClr val="accent4">
+                <a:lumMod val="60000"/>
+                <a:lumOff val="40000"/>
+              </a:schemeClr>
+            </a:solidFill>
+          </a:ln>
+        </p:spPr>
+        <p:style>
+          <a:lnRef idx="1">
+            <a:schemeClr val="accent1"/>
+          </a:lnRef>
+          <a:fillRef idx="0">
+            <a:schemeClr val="accent1"/>
+          </a:fillRef>
+          <a:effectRef idx="0">
+            <a:schemeClr val="accent1"/>
+          </a:effectRef>
+          <a:fontRef idx="minor">
+            <a:schemeClr val="tx1"/>
+          </a:fontRef>
+        </p:style>
+      </p:cxnSp>
+      <p:cxnSp>
+        <p:nvCxnSpPr>
+          <p:cNvPr id="15" name="Conector de Seta Reta 14">
+            <a:extLst>
+              <a:ext uri="{FF2B5EF4-FFF2-40B4-BE49-F238E27FC236}">
+                <a16:creationId xmlns:a16="http://schemas.microsoft.com/office/drawing/2014/main" id="{69540FF5-1FB4-45FE-B74F-E20897BD346B}"/>
+              </a:ext>
+            </a:extLst>
+          </p:cNvPr>
+          <p:cNvCxnSpPr>
+            <a:cxnSpLocks/>
+          </p:cNvCxnSpPr>
+          <p:nvPr/>
+        </p:nvCxnSpPr>
+        <p:spPr>
+          <a:xfrm>
+            <a:off x="2606250" y="1622576"/>
+            <a:ext cx="0" cy="1656645"/>
+          </a:xfrm>
+          <a:prstGeom prst="straightConnector1">
+            <a:avLst/>
+          </a:prstGeom>
+          <a:ln w="76200">
+            <a:solidFill>
+              <a:schemeClr val="accent4">
+                <a:lumMod val="60000"/>
+                <a:lumOff val="40000"/>
+              </a:schemeClr>
+            </a:solidFill>
+            <a:tailEnd type="triangle"/>
+          </a:ln>
+        </p:spPr>
+        <p:style>
+          <a:lnRef idx="1">
+            <a:schemeClr val="accent1"/>
+          </a:lnRef>
+          <a:fillRef idx="0">
+            <a:schemeClr val="accent1"/>
+          </a:fillRef>
+          <a:effectRef idx="0">
+            <a:schemeClr val="accent1"/>
+          </a:effectRef>
+          <a:fontRef idx="minor">
+            <a:schemeClr val="tx1"/>
+          </a:fontRef>
+        </p:style>
+      </p:cxnSp>
+      <p:sp>
+        <p:nvSpPr>
+          <p:cNvPr id="16" name="CaixaDeTexto 15">
+            <a:extLst>
+              <a:ext uri="{FF2B5EF4-FFF2-40B4-BE49-F238E27FC236}">
+                <a16:creationId xmlns:a16="http://schemas.microsoft.com/office/drawing/2014/main" id="{FB6EA337-E148-470A-B2FC-0AF6862F0B7D}"/>
+              </a:ext>
+            </a:extLst>
+          </p:cNvPr>
+          <p:cNvSpPr txBox="1"/>
+          <p:nvPr/>
+        </p:nvSpPr>
+        <p:spPr>
+          <a:xfrm>
+            <a:off x="596976" y="3279221"/>
+            <a:ext cx="4018547" cy="461665"/>
+          </a:xfrm>
+          <a:prstGeom prst="rect">
+            <a:avLst/>
+          </a:prstGeom>
+          <a:noFill/>
+        </p:spPr>
+        <p:txBody>
+          <a:bodyPr wrap="square" rtlCol="0">
+            <a:spAutoFit/>
+          </a:bodyPr>
+          <a:lstStyle/>
+          <a:p>
+            <a:pPr algn="ctr"/>
+            <a:r>
+              <a:rPr lang="pt-BR" sz="2400" dirty="0">
+                <a:solidFill>
+                  <a:schemeClr val="bg1"/>
+                </a:solidFill>
+                <a:latin typeface="Bell MT" panose="02020503060305020303" pitchFamily="18" charset="0"/>
+              </a:rPr>
+              <a:t>Radicais de oxigênio</a:t>
+            </a:r>
+          </a:p>
+        </p:txBody>
+      </p:sp>
+      <p:sp>
+        <p:nvSpPr>
+          <p:cNvPr id="18" name="CaixaDeTexto 17">
+            <a:extLst>
+              <a:ext uri="{FF2B5EF4-FFF2-40B4-BE49-F238E27FC236}">
+                <a16:creationId xmlns:a16="http://schemas.microsoft.com/office/drawing/2014/main" id="{C8098960-86D7-4A72-8231-97074708D227}"/>
+              </a:ext>
+            </a:extLst>
+          </p:cNvPr>
+          <p:cNvSpPr txBox="1"/>
+          <p:nvPr/>
+        </p:nvSpPr>
+        <p:spPr>
+          <a:xfrm>
+            <a:off x="5204246" y="3939165"/>
+            <a:ext cx="6697027" cy="2677656"/>
+          </a:xfrm>
+          <a:prstGeom prst="rect">
+            <a:avLst/>
+          </a:prstGeom>
+          <a:noFill/>
+          <a:ln>
+            <a:solidFill>
+              <a:schemeClr val="bg1"/>
+            </a:solidFill>
+          </a:ln>
+        </p:spPr>
+        <p:txBody>
+          <a:bodyPr wrap="square" rtlCol="0">
+            <a:spAutoFit/>
+          </a:bodyPr>
+          <a:lstStyle/>
+          <a:p>
+            <a:pPr algn="just"/>
+            <a:r>
+              <a:rPr lang="pt-BR" sz="2400" dirty="0">
+                <a:solidFill>
+                  <a:schemeClr val="bg1"/>
+                </a:solidFill>
+                <a:latin typeface="Bell MT" panose="02020503060305020303" pitchFamily="18" charset="0"/>
+              </a:rPr>
+              <a:t>Depois de neutralizarem os radicais de oxigênio os antioxidantes precisam recarregar rapidamente para estarem prontos para ação caso seja necessário</a:t>
+            </a:r>
+          </a:p>
+          <a:p>
+            <a:pPr algn="just"/>
+            <a:endParaRPr lang="pt-BR" sz="2400" dirty="0">
+              <a:solidFill>
+                <a:schemeClr val="bg1"/>
+              </a:solidFill>
+              <a:latin typeface="Bell MT" panose="02020503060305020303" pitchFamily="18" charset="0"/>
+            </a:endParaRPr>
+          </a:p>
+          <a:p>
+            <a:pPr algn="just"/>
+            <a:r>
+              <a:rPr lang="pt-BR" sz="2400" dirty="0">
+                <a:solidFill>
+                  <a:schemeClr val="bg1"/>
+                </a:solidFill>
+                <a:latin typeface="Bell MT" panose="02020503060305020303" pitchFamily="18" charset="0"/>
+              </a:rPr>
+              <a:t>O NADPH realiza então o papel de doador constante de elétrons e hidrogênio aos antioxidantes para combater os radicais de oxigênio</a:t>
+            </a:r>
+          </a:p>
+        </p:txBody>
+      </p:sp>
+      <p:sp>
+        <p:nvSpPr>
+          <p:cNvPr id="19" name="CaixaDeTexto 18">
+            <a:extLst>
+              <a:ext uri="{FF2B5EF4-FFF2-40B4-BE49-F238E27FC236}">
+                <a16:creationId xmlns:a16="http://schemas.microsoft.com/office/drawing/2014/main" id="{A4019200-3BF3-4AC4-A756-E15085038BE7}"/>
+              </a:ext>
+            </a:extLst>
+          </p:cNvPr>
+          <p:cNvSpPr txBox="1"/>
+          <p:nvPr/>
+        </p:nvSpPr>
+        <p:spPr>
+          <a:xfrm>
+            <a:off x="1330828" y="4075497"/>
+            <a:ext cx="774698" cy="584775"/>
+          </a:xfrm>
+          <a:prstGeom prst="rect">
+            <a:avLst/>
+          </a:prstGeom>
+          <a:noFill/>
+        </p:spPr>
+        <p:txBody>
+          <a:bodyPr wrap="square" rtlCol="0">
+            <a:spAutoFit/>
+          </a:bodyPr>
+          <a:lstStyle/>
+          <a:p>
+            <a:pPr algn="ctr"/>
+            <a:r>
+              <a:rPr lang="pt-BR" sz="3200" baseline="30000" dirty="0">
+                <a:solidFill>
+                  <a:schemeClr val="bg1"/>
+                </a:solidFill>
+                <a:latin typeface="Bell MT" panose="02020503060305020303" pitchFamily="18" charset="0"/>
+              </a:rPr>
+              <a:t>*</a:t>
+            </a:r>
+            <a:r>
+              <a:rPr lang="pt-BR" sz="3200" dirty="0">
+                <a:solidFill>
+                  <a:schemeClr val="bg1"/>
+                </a:solidFill>
+                <a:latin typeface="Bell MT" panose="02020503060305020303" pitchFamily="18" charset="0"/>
+              </a:rPr>
+              <a:t>O</a:t>
+            </a:r>
+            <a:r>
+              <a:rPr lang="pt-BR" sz="3200" baseline="-25000" dirty="0">
+                <a:solidFill>
+                  <a:schemeClr val="bg1"/>
+                </a:solidFill>
+                <a:latin typeface="Bell MT" panose="02020503060305020303" pitchFamily="18" charset="0"/>
+              </a:rPr>
+              <a:t>2</a:t>
+            </a:r>
+          </a:p>
+        </p:txBody>
+      </p:sp>
+      <p:sp>
+        <p:nvSpPr>
+          <p:cNvPr id="21" name="CaixaDeTexto 20">
+            <a:extLst>
+              <a:ext uri="{FF2B5EF4-FFF2-40B4-BE49-F238E27FC236}">
+                <a16:creationId xmlns:a16="http://schemas.microsoft.com/office/drawing/2014/main" id="{76ECA612-878A-4296-B062-AA89D083AEB9}"/>
+              </a:ext>
+            </a:extLst>
+          </p:cNvPr>
+          <p:cNvSpPr txBox="1"/>
+          <p:nvPr/>
+        </p:nvSpPr>
+        <p:spPr>
+          <a:xfrm>
+            <a:off x="2750628" y="4074454"/>
+            <a:ext cx="1232434" cy="584775"/>
+          </a:xfrm>
+          <a:prstGeom prst="rect">
+            <a:avLst/>
+          </a:prstGeom>
+          <a:noFill/>
+        </p:spPr>
+        <p:txBody>
+          <a:bodyPr wrap="square" rtlCol="0">
+            <a:spAutoFit/>
+          </a:bodyPr>
+          <a:lstStyle/>
+          <a:p>
+            <a:pPr algn="ctr"/>
+            <a:r>
+              <a:rPr lang="pt-BR" sz="3200" baseline="30000" dirty="0">
+                <a:solidFill>
+                  <a:schemeClr val="bg1"/>
+                </a:solidFill>
+                <a:latin typeface="Bell MT" panose="02020503060305020303" pitchFamily="18" charset="0"/>
+              </a:rPr>
+              <a:t>*</a:t>
+            </a:r>
+            <a:r>
+              <a:rPr lang="pt-BR" sz="3200" dirty="0">
+                <a:solidFill>
+                  <a:schemeClr val="bg1"/>
+                </a:solidFill>
+                <a:latin typeface="Bell MT" panose="02020503060305020303" pitchFamily="18" charset="0"/>
+              </a:rPr>
+              <a:t>OH</a:t>
+            </a:r>
+            <a:endParaRPr lang="pt-BR" sz="3200" baseline="30000" dirty="0">
+              <a:solidFill>
+                <a:schemeClr val="bg1"/>
+              </a:solidFill>
+              <a:latin typeface="Bell MT" panose="02020503060305020303" pitchFamily="18" charset="0"/>
+            </a:endParaRPr>
+          </a:p>
+        </p:txBody>
+      </p:sp>
+    </p:spTree>
+    <p:extLst>
+      <p:ext uri="{BB962C8B-B14F-4D97-AF65-F5344CB8AC3E}">
+        <p14:creationId xmlns:p14="http://schemas.microsoft.com/office/powerpoint/2010/main" val="592413336"/>
+      </p:ext>
+    </p:extLst>
+  </p:cSld>
+  <p:clrMapOvr>
+    <a:masterClrMapping/>
+  </p:clrMapOvr>
+  <p:transition spd="slow">
+    <p:push/>
+  </p:transition>
+  <p:timing>
+    <p:tnLst>
+      <p:par>
+        <p:cTn id="1" dur="indefinite" restart="never" nodeType="tmRoot">
+          <p:childTnLst>
+            <p:seq concurrent="1" nextAc="seek">
+              <p:cTn id="2" dur="indefinite" nodeType="mainSeq">
+                <p:childTnLst>
+                  <p:par>
+                    <p:cTn id="3" fill="hold">
+                      <p:stCondLst>
+                        <p:cond delay="indefinite"/>
+                      </p:stCondLst>
+                      <p:childTnLst>
+                        <p:par>
+                          <p:cTn id="4" fill="hold">
+                            <p:stCondLst>
+                              <p:cond delay="0"/>
+                            </p:stCondLst>
+                            <p:childTnLst>
+                              <p:par>
+                                <p:cTn id="5" presetID="22" presetClass="entr" presetSubtype="4" fill="hold" nodeType="clickEffect">
+                                  <p:stCondLst>
+                                    <p:cond delay="0"/>
+                                  </p:stCondLst>
+                                  <p:childTnLst>
+                                    <p:set>
+                                      <p:cBhvr>
+                                        <p:cTn id="6" dur="1" fill="hold">
+                                          <p:stCondLst>
+                                            <p:cond delay="0"/>
+                                          </p:stCondLst>
+                                        </p:cTn>
+                                        <p:tgtEl>
+                                          <p:spTgt spid="6"/>
+                                        </p:tgtEl>
+                                        <p:attrNameLst>
+                                          <p:attrName>style.visibility</p:attrName>
+                                        </p:attrNameLst>
+                                      </p:cBhvr>
+                                      <p:to>
+                                        <p:strVal val="visible"/>
+                                      </p:to>
+                                    </p:set>
+                                    <p:animEffect transition="in" filter="wipe(down)">
+                                      <p:cBhvr>
+                                        <p:cTn id="7" dur="500"/>
+                                        <p:tgtEl>
+                                          <p:spTgt spid="6"/>
+                                        </p:tgtEl>
+                                      </p:cBhvr>
+                                    </p:animEffect>
+                                  </p:childTnLst>
+                                </p:cTn>
+                              </p:par>
+                              <p:par>
+                                <p:cTn id="8" presetID="22" presetClass="entr" presetSubtype="4" fill="hold" nodeType="withEffect">
+                                  <p:stCondLst>
+                                    <p:cond delay="0"/>
+                                  </p:stCondLst>
+                                  <p:childTnLst>
+                                    <p:set>
+                                      <p:cBhvr>
+                                        <p:cTn id="9" dur="1" fill="hold">
+                                          <p:stCondLst>
+                                            <p:cond delay="0"/>
+                                          </p:stCondLst>
+                                        </p:cTn>
+                                        <p:tgtEl>
+                                          <p:spTgt spid="9"/>
+                                        </p:tgtEl>
+                                        <p:attrNameLst>
+                                          <p:attrName>style.visibility</p:attrName>
+                                        </p:attrNameLst>
+                                      </p:cBhvr>
+                                      <p:to>
+                                        <p:strVal val="visible"/>
+                                      </p:to>
+                                    </p:set>
+                                    <p:animEffect transition="in" filter="wipe(down)">
+                                      <p:cBhvr>
+                                        <p:cTn id="10" dur="500"/>
+                                        <p:tgtEl>
+                                          <p:spTgt spid="9"/>
+                                        </p:tgtEl>
+                                      </p:cBhvr>
+                                    </p:animEffect>
+                                  </p:childTnLst>
+                                </p:cTn>
+                              </p:par>
+                              <p:par>
+                                <p:cTn id="11" presetID="22" presetClass="entr" presetSubtype="4" fill="hold" grpId="0" nodeType="withEffect">
+                                  <p:stCondLst>
+                                    <p:cond delay="0"/>
+                                  </p:stCondLst>
+                                  <p:childTnLst>
+                                    <p:set>
+                                      <p:cBhvr>
+                                        <p:cTn id="12" dur="1" fill="hold">
+                                          <p:stCondLst>
+                                            <p:cond delay="0"/>
+                                          </p:stCondLst>
+                                        </p:cTn>
+                                        <p:tgtEl>
+                                          <p:spTgt spid="10"/>
+                                        </p:tgtEl>
+                                        <p:attrNameLst>
+                                          <p:attrName>style.visibility</p:attrName>
+                                        </p:attrNameLst>
+                                      </p:cBhvr>
+                                      <p:to>
+                                        <p:strVal val="visible"/>
+                                      </p:to>
+                                    </p:set>
+                                    <p:animEffect transition="in" filter="wipe(down)">
+                                      <p:cBhvr>
+                                        <p:cTn id="13" dur="500"/>
+                                        <p:tgtEl>
+                                          <p:spTgt spid="10"/>
+                                        </p:tgtEl>
+                                      </p:cBhvr>
+                                    </p:animEffect>
+                                  </p:childTnLst>
+                                </p:cTn>
+                              </p:par>
+                            </p:childTnLst>
+                          </p:cTn>
+                        </p:par>
+                      </p:childTnLst>
+                    </p:cTn>
+                  </p:par>
+                  <p:par>
+                    <p:cTn id="14" fill="hold">
+                      <p:stCondLst>
+                        <p:cond delay="indefinite"/>
+                      </p:stCondLst>
+                      <p:childTnLst>
+                        <p:par>
+                          <p:cTn id="15" fill="hold">
+                            <p:stCondLst>
+                              <p:cond delay="0"/>
+                            </p:stCondLst>
+                            <p:childTnLst>
+                              <p:par>
+                                <p:cTn id="16" presetID="22" presetClass="entr" presetSubtype="4" fill="hold" nodeType="clickEffect">
+                                  <p:stCondLst>
+                                    <p:cond delay="0"/>
+                                  </p:stCondLst>
+                                  <p:childTnLst>
+                                    <p:set>
+                                      <p:cBhvr>
+                                        <p:cTn id="17" dur="1" fill="hold">
+                                          <p:stCondLst>
+                                            <p:cond delay="0"/>
+                                          </p:stCondLst>
+                                        </p:cTn>
+                                        <p:tgtEl>
+                                          <p:spTgt spid="14"/>
+                                        </p:tgtEl>
+                                        <p:attrNameLst>
+                                          <p:attrName>style.visibility</p:attrName>
+                                        </p:attrNameLst>
+                                      </p:cBhvr>
+                                      <p:to>
+                                        <p:strVal val="visible"/>
+                                      </p:to>
+                                    </p:set>
+                                    <p:animEffect transition="in" filter="wipe(down)">
+                                      <p:cBhvr>
+                                        <p:cTn id="18" dur="500"/>
+                                        <p:tgtEl>
+                                          <p:spTgt spid="14"/>
+                                        </p:tgtEl>
+                                      </p:cBhvr>
+                                    </p:animEffect>
+                                  </p:childTnLst>
+                                </p:cTn>
+                              </p:par>
+                              <p:par>
+                                <p:cTn id="19" presetID="22" presetClass="entr" presetSubtype="4" fill="hold" nodeType="withEffect">
+                                  <p:stCondLst>
+                                    <p:cond delay="0"/>
+                                  </p:stCondLst>
+                                  <p:childTnLst>
+                                    <p:set>
+                                      <p:cBhvr>
+                                        <p:cTn id="20" dur="1" fill="hold">
+                                          <p:stCondLst>
+                                            <p:cond delay="0"/>
+                                          </p:stCondLst>
+                                        </p:cTn>
+                                        <p:tgtEl>
+                                          <p:spTgt spid="15"/>
+                                        </p:tgtEl>
+                                        <p:attrNameLst>
+                                          <p:attrName>style.visibility</p:attrName>
+                                        </p:attrNameLst>
+                                      </p:cBhvr>
+                                      <p:to>
+                                        <p:strVal val="visible"/>
+                                      </p:to>
+                                    </p:set>
+                                    <p:animEffect transition="in" filter="wipe(down)">
+                                      <p:cBhvr>
+                                        <p:cTn id="21" dur="500"/>
+                                        <p:tgtEl>
+                                          <p:spTgt spid="15"/>
+                                        </p:tgtEl>
+                                      </p:cBhvr>
+                                    </p:animEffect>
+                                  </p:childTnLst>
+                                </p:cTn>
+                              </p:par>
+                              <p:par>
+                                <p:cTn id="22" presetID="22" presetClass="entr" presetSubtype="4" fill="hold" grpId="0" nodeType="withEffect">
+                                  <p:stCondLst>
+                                    <p:cond delay="0"/>
+                                  </p:stCondLst>
+                                  <p:childTnLst>
+                                    <p:set>
+                                      <p:cBhvr>
+                                        <p:cTn id="23" dur="1" fill="hold">
+                                          <p:stCondLst>
+                                            <p:cond delay="0"/>
+                                          </p:stCondLst>
+                                        </p:cTn>
+                                        <p:tgtEl>
+                                          <p:spTgt spid="16"/>
+                                        </p:tgtEl>
+                                        <p:attrNameLst>
+                                          <p:attrName>style.visibility</p:attrName>
+                                        </p:attrNameLst>
+                                      </p:cBhvr>
+                                      <p:to>
+                                        <p:strVal val="visible"/>
+                                      </p:to>
+                                    </p:set>
+                                    <p:animEffect transition="in" filter="wipe(down)">
+                                      <p:cBhvr>
+                                        <p:cTn id="24" dur="500"/>
+                                        <p:tgtEl>
+                                          <p:spTgt spid="16"/>
+                                        </p:tgtEl>
+                                      </p:cBhvr>
+                                    </p:animEffect>
+                                  </p:childTnLst>
+                                </p:cTn>
+                              </p:par>
+                            </p:childTnLst>
+                          </p:cTn>
+                        </p:par>
+                      </p:childTnLst>
+                    </p:cTn>
+                  </p:par>
+                  <p:par>
+                    <p:cTn id="25" fill="hold">
+                      <p:stCondLst>
+                        <p:cond delay="indefinite"/>
+                      </p:stCondLst>
+                      <p:childTnLst>
+                        <p:par>
+                          <p:cTn id="26" fill="hold">
+                            <p:stCondLst>
+                              <p:cond delay="0"/>
+                            </p:stCondLst>
+                            <p:childTnLst>
+                              <p:par>
+                                <p:cTn id="27" presetID="22" presetClass="entr" presetSubtype="4" fill="hold" grpId="0" nodeType="clickEffect">
+                                  <p:stCondLst>
+                                    <p:cond delay="0"/>
+                                  </p:stCondLst>
+                                  <p:childTnLst>
+                                    <p:set>
+                                      <p:cBhvr>
+                                        <p:cTn id="28" dur="1" fill="hold">
+                                          <p:stCondLst>
+                                            <p:cond delay="0"/>
+                                          </p:stCondLst>
+                                        </p:cTn>
+                                        <p:tgtEl>
+                                          <p:spTgt spid="18"/>
+                                        </p:tgtEl>
+                                        <p:attrNameLst>
+                                          <p:attrName>style.visibility</p:attrName>
+                                        </p:attrNameLst>
+                                      </p:cBhvr>
+                                      <p:to>
+                                        <p:strVal val="visible"/>
+                                      </p:to>
+                                    </p:set>
+                                    <p:animEffect transition="in" filter="wipe(down)">
+                                      <p:cBhvr>
+                                        <p:cTn id="29" dur="500"/>
+                                        <p:tgtEl>
+                                          <p:spTgt spid="18"/>
+                                        </p:tgtEl>
+                                      </p:cBhvr>
+                                    </p:animEffect>
+                                  </p:childTnLst>
+                                </p:cTn>
+                              </p:par>
+                              <p:par>
+                                <p:cTn id="30" presetID="22" presetClass="entr" presetSubtype="4" fill="hold" grpId="0" nodeType="withEffect">
+                                  <p:stCondLst>
+                                    <p:cond delay="0"/>
+                                  </p:stCondLst>
+                                  <p:childTnLst>
+                                    <p:set>
+                                      <p:cBhvr>
+                                        <p:cTn id="31" dur="1" fill="hold">
+                                          <p:stCondLst>
+                                            <p:cond delay="0"/>
+                                          </p:stCondLst>
+                                        </p:cTn>
+                                        <p:tgtEl>
+                                          <p:spTgt spid="19"/>
+                                        </p:tgtEl>
+                                        <p:attrNameLst>
+                                          <p:attrName>style.visibility</p:attrName>
+                                        </p:attrNameLst>
+                                      </p:cBhvr>
+                                      <p:to>
+                                        <p:strVal val="visible"/>
+                                      </p:to>
+                                    </p:set>
+                                    <p:animEffect transition="in" filter="wipe(down)">
+                                      <p:cBhvr>
+                                        <p:cTn id="32" dur="500"/>
+                                        <p:tgtEl>
+                                          <p:spTgt spid="19"/>
+                                        </p:tgtEl>
+                                      </p:cBhvr>
+                                    </p:animEffect>
+                                  </p:childTnLst>
+                                </p:cTn>
+                              </p:par>
+                              <p:par>
+                                <p:cTn id="33" presetID="22" presetClass="entr" presetSubtype="4" fill="hold" grpId="0" nodeType="withEffect">
+                                  <p:stCondLst>
+                                    <p:cond delay="0"/>
+                                  </p:stCondLst>
+                                  <p:childTnLst>
+                                    <p:set>
+                                      <p:cBhvr>
+                                        <p:cTn id="34" dur="1" fill="hold">
+                                          <p:stCondLst>
+                                            <p:cond delay="0"/>
+                                          </p:stCondLst>
+                                        </p:cTn>
+                                        <p:tgtEl>
+                                          <p:spTgt spid="21"/>
+                                        </p:tgtEl>
+                                        <p:attrNameLst>
+                                          <p:attrName>style.visibility</p:attrName>
+                                        </p:attrNameLst>
+                                      </p:cBhvr>
+                                      <p:to>
+                                        <p:strVal val="visible"/>
+                                      </p:to>
+                                    </p:set>
+                                    <p:animEffect transition="in" filter="wipe(down)">
+                                      <p:cBhvr>
+                                        <p:cTn id="35" dur="500"/>
+                                        <p:tgtEl>
+                                          <p:spTgt spid="21"/>
+                                        </p:tgtEl>
+                                      </p:cBhvr>
+                                    </p:animEffect>
+                                  </p:childTnLst>
+                                </p:cTn>
+                              </p:par>
+                            </p:childTnLst>
+                          </p:cTn>
+                        </p:par>
+                      </p:childTnLst>
+                    </p:cTn>
+                  </p:par>
+                </p:childTnLst>
+              </p:cTn>
+              <p:prevCondLst>
+                <p:cond evt="onPrev" delay="0">
+                  <p:tgtEl>
+                    <p:sldTgt/>
+                  </p:tgtEl>
+                </p:cond>
+              </p:prevCondLst>
+              <p:nextCondLst>
+                <p:cond evt="onNext" delay="0">
+                  <p:tgtEl>
+                    <p:sldTgt/>
+                  </p:tgtEl>
+                </p:cond>
+              </p:nextCondLst>
+            </p:seq>
+          </p:childTnLst>
+        </p:cTn>
+      </p:par>
+    </p:tnLst>
+    <p:bldLst>
+      <p:bldP spid="10" grpId="0"/>
+      <p:bldP spid="16" grpId="0"/>
+      <p:bldP spid="18" grpId="0" animBg="1"/>
+      <p:bldP spid="19" grpId="0"/>
+      <p:bldP spid="21" grpId="0"/>
+    </p:bldLst>
+  </p:timing>
+</p:sld>
+</file>
+
+<file path=ppt/slides/slide11.xml><?xml version="1.0" encoding="utf-8"?>
+<p:sld xmlns:a="http://schemas.openxmlformats.org/drawingml/2006/main" xmlns:r="http://schemas.openxmlformats.org/officeDocument/2006/relationships" xmlns:p="http://schemas.openxmlformats.org/presentationml/2006/main">
+  <p:cSld>
+    <p:spTree>
+      <p:nvGrpSpPr>
+        <p:cNvPr id="1" name=""/>
+        <p:cNvGrpSpPr/>
+        <p:nvPr/>
+      </p:nvGrpSpPr>
+      <p:grpSpPr>
+        <a:xfrm>
+          <a:off x="0" y="0"/>
+          <a:ext cx="0" cy="0"/>
+          <a:chOff x="0" y="0"/>
+          <a:chExt cx="0" cy="0"/>
+        </a:xfrm>
+      </p:grpSpPr>
+      <p:sp>
+        <p:nvSpPr>
+          <p:cNvPr id="5" name="CaixaDeTexto 4">
+            <a:extLst>
+              <a:ext uri="{FF2B5EF4-FFF2-40B4-BE49-F238E27FC236}">
+                <a16:creationId xmlns:a16="http://schemas.microsoft.com/office/drawing/2014/main" id="{45C3C187-1A41-4D97-A0E9-EDFB4BEB0B61}"/>
+              </a:ext>
+            </a:extLst>
+          </p:cNvPr>
+          <p:cNvSpPr txBox="1"/>
+          <p:nvPr/>
+        </p:nvSpPr>
+        <p:spPr>
+          <a:xfrm>
+            <a:off x="993056" y="1627830"/>
+            <a:ext cx="2286000" cy="2215991"/>
+          </a:xfrm>
+          <a:prstGeom prst="rect">
+            <a:avLst/>
+          </a:prstGeom>
+          <a:noFill/>
+        </p:spPr>
+        <p:txBody>
+          <a:bodyPr wrap="square" rtlCol="0">
+            <a:spAutoFit/>
+          </a:bodyPr>
+          <a:lstStyle/>
+          <a:p>
+            <a:pPr algn="ctr"/>
+            <a:r>
+              <a:rPr lang="pt-BR" sz="13800" dirty="0">
+                <a:solidFill>
+                  <a:schemeClr val="bg1"/>
+                </a:solidFill>
+                <a:latin typeface="Times New Roman" panose="02020603050405020304" pitchFamily="18" charset="0"/>
+                <a:cs typeface="Times New Roman" panose="02020603050405020304" pitchFamily="18" charset="0"/>
+              </a:rPr>
+              <a:t>O</a:t>
+            </a:r>
+          </a:p>
+        </p:txBody>
+      </p:sp>
+      <p:sp>
+        <p:nvSpPr>
+          <p:cNvPr id="6" name="Elipse 5">
+            <a:extLst>
+              <a:ext uri="{FF2B5EF4-FFF2-40B4-BE49-F238E27FC236}">
+                <a16:creationId xmlns:a16="http://schemas.microsoft.com/office/drawing/2014/main" id="{AD8E6FE6-EC35-4E16-90CC-06A0381EE108}"/>
+              </a:ext>
+            </a:extLst>
+          </p:cNvPr>
+          <p:cNvSpPr/>
+          <p:nvPr/>
+        </p:nvSpPr>
+        <p:spPr>
+          <a:xfrm>
+            <a:off x="2207342" y="1779296"/>
+            <a:ext cx="250722" cy="252000"/>
+          </a:xfrm>
+          <a:prstGeom prst="ellipse">
+            <a:avLst/>
+          </a:prstGeom>
+          <a:solidFill>
+            <a:schemeClr val="bg1"/>
+          </a:solidFill>
+          <a:ln>
+            <a:solidFill>
+              <a:schemeClr val="bg1"/>
+            </a:solidFill>
+          </a:ln>
+        </p:spPr>
+        <p:style>
+          <a:lnRef idx="2">
+            <a:schemeClr val="accent1">
+              <a:shade val="50000"/>
+            </a:schemeClr>
+          </a:lnRef>
+          <a:fillRef idx="1">
+            <a:schemeClr val="accent1"/>
+          </a:fillRef>
+          <a:effectRef idx="0">
+            <a:schemeClr val="accent1"/>
+          </a:effectRef>
+          <a:fontRef idx="minor">
+            <a:schemeClr val="lt1"/>
+          </a:fontRef>
+        </p:style>
+        <p:txBody>
+          <a:bodyPr rtlCol="0" anchor="ctr"/>
+          <a:lstStyle/>
+          <a:p>
+            <a:pPr algn="ctr"/>
+            <a:endParaRPr lang="pt-BR"/>
+          </a:p>
+        </p:txBody>
+      </p:sp>
+      <p:sp>
+        <p:nvSpPr>
+          <p:cNvPr id="8" name="Elipse 7">
+            <a:extLst>
+              <a:ext uri="{FF2B5EF4-FFF2-40B4-BE49-F238E27FC236}">
+                <a16:creationId xmlns:a16="http://schemas.microsoft.com/office/drawing/2014/main" id="{65F64EC5-FF70-4D01-84A2-2EA994199615}"/>
+              </a:ext>
+            </a:extLst>
+          </p:cNvPr>
+          <p:cNvSpPr/>
+          <p:nvPr/>
+        </p:nvSpPr>
+        <p:spPr>
+          <a:xfrm>
+            <a:off x="1826342" y="1779296"/>
+            <a:ext cx="250722" cy="252000"/>
+          </a:xfrm>
+          <a:prstGeom prst="ellipse">
+            <a:avLst/>
+          </a:prstGeom>
+          <a:solidFill>
+            <a:schemeClr val="bg1"/>
+          </a:solidFill>
+          <a:ln>
+            <a:solidFill>
+              <a:schemeClr val="bg1"/>
+            </a:solidFill>
+          </a:ln>
+        </p:spPr>
+        <p:style>
+          <a:lnRef idx="2">
+            <a:schemeClr val="accent1">
+              <a:shade val="50000"/>
+            </a:schemeClr>
+          </a:lnRef>
+          <a:fillRef idx="1">
+            <a:schemeClr val="accent1"/>
+          </a:fillRef>
+          <a:effectRef idx="0">
+            <a:schemeClr val="accent1"/>
+          </a:effectRef>
+          <a:fontRef idx="minor">
+            <a:schemeClr val="lt1"/>
+          </a:fontRef>
+        </p:style>
+        <p:txBody>
+          <a:bodyPr rtlCol="0" anchor="ctr"/>
+          <a:lstStyle/>
+          <a:p>
+            <a:pPr algn="ctr"/>
+            <a:endParaRPr lang="pt-BR"/>
+          </a:p>
+        </p:txBody>
+      </p:sp>
+      <p:sp>
+        <p:nvSpPr>
+          <p:cNvPr id="9" name="Elipse 8">
+            <a:extLst>
+              <a:ext uri="{FF2B5EF4-FFF2-40B4-BE49-F238E27FC236}">
+                <a16:creationId xmlns:a16="http://schemas.microsoft.com/office/drawing/2014/main" id="{3675F1AF-57C9-4D1B-9C62-4242E21476FC}"/>
+              </a:ext>
+            </a:extLst>
+          </p:cNvPr>
+          <p:cNvSpPr/>
+          <p:nvPr/>
+        </p:nvSpPr>
+        <p:spPr>
+          <a:xfrm>
+            <a:off x="2207342" y="3566356"/>
+            <a:ext cx="250722" cy="252000"/>
+          </a:xfrm>
+          <a:prstGeom prst="ellipse">
+            <a:avLst/>
+          </a:prstGeom>
+          <a:solidFill>
+            <a:schemeClr val="bg1"/>
+          </a:solidFill>
+          <a:ln>
+            <a:solidFill>
+              <a:schemeClr val="bg1"/>
+            </a:solidFill>
+          </a:ln>
+        </p:spPr>
+        <p:style>
+          <a:lnRef idx="2">
+            <a:schemeClr val="accent1">
+              <a:shade val="50000"/>
+            </a:schemeClr>
+          </a:lnRef>
+          <a:fillRef idx="1">
+            <a:schemeClr val="accent1"/>
+          </a:fillRef>
+          <a:effectRef idx="0">
+            <a:schemeClr val="accent1"/>
+          </a:effectRef>
+          <a:fontRef idx="minor">
+            <a:schemeClr val="lt1"/>
+          </a:fontRef>
+        </p:style>
+        <p:txBody>
+          <a:bodyPr rtlCol="0" anchor="ctr"/>
+          <a:lstStyle/>
+          <a:p>
+            <a:pPr algn="ctr"/>
+            <a:endParaRPr lang="pt-BR"/>
+          </a:p>
+        </p:txBody>
+      </p:sp>
+      <p:sp>
+        <p:nvSpPr>
+          <p:cNvPr id="10" name="Elipse 9">
+            <a:extLst>
+              <a:ext uri="{FF2B5EF4-FFF2-40B4-BE49-F238E27FC236}">
+                <a16:creationId xmlns:a16="http://schemas.microsoft.com/office/drawing/2014/main" id="{C0A0CAD7-A7F4-4442-8EF0-BADA4824782A}"/>
+              </a:ext>
+            </a:extLst>
+          </p:cNvPr>
+          <p:cNvSpPr/>
+          <p:nvPr/>
+        </p:nvSpPr>
+        <p:spPr>
+          <a:xfrm>
+            <a:off x="1826342" y="3566356"/>
+            <a:ext cx="250722" cy="252000"/>
+          </a:xfrm>
+          <a:prstGeom prst="ellipse">
+            <a:avLst/>
+          </a:prstGeom>
+          <a:solidFill>
+            <a:schemeClr val="bg1"/>
+          </a:solidFill>
+          <a:ln>
+            <a:solidFill>
+              <a:schemeClr val="bg1"/>
+            </a:solidFill>
+          </a:ln>
+        </p:spPr>
+        <p:style>
+          <a:lnRef idx="2">
+            <a:schemeClr val="accent1">
+              <a:shade val="50000"/>
+            </a:schemeClr>
+          </a:lnRef>
+          <a:fillRef idx="1">
+            <a:schemeClr val="accent1"/>
+          </a:fillRef>
+          <a:effectRef idx="0">
+            <a:schemeClr val="accent1"/>
+          </a:effectRef>
+          <a:fontRef idx="minor">
+            <a:schemeClr val="lt1"/>
+          </a:fontRef>
+        </p:style>
+        <p:txBody>
+          <a:bodyPr rtlCol="0" anchor="ctr"/>
+          <a:lstStyle/>
+          <a:p>
+            <a:pPr algn="ctr"/>
+            <a:endParaRPr lang="pt-BR"/>
+          </a:p>
+        </p:txBody>
+      </p:sp>
+      <p:sp>
+        <p:nvSpPr>
+          <p:cNvPr id="11" name="Elipse 10">
+            <a:extLst>
+              <a:ext uri="{FF2B5EF4-FFF2-40B4-BE49-F238E27FC236}">
+                <a16:creationId xmlns:a16="http://schemas.microsoft.com/office/drawing/2014/main" id="{4C650AF8-B467-4A98-AE1B-BBE5390F4CBC}"/>
+              </a:ext>
+            </a:extLst>
+          </p:cNvPr>
+          <p:cNvSpPr/>
+          <p:nvPr/>
+        </p:nvSpPr>
+        <p:spPr>
+          <a:xfrm>
+            <a:off x="2907891" y="2465095"/>
+            <a:ext cx="250722" cy="252000"/>
+          </a:xfrm>
+          <a:prstGeom prst="ellipse">
+            <a:avLst/>
+          </a:prstGeom>
+          <a:solidFill>
+            <a:schemeClr val="bg1"/>
+          </a:solidFill>
+          <a:ln>
+            <a:solidFill>
+              <a:schemeClr val="bg1"/>
+            </a:solidFill>
+          </a:ln>
+        </p:spPr>
+        <p:style>
+          <a:lnRef idx="2">
+            <a:schemeClr val="accent1">
+              <a:shade val="50000"/>
+            </a:schemeClr>
+          </a:lnRef>
+          <a:fillRef idx="1">
+            <a:schemeClr val="accent1"/>
+          </a:fillRef>
+          <a:effectRef idx="0">
+            <a:schemeClr val="accent1"/>
+          </a:effectRef>
+          <a:fontRef idx="minor">
+            <a:schemeClr val="lt1"/>
+          </a:fontRef>
+        </p:style>
+        <p:txBody>
+          <a:bodyPr rtlCol="0" anchor="ctr"/>
+          <a:lstStyle/>
+          <a:p>
+            <a:pPr algn="ctr"/>
+            <a:endParaRPr lang="pt-BR"/>
+          </a:p>
+        </p:txBody>
+      </p:sp>
+      <p:sp>
+        <p:nvSpPr>
+          <p:cNvPr id="12" name="Elipse 11">
+            <a:extLst>
+              <a:ext uri="{FF2B5EF4-FFF2-40B4-BE49-F238E27FC236}">
+                <a16:creationId xmlns:a16="http://schemas.microsoft.com/office/drawing/2014/main" id="{45A2C003-3EDA-4187-A58E-E9D09A7BB974}"/>
+              </a:ext>
+            </a:extLst>
+          </p:cNvPr>
+          <p:cNvSpPr/>
+          <p:nvPr/>
+        </p:nvSpPr>
+        <p:spPr>
+          <a:xfrm>
+            <a:off x="2907891" y="2907496"/>
+            <a:ext cx="250722" cy="252000"/>
+          </a:xfrm>
+          <a:prstGeom prst="ellipse">
+            <a:avLst/>
+          </a:prstGeom>
+          <a:solidFill>
+            <a:schemeClr val="bg1"/>
+          </a:solidFill>
+          <a:ln>
+            <a:solidFill>
+              <a:schemeClr val="bg1"/>
+            </a:solidFill>
+          </a:ln>
+        </p:spPr>
+        <p:style>
+          <a:lnRef idx="2">
+            <a:schemeClr val="accent1">
+              <a:shade val="50000"/>
+            </a:schemeClr>
+          </a:lnRef>
+          <a:fillRef idx="1">
+            <a:schemeClr val="accent1"/>
+          </a:fillRef>
+          <a:effectRef idx="0">
+            <a:schemeClr val="accent1"/>
+          </a:effectRef>
+          <a:fontRef idx="minor">
+            <a:schemeClr val="lt1"/>
+          </a:fontRef>
+        </p:style>
+        <p:txBody>
+          <a:bodyPr rtlCol="0" anchor="ctr"/>
+          <a:lstStyle/>
+          <a:p>
+            <a:pPr algn="ctr"/>
+            <a:endParaRPr lang="pt-BR"/>
+          </a:p>
+        </p:txBody>
+      </p:sp>
+      <p:sp>
+        <p:nvSpPr>
+          <p:cNvPr id="13" name="CaixaDeTexto 12">
+            <a:extLst>
+              <a:ext uri="{FF2B5EF4-FFF2-40B4-BE49-F238E27FC236}">
+                <a16:creationId xmlns:a16="http://schemas.microsoft.com/office/drawing/2014/main" id="{2F42B9B6-C8BF-44CA-93CC-BFE5B3785825}"/>
+              </a:ext>
+            </a:extLst>
+          </p:cNvPr>
+          <p:cNvSpPr txBox="1"/>
+          <p:nvPr/>
+        </p:nvSpPr>
+        <p:spPr>
+          <a:xfrm>
+            <a:off x="3409334" y="1627829"/>
+            <a:ext cx="1084008" cy="2215991"/>
+          </a:xfrm>
+          <a:prstGeom prst="rect">
+            <a:avLst/>
+          </a:prstGeom>
+          <a:noFill/>
+        </p:spPr>
+        <p:txBody>
+          <a:bodyPr wrap="square" rtlCol="0">
+            <a:spAutoFit/>
+          </a:bodyPr>
+          <a:lstStyle/>
+          <a:p>
+            <a:pPr algn="ctr"/>
+            <a:r>
+              <a:rPr lang="pt-BR" sz="13800" dirty="0">
+                <a:solidFill>
+                  <a:schemeClr val="bg1"/>
+                </a:solidFill>
+                <a:latin typeface="Times New Roman" panose="02020603050405020304" pitchFamily="18" charset="0"/>
+                <a:cs typeface="Times New Roman" panose="02020603050405020304" pitchFamily="18" charset="0"/>
+              </a:rPr>
+              <a:t>O</a:t>
+            </a:r>
+          </a:p>
+        </p:txBody>
+      </p:sp>
+      <p:sp>
+        <p:nvSpPr>
+          <p:cNvPr id="14" name="Elipse 13">
+            <a:extLst>
+              <a:ext uri="{FF2B5EF4-FFF2-40B4-BE49-F238E27FC236}">
+                <a16:creationId xmlns:a16="http://schemas.microsoft.com/office/drawing/2014/main" id="{35B5D668-E70D-4884-BA6A-19B7652C9212}"/>
+              </a:ext>
+            </a:extLst>
+          </p:cNvPr>
+          <p:cNvSpPr/>
+          <p:nvPr/>
+        </p:nvSpPr>
+        <p:spPr>
+          <a:xfrm>
+            <a:off x="3996813" y="1779296"/>
+            <a:ext cx="250722" cy="252000"/>
+          </a:xfrm>
+          <a:prstGeom prst="ellipse">
+            <a:avLst/>
+          </a:prstGeom>
+          <a:solidFill>
+            <a:schemeClr val="bg1"/>
+          </a:solidFill>
+          <a:ln>
+            <a:solidFill>
+              <a:schemeClr val="bg1"/>
+            </a:solidFill>
+          </a:ln>
+        </p:spPr>
+        <p:style>
+          <a:lnRef idx="2">
+            <a:schemeClr val="accent1">
+              <a:shade val="50000"/>
+            </a:schemeClr>
+          </a:lnRef>
+          <a:fillRef idx="1">
+            <a:schemeClr val="accent1"/>
+          </a:fillRef>
+          <a:effectRef idx="0">
+            <a:schemeClr val="accent1"/>
+          </a:effectRef>
+          <a:fontRef idx="minor">
+            <a:schemeClr val="lt1"/>
+          </a:fontRef>
+        </p:style>
+        <p:txBody>
+          <a:bodyPr rtlCol="0" anchor="ctr"/>
+          <a:lstStyle/>
+          <a:p>
+            <a:pPr algn="ctr"/>
+            <a:endParaRPr lang="pt-BR"/>
+          </a:p>
+        </p:txBody>
+      </p:sp>
+      <p:sp>
+        <p:nvSpPr>
+          <p:cNvPr id="15" name="Elipse 14">
+            <a:extLst>
+              <a:ext uri="{FF2B5EF4-FFF2-40B4-BE49-F238E27FC236}">
+                <a16:creationId xmlns:a16="http://schemas.microsoft.com/office/drawing/2014/main" id="{76993C72-28FB-4DF3-AB40-D6C9161AD225}"/>
+              </a:ext>
+            </a:extLst>
+          </p:cNvPr>
+          <p:cNvSpPr/>
+          <p:nvPr/>
+        </p:nvSpPr>
+        <p:spPr>
+          <a:xfrm>
+            <a:off x="3615813" y="1779296"/>
+            <a:ext cx="250722" cy="252000"/>
+          </a:xfrm>
+          <a:prstGeom prst="ellipse">
+            <a:avLst/>
+          </a:prstGeom>
+          <a:solidFill>
+            <a:schemeClr val="bg1"/>
+          </a:solidFill>
+          <a:ln>
+            <a:solidFill>
+              <a:schemeClr val="bg1"/>
+            </a:solidFill>
+          </a:ln>
+        </p:spPr>
+        <p:style>
+          <a:lnRef idx="2">
+            <a:schemeClr val="accent1">
+              <a:shade val="50000"/>
+            </a:schemeClr>
+          </a:lnRef>
+          <a:fillRef idx="1">
+            <a:schemeClr val="accent1"/>
+          </a:fillRef>
+          <a:effectRef idx="0">
+            <a:schemeClr val="accent1"/>
+          </a:effectRef>
+          <a:fontRef idx="minor">
+            <a:schemeClr val="lt1"/>
+          </a:fontRef>
+        </p:style>
+        <p:txBody>
+          <a:bodyPr rtlCol="0" anchor="ctr"/>
+          <a:lstStyle/>
+          <a:p>
+            <a:pPr algn="ctr"/>
+            <a:endParaRPr lang="pt-BR"/>
+          </a:p>
+        </p:txBody>
+      </p:sp>
+      <p:sp>
+        <p:nvSpPr>
+          <p:cNvPr id="16" name="Elipse 15">
+            <a:extLst>
+              <a:ext uri="{FF2B5EF4-FFF2-40B4-BE49-F238E27FC236}">
+                <a16:creationId xmlns:a16="http://schemas.microsoft.com/office/drawing/2014/main" id="{AD7AE3D6-D4A1-4047-B31B-1EBA50C87AE4}"/>
+              </a:ext>
+            </a:extLst>
+          </p:cNvPr>
+          <p:cNvSpPr/>
+          <p:nvPr/>
+        </p:nvSpPr>
+        <p:spPr>
+          <a:xfrm>
+            <a:off x="3996813" y="3566356"/>
+            <a:ext cx="250722" cy="252000"/>
+          </a:xfrm>
+          <a:prstGeom prst="ellipse">
+            <a:avLst/>
+          </a:prstGeom>
+          <a:solidFill>
+            <a:schemeClr val="bg1"/>
+          </a:solidFill>
+          <a:ln>
+            <a:solidFill>
+              <a:schemeClr val="bg1"/>
+            </a:solidFill>
+          </a:ln>
+        </p:spPr>
+        <p:style>
+          <a:lnRef idx="2">
+            <a:schemeClr val="accent1">
+              <a:shade val="50000"/>
+            </a:schemeClr>
+          </a:lnRef>
+          <a:fillRef idx="1">
+            <a:schemeClr val="accent1"/>
+          </a:fillRef>
+          <a:effectRef idx="0">
+            <a:schemeClr val="accent1"/>
+          </a:effectRef>
+          <a:fontRef idx="minor">
+            <a:schemeClr val="lt1"/>
+          </a:fontRef>
+        </p:style>
+        <p:txBody>
+          <a:bodyPr rtlCol="0" anchor="ctr"/>
+          <a:lstStyle/>
+          <a:p>
+            <a:pPr algn="ctr"/>
+            <a:endParaRPr lang="pt-BR"/>
+          </a:p>
+        </p:txBody>
+      </p:sp>
+      <p:sp>
+        <p:nvSpPr>
+          <p:cNvPr id="17" name="Elipse 16">
+            <a:extLst>
+              <a:ext uri="{FF2B5EF4-FFF2-40B4-BE49-F238E27FC236}">
+                <a16:creationId xmlns:a16="http://schemas.microsoft.com/office/drawing/2014/main" id="{5E643F49-2E5B-42EC-9442-4A1E6A16EDAA}"/>
+              </a:ext>
+            </a:extLst>
+          </p:cNvPr>
+          <p:cNvSpPr/>
+          <p:nvPr/>
+        </p:nvSpPr>
+        <p:spPr>
+          <a:xfrm>
+            <a:off x="3615813" y="3566356"/>
+            <a:ext cx="250722" cy="252000"/>
+          </a:xfrm>
+          <a:prstGeom prst="ellipse">
+            <a:avLst/>
+          </a:prstGeom>
+          <a:solidFill>
+            <a:schemeClr val="bg1"/>
+          </a:solidFill>
+          <a:ln>
+            <a:solidFill>
+              <a:schemeClr val="bg1"/>
+            </a:solidFill>
+          </a:ln>
+        </p:spPr>
+        <p:style>
+          <a:lnRef idx="2">
+            <a:schemeClr val="accent1">
+              <a:shade val="50000"/>
+            </a:schemeClr>
+          </a:lnRef>
+          <a:fillRef idx="1">
+            <a:schemeClr val="accent1"/>
+          </a:fillRef>
+          <a:effectRef idx="0">
+            <a:schemeClr val="accent1"/>
+          </a:effectRef>
+          <a:fontRef idx="minor">
+            <a:schemeClr val="lt1"/>
+          </a:fontRef>
+        </p:style>
+        <p:txBody>
+          <a:bodyPr rtlCol="0" anchor="ctr"/>
+          <a:lstStyle/>
+          <a:p>
+            <a:pPr algn="ctr"/>
+            <a:endParaRPr lang="pt-BR"/>
+          </a:p>
+        </p:txBody>
+      </p:sp>
+      <p:sp>
+        <p:nvSpPr>
+          <p:cNvPr id="18" name="Elipse 17">
+            <a:extLst>
+              <a:ext uri="{FF2B5EF4-FFF2-40B4-BE49-F238E27FC236}">
+                <a16:creationId xmlns:a16="http://schemas.microsoft.com/office/drawing/2014/main" id="{8C6191B0-DB4C-4B95-95AB-8631128E106A}"/>
+              </a:ext>
+            </a:extLst>
+          </p:cNvPr>
+          <p:cNvSpPr/>
+          <p:nvPr/>
+        </p:nvSpPr>
+        <p:spPr>
+          <a:xfrm>
+            <a:off x="4637137" y="2483824"/>
+            <a:ext cx="250722" cy="252000"/>
+          </a:xfrm>
+          <a:prstGeom prst="ellipse">
+            <a:avLst/>
+          </a:prstGeom>
+          <a:solidFill>
+            <a:schemeClr val="bg1"/>
+          </a:solidFill>
+          <a:ln>
+            <a:solidFill>
+              <a:schemeClr val="bg1"/>
+            </a:solidFill>
+          </a:ln>
+        </p:spPr>
+        <p:style>
+          <a:lnRef idx="2">
+            <a:schemeClr val="accent1">
+              <a:shade val="50000"/>
+            </a:schemeClr>
+          </a:lnRef>
+          <a:fillRef idx="1">
+            <a:schemeClr val="accent1"/>
+          </a:fillRef>
+          <a:effectRef idx="0">
+            <a:schemeClr val="accent1"/>
+          </a:effectRef>
+          <a:fontRef idx="minor">
+            <a:schemeClr val="lt1"/>
+          </a:fontRef>
+        </p:style>
+        <p:txBody>
+          <a:bodyPr rtlCol="0" anchor="ctr"/>
+          <a:lstStyle/>
+          <a:p>
+            <a:pPr algn="ctr"/>
+            <a:endParaRPr lang="pt-BR"/>
+          </a:p>
+        </p:txBody>
+      </p:sp>
+      <p:sp>
+        <p:nvSpPr>
+          <p:cNvPr id="19" name="Elipse 18">
+            <a:extLst>
+              <a:ext uri="{FF2B5EF4-FFF2-40B4-BE49-F238E27FC236}">
+                <a16:creationId xmlns:a16="http://schemas.microsoft.com/office/drawing/2014/main" id="{F2AA1A3F-D63F-4AB1-ADF3-5F438CF7647A}"/>
+              </a:ext>
+            </a:extLst>
+          </p:cNvPr>
+          <p:cNvSpPr/>
+          <p:nvPr/>
+        </p:nvSpPr>
+        <p:spPr>
+          <a:xfrm>
+            <a:off x="1146685" y="2483824"/>
+            <a:ext cx="250722" cy="252000"/>
+          </a:xfrm>
+          <a:prstGeom prst="ellipse">
+            <a:avLst/>
+          </a:prstGeom>
+          <a:solidFill>
+            <a:schemeClr val="bg1"/>
+          </a:solidFill>
+          <a:ln>
+            <a:solidFill>
+              <a:schemeClr val="bg1"/>
+            </a:solidFill>
+          </a:ln>
+        </p:spPr>
+        <p:style>
+          <a:lnRef idx="2">
+            <a:schemeClr val="accent1">
+              <a:shade val="50000"/>
+            </a:schemeClr>
+          </a:lnRef>
+          <a:fillRef idx="1">
+            <a:schemeClr val="accent1"/>
+          </a:fillRef>
+          <a:effectRef idx="0">
+            <a:schemeClr val="accent1"/>
+          </a:effectRef>
+          <a:fontRef idx="minor">
+            <a:schemeClr val="lt1"/>
+          </a:fontRef>
+        </p:style>
+        <p:txBody>
+          <a:bodyPr rtlCol="0" anchor="ctr"/>
+          <a:lstStyle/>
+          <a:p>
+            <a:pPr algn="ctr"/>
+            <a:endParaRPr lang="pt-BR"/>
+          </a:p>
+        </p:txBody>
+      </p:sp>
+      <p:sp>
+        <p:nvSpPr>
+          <p:cNvPr id="20" name="CaixaDeTexto 19">
+            <a:extLst>
+              <a:ext uri="{FF2B5EF4-FFF2-40B4-BE49-F238E27FC236}">
+                <a16:creationId xmlns:a16="http://schemas.microsoft.com/office/drawing/2014/main" id="{A7F206A4-679E-45DD-9EBD-58A4D10323C5}"/>
+              </a:ext>
+            </a:extLst>
+          </p:cNvPr>
+          <p:cNvSpPr txBox="1"/>
+          <p:nvPr/>
+        </p:nvSpPr>
+        <p:spPr>
+          <a:xfrm>
+            <a:off x="6921914" y="1602365"/>
+            <a:ext cx="2286000" cy="2215991"/>
+          </a:xfrm>
+          <a:prstGeom prst="rect">
+            <a:avLst/>
+          </a:prstGeom>
+          <a:noFill/>
+        </p:spPr>
+        <p:txBody>
+          <a:bodyPr wrap="square" rtlCol="0">
+            <a:spAutoFit/>
+          </a:bodyPr>
+          <a:lstStyle/>
+          <a:p>
+            <a:pPr algn="ctr"/>
+            <a:r>
+              <a:rPr lang="pt-BR" sz="13800" dirty="0">
+                <a:solidFill>
+                  <a:schemeClr val="bg1"/>
+                </a:solidFill>
+                <a:latin typeface="Times New Roman" panose="02020603050405020304" pitchFamily="18" charset="0"/>
+                <a:cs typeface="Times New Roman" panose="02020603050405020304" pitchFamily="18" charset="0"/>
+              </a:rPr>
+              <a:t>O</a:t>
+            </a:r>
+          </a:p>
+        </p:txBody>
+      </p:sp>
+      <p:sp>
+        <p:nvSpPr>
+          <p:cNvPr id="21" name="Elipse 20">
+            <a:extLst>
+              <a:ext uri="{FF2B5EF4-FFF2-40B4-BE49-F238E27FC236}">
+                <a16:creationId xmlns:a16="http://schemas.microsoft.com/office/drawing/2014/main" id="{67556860-2F54-4E66-8573-63B6E3DCB050}"/>
+              </a:ext>
+            </a:extLst>
+          </p:cNvPr>
+          <p:cNvSpPr/>
+          <p:nvPr/>
+        </p:nvSpPr>
+        <p:spPr>
+          <a:xfrm>
+            <a:off x="8136200" y="1753831"/>
+            <a:ext cx="250722" cy="252000"/>
+          </a:xfrm>
+          <a:prstGeom prst="ellipse">
+            <a:avLst/>
+          </a:prstGeom>
+          <a:solidFill>
+            <a:schemeClr val="bg1"/>
+          </a:solidFill>
+          <a:ln>
+            <a:solidFill>
+              <a:schemeClr val="bg1"/>
+            </a:solidFill>
+          </a:ln>
+        </p:spPr>
+        <p:style>
+          <a:lnRef idx="2">
+            <a:schemeClr val="accent1">
+              <a:shade val="50000"/>
+            </a:schemeClr>
+          </a:lnRef>
+          <a:fillRef idx="1">
+            <a:schemeClr val="accent1"/>
+          </a:fillRef>
+          <a:effectRef idx="0">
+            <a:schemeClr val="accent1"/>
+          </a:effectRef>
+          <a:fontRef idx="minor">
+            <a:schemeClr val="lt1"/>
+          </a:fontRef>
+        </p:style>
+        <p:txBody>
+          <a:bodyPr rtlCol="0" anchor="ctr"/>
+          <a:lstStyle/>
+          <a:p>
+            <a:pPr algn="ctr"/>
+            <a:endParaRPr lang="pt-BR"/>
+          </a:p>
+        </p:txBody>
+      </p:sp>
+      <p:sp>
+        <p:nvSpPr>
+          <p:cNvPr id="22" name="Elipse 21">
+            <a:extLst>
+              <a:ext uri="{FF2B5EF4-FFF2-40B4-BE49-F238E27FC236}">
+                <a16:creationId xmlns:a16="http://schemas.microsoft.com/office/drawing/2014/main" id="{F5C20E32-5138-45FA-BC5A-BACE3A886DC2}"/>
+              </a:ext>
+            </a:extLst>
+          </p:cNvPr>
+          <p:cNvSpPr/>
+          <p:nvPr/>
+        </p:nvSpPr>
+        <p:spPr>
+          <a:xfrm>
+            <a:off x="7755200" y="1753831"/>
+            <a:ext cx="250722" cy="252000"/>
+          </a:xfrm>
+          <a:prstGeom prst="ellipse">
+            <a:avLst/>
+          </a:prstGeom>
+          <a:solidFill>
+            <a:schemeClr val="bg1"/>
+          </a:solidFill>
+          <a:ln>
+            <a:solidFill>
+              <a:schemeClr val="bg1"/>
+            </a:solidFill>
+          </a:ln>
+        </p:spPr>
+        <p:style>
+          <a:lnRef idx="2">
+            <a:schemeClr val="accent1">
+              <a:shade val="50000"/>
+            </a:schemeClr>
+          </a:lnRef>
+          <a:fillRef idx="1">
+            <a:schemeClr val="accent1"/>
+          </a:fillRef>
+          <a:effectRef idx="0">
+            <a:schemeClr val="accent1"/>
+          </a:effectRef>
+          <a:fontRef idx="minor">
+            <a:schemeClr val="lt1"/>
+          </a:fontRef>
+        </p:style>
+        <p:txBody>
+          <a:bodyPr rtlCol="0" anchor="ctr"/>
+          <a:lstStyle/>
+          <a:p>
+            <a:pPr algn="ctr"/>
+            <a:endParaRPr lang="pt-BR"/>
+          </a:p>
+        </p:txBody>
+      </p:sp>
+      <p:sp>
+        <p:nvSpPr>
+          <p:cNvPr id="23" name="Elipse 22">
+            <a:extLst>
+              <a:ext uri="{FF2B5EF4-FFF2-40B4-BE49-F238E27FC236}">
+                <a16:creationId xmlns:a16="http://schemas.microsoft.com/office/drawing/2014/main" id="{2169431B-CC13-4D42-B7BC-9CDC39C8EB3F}"/>
+              </a:ext>
+            </a:extLst>
+          </p:cNvPr>
+          <p:cNvSpPr/>
+          <p:nvPr/>
+        </p:nvSpPr>
+        <p:spPr>
+          <a:xfrm>
+            <a:off x="8136200" y="3540891"/>
+            <a:ext cx="250722" cy="252000"/>
+          </a:xfrm>
+          <a:prstGeom prst="ellipse">
+            <a:avLst/>
+          </a:prstGeom>
+          <a:solidFill>
+            <a:schemeClr val="bg1"/>
+          </a:solidFill>
+          <a:ln>
+            <a:solidFill>
+              <a:schemeClr val="bg1"/>
+            </a:solidFill>
+          </a:ln>
+        </p:spPr>
+        <p:style>
+          <a:lnRef idx="2">
+            <a:schemeClr val="accent1">
+              <a:shade val="50000"/>
+            </a:schemeClr>
+          </a:lnRef>
+          <a:fillRef idx="1">
+            <a:schemeClr val="accent1"/>
+          </a:fillRef>
+          <a:effectRef idx="0">
+            <a:schemeClr val="accent1"/>
+          </a:effectRef>
+          <a:fontRef idx="minor">
+            <a:schemeClr val="lt1"/>
+          </a:fontRef>
+        </p:style>
+        <p:txBody>
+          <a:bodyPr rtlCol="0" anchor="ctr"/>
+          <a:lstStyle/>
+          <a:p>
+            <a:pPr algn="ctr"/>
+            <a:endParaRPr lang="pt-BR"/>
+          </a:p>
+        </p:txBody>
+      </p:sp>
+      <p:sp>
+        <p:nvSpPr>
+          <p:cNvPr id="24" name="Elipse 23">
+            <a:extLst>
+              <a:ext uri="{FF2B5EF4-FFF2-40B4-BE49-F238E27FC236}">
+                <a16:creationId xmlns:a16="http://schemas.microsoft.com/office/drawing/2014/main" id="{ED435061-DC09-41BB-87ED-E663C721ED2B}"/>
+              </a:ext>
+            </a:extLst>
+          </p:cNvPr>
+          <p:cNvSpPr/>
+          <p:nvPr/>
+        </p:nvSpPr>
+        <p:spPr>
+          <a:xfrm>
+            <a:off x="7755200" y="3540891"/>
+            <a:ext cx="250722" cy="252000"/>
+          </a:xfrm>
+          <a:prstGeom prst="ellipse">
+            <a:avLst/>
+          </a:prstGeom>
+          <a:solidFill>
+            <a:schemeClr val="bg1"/>
+          </a:solidFill>
+          <a:ln>
+            <a:solidFill>
+              <a:schemeClr val="bg1"/>
+            </a:solidFill>
+          </a:ln>
+        </p:spPr>
+        <p:style>
+          <a:lnRef idx="2">
+            <a:schemeClr val="accent1">
+              <a:shade val="50000"/>
+            </a:schemeClr>
+          </a:lnRef>
+          <a:fillRef idx="1">
+            <a:schemeClr val="accent1"/>
+          </a:fillRef>
+          <a:effectRef idx="0">
+            <a:schemeClr val="accent1"/>
+          </a:effectRef>
+          <a:fontRef idx="minor">
+            <a:schemeClr val="lt1"/>
+          </a:fontRef>
+        </p:style>
+        <p:txBody>
+          <a:bodyPr rtlCol="0" anchor="ctr"/>
+          <a:lstStyle/>
+          <a:p>
+            <a:pPr algn="ctr"/>
+            <a:endParaRPr lang="pt-BR"/>
+          </a:p>
+        </p:txBody>
+      </p:sp>
+      <p:sp>
+        <p:nvSpPr>
+          <p:cNvPr id="25" name="Elipse 24">
+            <a:extLst>
+              <a:ext uri="{FF2B5EF4-FFF2-40B4-BE49-F238E27FC236}">
+                <a16:creationId xmlns:a16="http://schemas.microsoft.com/office/drawing/2014/main" id="{C5300077-3181-4A1B-984C-5DC037A46D62}"/>
+              </a:ext>
+            </a:extLst>
+          </p:cNvPr>
+          <p:cNvSpPr/>
+          <p:nvPr/>
+        </p:nvSpPr>
+        <p:spPr>
+          <a:xfrm>
+            <a:off x="8836749" y="2439630"/>
+            <a:ext cx="250722" cy="252000"/>
+          </a:xfrm>
+          <a:prstGeom prst="ellipse">
+            <a:avLst/>
+          </a:prstGeom>
+          <a:solidFill>
+            <a:schemeClr val="bg1"/>
+          </a:solidFill>
+          <a:ln>
+            <a:solidFill>
+              <a:schemeClr val="bg1"/>
+            </a:solidFill>
+          </a:ln>
+        </p:spPr>
+        <p:style>
+          <a:lnRef idx="2">
+            <a:schemeClr val="accent1">
+              <a:shade val="50000"/>
+            </a:schemeClr>
+          </a:lnRef>
+          <a:fillRef idx="1">
+            <a:schemeClr val="accent1"/>
+          </a:fillRef>
+          <a:effectRef idx="0">
+            <a:schemeClr val="accent1"/>
+          </a:effectRef>
+          <a:fontRef idx="minor">
+            <a:schemeClr val="lt1"/>
+          </a:fontRef>
+        </p:style>
+        <p:txBody>
+          <a:bodyPr rtlCol="0" anchor="ctr"/>
+          <a:lstStyle/>
+          <a:p>
+            <a:pPr algn="ctr"/>
+            <a:endParaRPr lang="pt-BR"/>
+          </a:p>
+        </p:txBody>
+      </p:sp>
+      <p:sp>
+        <p:nvSpPr>
+          <p:cNvPr id="26" name="Elipse 25">
+            <a:extLst>
+              <a:ext uri="{FF2B5EF4-FFF2-40B4-BE49-F238E27FC236}">
+                <a16:creationId xmlns:a16="http://schemas.microsoft.com/office/drawing/2014/main" id="{FC11BEE2-ADFD-48F7-8744-19759A9C95F5}"/>
+              </a:ext>
+            </a:extLst>
+          </p:cNvPr>
+          <p:cNvSpPr/>
+          <p:nvPr/>
+        </p:nvSpPr>
+        <p:spPr>
+          <a:xfrm>
+            <a:off x="8836749" y="2882031"/>
+            <a:ext cx="250722" cy="252000"/>
+          </a:xfrm>
+          <a:prstGeom prst="ellipse">
+            <a:avLst/>
+          </a:prstGeom>
+          <a:solidFill>
+            <a:schemeClr val="bg1"/>
+          </a:solidFill>
+          <a:ln>
+            <a:solidFill>
+              <a:schemeClr val="bg1"/>
+            </a:solidFill>
+          </a:ln>
+        </p:spPr>
+        <p:style>
+          <a:lnRef idx="2">
+            <a:schemeClr val="accent1">
+              <a:shade val="50000"/>
+            </a:schemeClr>
+          </a:lnRef>
+          <a:fillRef idx="1">
+            <a:schemeClr val="accent1"/>
+          </a:fillRef>
+          <a:effectRef idx="0">
+            <a:schemeClr val="accent1"/>
+          </a:effectRef>
+          <a:fontRef idx="minor">
+            <a:schemeClr val="lt1"/>
+          </a:fontRef>
+        </p:style>
+        <p:txBody>
+          <a:bodyPr rtlCol="0" anchor="ctr"/>
+          <a:lstStyle/>
+          <a:p>
+            <a:pPr algn="ctr"/>
+            <a:endParaRPr lang="pt-BR"/>
+          </a:p>
+        </p:txBody>
+      </p:sp>
+      <p:sp>
+        <p:nvSpPr>
+          <p:cNvPr id="27" name="CaixaDeTexto 26">
+            <a:extLst>
+              <a:ext uri="{FF2B5EF4-FFF2-40B4-BE49-F238E27FC236}">
+                <a16:creationId xmlns:a16="http://schemas.microsoft.com/office/drawing/2014/main" id="{1A5138D4-955B-4BD0-AAE5-64385D60802B}"/>
+              </a:ext>
+            </a:extLst>
+          </p:cNvPr>
+          <p:cNvSpPr txBox="1"/>
+          <p:nvPr/>
+        </p:nvSpPr>
+        <p:spPr>
+          <a:xfrm>
+            <a:off x="9338192" y="1602364"/>
+            <a:ext cx="1084008" cy="2215991"/>
+          </a:xfrm>
+          <a:prstGeom prst="rect">
+            <a:avLst/>
+          </a:prstGeom>
+          <a:noFill/>
+        </p:spPr>
+        <p:txBody>
+          <a:bodyPr wrap="square" rtlCol="0">
+            <a:spAutoFit/>
+          </a:bodyPr>
+          <a:lstStyle/>
+          <a:p>
+            <a:pPr algn="ctr"/>
+            <a:r>
+              <a:rPr lang="pt-BR" sz="13800" dirty="0">
+                <a:solidFill>
+                  <a:schemeClr val="bg1"/>
+                </a:solidFill>
+                <a:latin typeface="Times New Roman" panose="02020603050405020304" pitchFamily="18" charset="0"/>
+                <a:cs typeface="Times New Roman" panose="02020603050405020304" pitchFamily="18" charset="0"/>
+              </a:rPr>
+              <a:t>O</a:t>
+            </a:r>
+          </a:p>
+        </p:txBody>
+      </p:sp>
+      <p:sp>
+        <p:nvSpPr>
+          <p:cNvPr id="28" name="Elipse 27">
+            <a:extLst>
+              <a:ext uri="{FF2B5EF4-FFF2-40B4-BE49-F238E27FC236}">
+                <a16:creationId xmlns:a16="http://schemas.microsoft.com/office/drawing/2014/main" id="{A2C47271-1516-47B7-BB83-AD01657F69A0}"/>
+              </a:ext>
+            </a:extLst>
+          </p:cNvPr>
+          <p:cNvSpPr/>
+          <p:nvPr/>
+        </p:nvSpPr>
+        <p:spPr>
+          <a:xfrm>
+            <a:off x="9925671" y="1753831"/>
+            <a:ext cx="250722" cy="252000"/>
+          </a:xfrm>
+          <a:prstGeom prst="ellipse">
+            <a:avLst/>
+          </a:prstGeom>
+          <a:solidFill>
+            <a:schemeClr val="bg1"/>
+          </a:solidFill>
+          <a:ln>
+            <a:solidFill>
+              <a:schemeClr val="bg1"/>
+            </a:solidFill>
+          </a:ln>
+        </p:spPr>
+        <p:style>
+          <a:lnRef idx="2">
+            <a:schemeClr val="accent1">
+              <a:shade val="50000"/>
+            </a:schemeClr>
+          </a:lnRef>
+          <a:fillRef idx="1">
+            <a:schemeClr val="accent1"/>
+          </a:fillRef>
+          <a:effectRef idx="0">
+            <a:schemeClr val="accent1"/>
+          </a:effectRef>
+          <a:fontRef idx="minor">
+            <a:schemeClr val="lt1"/>
+          </a:fontRef>
+        </p:style>
+        <p:txBody>
+          <a:bodyPr rtlCol="0" anchor="ctr"/>
+          <a:lstStyle/>
+          <a:p>
+            <a:pPr algn="ctr"/>
+            <a:endParaRPr lang="pt-BR"/>
+          </a:p>
+        </p:txBody>
+      </p:sp>
+      <p:sp>
+        <p:nvSpPr>
+          <p:cNvPr id="29" name="Elipse 28">
+            <a:extLst>
+              <a:ext uri="{FF2B5EF4-FFF2-40B4-BE49-F238E27FC236}">
+                <a16:creationId xmlns:a16="http://schemas.microsoft.com/office/drawing/2014/main" id="{1E6BDAFE-2C5A-48A5-BC8A-A270F8FEE9ED}"/>
+              </a:ext>
+            </a:extLst>
+          </p:cNvPr>
+          <p:cNvSpPr/>
+          <p:nvPr/>
+        </p:nvSpPr>
+        <p:spPr>
+          <a:xfrm>
+            <a:off x="9544671" y="1753831"/>
+            <a:ext cx="250722" cy="252000"/>
+          </a:xfrm>
+          <a:prstGeom prst="ellipse">
+            <a:avLst/>
+          </a:prstGeom>
+          <a:solidFill>
+            <a:schemeClr val="bg1"/>
+          </a:solidFill>
+          <a:ln>
+            <a:solidFill>
+              <a:schemeClr val="bg1"/>
+            </a:solidFill>
+          </a:ln>
+        </p:spPr>
+        <p:style>
+          <a:lnRef idx="2">
+            <a:schemeClr val="accent1">
+              <a:shade val="50000"/>
+            </a:schemeClr>
+          </a:lnRef>
+          <a:fillRef idx="1">
+            <a:schemeClr val="accent1"/>
+          </a:fillRef>
+          <a:effectRef idx="0">
+            <a:schemeClr val="accent1"/>
+          </a:effectRef>
+          <a:fontRef idx="minor">
+            <a:schemeClr val="lt1"/>
+          </a:fontRef>
+        </p:style>
+        <p:txBody>
+          <a:bodyPr rtlCol="0" anchor="ctr"/>
+          <a:lstStyle/>
+          <a:p>
+            <a:pPr algn="ctr"/>
+            <a:endParaRPr lang="pt-BR"/>
+          </a:p>
+        </p:txBody>
+      </p:sp>
+      <p:sp>
+        <p:nvSpPr>
+          <p:cNvPr id="30" name="Elipse 29">
+            <a:extLst>
+              <a:ext uri="{FF2B5EF4-FFF2-40B4-BE49-F238E27FC236}">
+                <a16:creationId xmlns:a16="http://schemas.microsoft.com/office/drawing/2014/main" id="{DEC1EC79-9367-4453-9D52-10CCACAFCF77}"/>
+              </a:ext>
+            </a:extLst>
+          </p:cNvPr>
+          <p:cNvSpPr/>
+          <p:nvPr/>
+        </p:nvSpPr>
+        <p:spPr>
+          <a:xfrm>
+            <a:off x="9925671" y="3540891"/>
+            <a:ext cx="250722" cy="252000"/>
+          </a:xfrm>
+          <a:prstGeom prst="ellipse">
+            <a:avLst/>
+          </a:prstGeom>
+          <a:solidFill>
+            <a:schemeClr val="bg1"/>
+          </a:solidFill>
+          <a:ln>
+            <a:solidFill>
+              <a:schemeClr val="bg1"/>
+            </a:solidFill>
+          </a:ln>
+        </p:spPr>
+        <p:style>
+          <a:lnRef idx="2">
+            <a:schemeClr val="accent1">
+              <a:shade val="50000"/>
+            </a:schemeClr>
+          </a:lnRef>
+          <a:fillRef idx="1">
+            <a:schemeClr val="accent1"/>
+          </a:fillRef>
+          <a:effectRef idx="0">
+            <a:schemeClr val="accent1"/>
+          </a:effectRef>
+          <a:fontRef idx="minor">
+            <a:schemeClr val="lt1"/>
+          </a:fontRef>
+        </p:style>
+        <p:txBody>
+          <a:bodyPr rtlCol="0" anchor="ctr"/>
+          <a:lstStyle/>
+          <a:p>
+            <a:pPr algn="ctr"/>
+            <a:endParaRPr lang="pt-BR"/>
+          </a:p>
+        </p:txBody>
+      </p:sp>
+      <p:sp>
+        <p:nvSpPr>
+          <p:cNvPr id="31" name="Elipse 30">
+            <a:extLst>
+              <a:ext uri="{FF2B5EF4-FFF2-40B4-BE49-F238E27FC236}">
+                <a16:creationId xmlns:a16="http://schemas.microsoft.com/office/drawing/2014/main" id="{816DF206-8C91-4074-B131-D730A7B3B13F}"/>
+              </a:ext>
+            </a:extLst>
+          </p:cNvPr>
+          <p:cNvSpPr/>
+          <p:nvPr/>
+        </p:nvSpPr>
+        <p:spPr>
+          <a:xfrm>
+            <a:off x="9544671" y="3540891"/>
+            <a:ext cx="250722" cy="252000"/>
+          </a:xfrm>
+          <a:prstGeom prst="ellipse">
+            <a:avLst/>
+          </a:prstGeom>
+          <a:solidFill>
+            <a:schemeClr val="bg1"/>
+          </a:solidFill>
+          <a:ln>
+            <a:solidFill>
+              <a:schemeClr val="bg1"/>
+            </a:solidFill>
+          </a:ln>
+        </p:spPr>
+        <p:style>
+          <a:lnRef idx="2">
+            <a:schemeClr val="accent1">
+              <a:shade val="50000"/>
+            </a:schemeClr>
+          </a:lnRef>
+          <a:fillRef idx="1">
+            <a:schemeClr val="accent1"/>
+          </a:fillRef>
+          <a:effectRef idx="0">
+            <a:schemeClr val="accent1"/>
+          </a:effectRef>
+          <a:fontRef idx="minor">
+            <a:schemeClr val="lt1"/>
+          </a:fontRef>
+        </p:style>
+        <p:txBody>
+          <a:bodyPr rtlCol="0" anchor="ctr"/>
+          <a:lstStyle/>
+          <a:p>
+            <a:pPr algn="ctr"/>
+            <a:endParaRPr lang="pt-BR"/>
+          </a:p>
+        </p:txBody>
+      </p:sp>
+      <p:sp>
+        <p:nvSpPr>
+          <p:cNvPr id="32" name="Elipse 31">
+            <a:extLst>
+              <a:ext uri="{FF2B5EF4-FFF2-40B4-BE49-F238E27FC236}">
+                <a16:creationId xmlns:a16="http://schemas.microsoft.com/office/drawing/2014/main" id="{A79A5228-AF25-4BDC-9AF4-8D7CA280D880}"/>
+              </a:ext>
+            </a:extLst>
+          </p:cNvPr>
+          <p:cNvSpPr/>
+          <p:nvPr/>
+        </p:nvSpPr>
+        <p:spPr>
+          <a:xfrm>
+            <a:off x="10565995" y="2458359"/>
+            <a:ext cx="250722" cy="252000"/>
+          </a:xfrm>
+          <a:prstGeom prst="ellipse">
+            <a:avLst/>
+          </a:prstGeom>
+          <a:solidFill>
+            <a:schemeClr val="bg1"/>
+          </a:solidFill>
+          <a:ln>
+            <a:solidFill>
+              <a:schemeClr val="bg1"/>
+            </a:solidFill>
+          </a:ln>
+        </p:spPr>
+        <p:style>
+          <a:lnRef idx="2">
+            <a:schemeClr val="accent1">
+              <a:shade val="50000"/>
+            </a:schemeClr>
+          </a:lnRef>
+          <a:fillRef idx="1">
+            <a:schemeClr val="accent1"/>
+          </a:fillRef>
+          <a:effectRef idx="0">
+            <a:schemeClr val="accent1"/>
+          </a:effectRef>
+          <a:fontRef idx="minor">
+            <a:schemeClr val="lt1"/>
+          </a:fontRef>
+        </p:style>
+        <p:txBody>
+          <a:bodyPr rtlCol="0" anchor="ctr"/>
+          <a:lstStyle/>
+          <a:p>
+            <a:pPr algn="ctr"/>
+            <a:endParaRPr lang="pt-BR"/>
+          </a:p>
+        </p:txBody>
+      </p:sp>
+      <p:sp>
+        <p:nvSpPr>
+          <p:cNvPr id="33" name="Elipse 32">
+            <a:extLst>
+              <a:ext uri="{FF2B5EF4-FFF2-40B4-BE49-F238E27FC236}">
+                <a16:creationId xmlns:a16="http://schemas.microsoft.com/office/drawing/2014/main" id="{71BF143F-0A44-4E1D-86E9-A225C7EF065B}"/>
+              </a:ext>
+            </a:extLst>
+          </p:cNvPr>
+          <p:cNvSpPr/>
+          <p:nvPr/>
+        </p:nvSpPr>
+        <p:spPr>
+          <a:xfrm>
+            <a:off x="7075543" y="2458359"/>
+            <a:ext cx="250722" cy="252000"/>
+          </a:xfrm>
+          <a:prstGeom prst="ellipse">
+            <a:avLst/>
+          </a:prstGeom>
+          <a:solidFill>
+            <a:schemeClr val="bg1"/>
+          </a:solidFill>
+          <a:ln>
+            <a:solidFill>
+              <a:schemeClr val="bg1"/>
+            </a:solidFill>
+          </a:ln>
+        </p:spPr>
+        <p:style>
+          <a:lnRef idx="2">
+            <a:schemeClr val="accent1">
+              <a:shade val="50000"/>
+            </a:schemeClr>
+          </a:lnRef>
+          <a:fillRef idx="1">
+            <a:schemeClr val="accent1"/>
+          </a:fillRef>
+          <a:effectRef idx="0">
+            <a:schemeClr val="accent1"/>
+          </a:effectRef>
+          <a:fontRef idx="minor">
+            <a:schemeClr val="lt1"/>
+          </a:fontRef>
+        </p:style>
+        <p:txBody>
+          <a:bodyPr rtlCol="0" anchor="ctr"/>
+          <a:lstStyle/>
+          <a:p>
+            <a:pPr algn="ctr"/>
+            <a:endParaRPr lang="pt-BR"/>
+          </a:p>
+        </p:txBody>
+      </p:sp>
+      <p:sp>
+        <p:nvSpPr>
+          <p:cNvPr id="34" name="Elipse 33">
+            <a:extLst>
+              <a:ext uri="{FF2B5EF4-FFF2-40B4-BE49-F238E27FC236}">
+                <a16:creationId xmlns:a16="http://schemas.microsoft.com/office/drawing/2014/main" id="{FE2483E4-7FA4-4597-A17B-EC8EEA6345F4}"/>
+              </a:ext>
+            </a:extLst>
+          </p:cNvPr>
+          <p:cNvSpPr/>
+          <p:nvPr/>
+        </p:nvSpPr>
+        <p:spPr>
+          <a:xfrm>
+            <a:off x="10565995" y="2882031"/>
+            <a:ext cx="250722" cy="252000"/>
+          </a:xfrm>
+          <a:prstGeom prst="ellipse">
+            <a:avLst/>
+          </a:prstGeom>
+          <a:solidFill>
+            <a:schemeClr val="bg1"/>
+          </a:solidFill>
+          <a:ln>
+            <a:solidFill>
+              <a:schemeClr val="bg1"/>
+            </a:solidFill>
+          </a:ln>
+        </p:spPr>
+        <p:style>
+          <a:lnRef idx="2">
+            <a:schemeClr val="accent1">
+              <a:shade val="50000"/>
+            </a:schemeClr>
+          </a:lnRef>
+          <a:fillRef idx="1">
+            <a:schemeClr val="accent1"/>
+          </a:fillRef>
+          <a:effectRef idx="0">
+            <a:schemeClr val="accent1"/>
+          </a:effectRef>
+          <a:fontRef idx="minor">
+            <a:schemeClr val="lt1"/>
+          </a:fontRef>
+        </p:style>
+        <p:txBody>
+          <a:bodyPr rtlCol="0" anchor="ctr"/>
+          <a:lstStyle/>
+          <a:p>
+            <a:pPr algn="ctr"/>
+            <a:endParaRPr lang="pt-BR"/>
+          </a:p>
+        </p:txBody>
+      </p:sp>
+      <p:sp>
+        <p:nvSpPr>
+          <p:cNvPr id="35" name="CaixaDeTexto 34">
+            <a:extLst>
+              <a:ext uri="{FF2B5EF4-FFF2-40B4-BE49-F238E27FC236}">
+                <a16:creationId xmlns:a16="http://schemas.microsoft.com/office/drawing/2014/main" id="{807BCEAA-36BF-430D-99AE-6C92FB96F035}"/>
+              </a:ext>
+            </a:extLst>
+          </p:cNvPr>
+          <p:cNvSpPr txBox="1"/>
+          <p:nvPr/>
+        </p:nvSpPr>
+        <p:spPr>
+          <a:xfrm>
+            <a:off x="7861516" y="4226690"/>
+            <a:ext cx="2451909" cy="1323439"/>
+          </a:xfrm>
+          <a:prstGeom prst="rect">
+            <a:avLst/>
+          </a:prstGeom>
+          <a:noFill/>
+        </p:spPr>
+        <p:txBody>
+          <a:bodyPr wrap="square" rtlCol="0">
+            <a:spAutoFit/>
+          </a:bodyPr>
+          <a:lstStyle/>
+          <a:p>
+            <a:pPr algn="ctr"/>
+            <a:r>
+              <a:rPr lang="pt-BR" sz="8000" dirty="0">
+                <a:solidFill>
+                  <a:schemeClr val="accent4"/>
+                </a:solidFill>
+                <a:latin typeface="Times New Roman" panose="02020603050405020304" pitchFamily="18" charset="0"/>
+                <a:cs typeface="Times New Roman" panose="02020603050405020304" pitchFamily="18" charset="0"/>
+              </a:rPr>
+              <a:t>O</a:t>
+            </a:r>
+            <a:r>
+              <a:rPr lang="pt-BR" sz="8000" baseline="-25000" dirty="0">
+                <a:solidFill>
+                  <a:schemeClr val="accent4"/>
+                </a:solidFill>
+                <a:latin typeface="Times New Roman" panose="02020603050405020304" pitchFamily="18" charset="0"/>
+                <a:cs typeface="Times New Roman" panose="02020603050405020304" pitchFamily="18" charset="0"/>
+              </a:rPr>
+              <a:t>2</a:t>
+            </a:r>
+          </a:p>
+        </p:txBody>
+      </p:sp>
+      <p:sp>
+        <p:nvSpPr>
+          <p:cNvPr id="36" name="CaixaDeTexto 35">
+            <a:extLst>
+              <a:ext uri="{FF2B5EF4-FFF2-40B4-BE49-F238E27FC236}">
+                <a16:creationId xmlns:a16="http://schemas.microsoft.com/office/drawing/2014/main" id="{FBD8023C-ADC9-4926-B38D-2ADC5D3F911D}"/>
+              </a:ext>
+            </a:extLst>
+          </p:cNvPr>
+          <p:cNvSpPr txBox="1"/>
+          <p:nvPr/>
+        </p:nvSpPr>
+        <p:spPr>
+          <a:xfrm>
+            <a:off x="1932658" y="4226689"/>
+            <a:ext cx="2451909" cy="1323439"/>
+          </a:xfrm>
+          <a:prstGeom prst="rect">
+            <a:avLst/>
+          </a:prstGeom>
+          <a:noFill/>
+        </p:spPr>
+        <p:txBody>
+          <a:bodyPr wrap="square" rtlCol="0">
+            <a:spAutoFit/>
+          </a:bodyPr>
+          <a:lstStyle/>
+          <a:p>
+            <a:pPr algn="ctr"/>
+            <a:r>
+              <a:rPr lang="pt-BR" sz="8000" dirty="0">
+                <a:solidFill>
+                  <a:schemeClr val="bg1"/>
+                </a:solidFill>
+                <a:latin typeface="Times New Roman" panose="02020603050405020304" pitchFamily="18" charset="0"/>
+                <a:cs typeface="Times New Roman" panose="02020603050405020304" pitchFamily="18" charset="0"/>
+              </a:rPr>
+              <a:t>O</a:t>
+            </a:r>
+            <a:r>
+              <a:rPr lang="pt-BR" sz="8000" baseline="-25000" dirty="0">
+                <a:solidFill>
+                  <a:schemeClr val="bg1"/>
+                </a:solidFill>
+                <a:latin typeface="Times New Roman" panose="02020603050405020304" pitchFamily="18" charset="0"/>
+                <a:cs typeface="Times New Roman" panose="02020603050405020304" pitchFamily="18" charset="0"/>
+              </a:rPr>
+              <a:t>2</a:t>
+            </a:r>
+          </a:p>
+        </p:txBody>
+      </p:sp>
+      <p:cxnSp>
+        <p:nvCxnSpPr>
+          <p:cNvPr id="37" name="Conector reto 36">
+            <a:extLst>
+              <a:ext uri="{FF2B5EF4-FFF2-40B4-BE49-F238E27FC236}">
+                <a16:creationId xmlns:a16="http://schemas.microsoft.com/office/drawing/2014/main" id="{D96B07C2-7618-4B13-8E21-1F2B294DBD6A}"/>
+              </a:ext>
+            </a:extLst>
+          </p:cNvPr>
+          <p:cNvCxnSpPr/>
+          <p:nvPr/>
+        </p:nvCxnSpPr>
+        <p:spPr>
+          <a:xfrm>
+            <a:off x="9367690" y="4476135"/>
+            <a:ext cx="353961" cy="0"/>
+          </a:xfrm>
+          <a:prstGeom prst="line">
+            <a:avLst/>
+          </a:prstGeom>
+          <a:ln w="57150">
+            <a:solidFill>
+              <a:schemeClr val="accent4"/>
+            </a:solidFill>
+          </a:ln>
+        </p:spPr>
+        <p:style>
+          <a:lnRef idx="1">
+            <a:schemeClr val="accent1"/>
+          </a:lnRef>
+          <a:fillRef idx="0">
+            <a:schemeClr val="accent1"/>
+          </a:fillRef>
+          <a:effectRef idx="0">
+            <a:schemeClr val="accent1"/>
+          </a:effectRef>
+          <a:fontRef idx="minor">
+            <a:schemeClr val="tx1"/>
+          </a:fontRef>
+        </p:style>
+      </p:cxnSp>
+      <p:sp>
+        <p:nvSpPr>
+          <p:cNvPr id="41" name="CaixaDeTexto 40">
+            <a:extLst>
+              <a:ext uri="{FF2B5EF4-FFF2-40B4-BE49-F238E27FC236}">
+                <a16:creationId xmlns:a16="http://schemas.microsoft.com/office/drawing/2014/main" id="{964D0CC3-CA70-4BCF-8997-4A710E1BBDEC}"/>
+              </a:ext>
+            </a:extLst>
+          </p:cNvPr>
+          <p:cNvSpPr txBox="1"/>
+          <p:nvPr/>
+        </p:nvSpPr>
+        <p:spPr>
+          <a:xfrm>
+            <a:off x="8059396" y="4226689"/>
+            <a:ext cx="655052" cy="769441"/>
+          </a:xfrm>
+          <a:prstGeom prst="rect">
+            <a:avLst/>
+          </a:prstGeom>
+          <a:noFill/>
+        </p:spPr>
+        <p:txBody>
+          <a:bodyPr wrap="square" rtlCol="0">
+            <a:spAutoFit/>
+          </a:bodyPr>
+          <a:lstStyle/>
+          <a:p>
+            <a:pPr algn="ctr"/>
+            <a:r>
+              <a:rPr lang="pt-BR" sz="4400" dirty="0">
+                <a:solidFill>
+                  <a:schemeClr val="accent4"/>
+                </a:solidFill>
+                <a:latin typeface="Times New Roman" panose="02020603050405020304" pitchFamily="18" charset="0"/>
+                <a:cs typeface="Times New Roman" panose="02020603050405020304" pitchFamily="18" charset="0"/>
+              </a:rPr>
+              <a:t>*</a:t>
+            </a:r>
+            <a:endParaRPr lang="pt-BR" sz="4400" baseline="-25000" dirty="0">
+              <a:solidFill>
+                <a:schemeClr val="accent4"/>
+              </a:solidFill>
+              <a:latin typeface="Times New Roman" panose="02020603050405020304" pitchFamily="18" charset="0"/>
+              <a:cs typeface="Times New Roman" panose="02020603050405020304" pitchFamily="18" charset="0"/>
+            </a:endParaRPr>
+          </a:p>
+        </p:txBody>
+      </p:sp>
+    </p:spTree>
+    <p:extLst>
+      <p:ext uri="{BB962C8B-B14F-4D97-AF65-F5344CB8AC3E}">
+        <p14:creationId xmlns:p14="http://schemas.microsoft.com/office/powerpoint/2010/main" val="3966992319"/>
+      </p:ext>
+    </p:extLst>
+  </p:cSld>
+  <p:clrMapOvr>
+    <a:masterClrMapping/>
+  </p:clrMapOvr>
+</p:sld>
+</file>
+
+<file path=ppt/slides/slide12.xml><?xml version="1.0" encoding="utf-8"?>
+<p:sld xmlns:a="http://schemas.openxmlformats.org/drawingml/2006/main" xmlns:r="http://schemas.openxmlformats.org/officeDocument/2006/relationships" xmlns:p="http://schemas.openxmlformats.org/presentationml/2006/main">
+  <p:cSld>
+    <p:spTree>
+      <p:nvGrpSpPr>
+        <p:cNvPr id="1" name=""/>
+        <p:cNvGrpSpPr/>
+        <p:nvPr/>
+      </p:nvGrpSpPr>
+      <p:grpSpPr>
+        <a:xfrm>
+          <a:off x="0" y="0"/>
+          <a:ext cx="0" cy="0"/>
+          <a:chOff x="0" y="0"/>
+          <a:chExt cx="0" cy="0"/>
+        </a:xfrm>
+      </p:grpSpPr>
+      <p:sp>
+        <p:nvSpPr>
           <p:cNvPr id="5" name="CaixaDeTexto 4">
             <a:extLst>
               <a:ext uri="{FF2B5EF4-FFF2-40B4-BE49-F238E27FC236}">
@@ -5642,7 +8540,7 @@
 </p:sld>
 </file>
 
-<file path=ppt/slides/slide11.xml><?xml version="1.0" encoding="utf-8"?>
+<file path=ppt/slides/slide13.xml><?xml version="1.0" encoding="utf-8"?>
 <p:sld xmlns:a="http://schemas.openxmlformats.org/drawingml/2006/main" xmlns:r="http://schemas.openxmlformats.org/officeDocument/2006/relationships" xmlns:p="http://schemas.openxmlformats.org/presentationml/2006/main">
   <p:cSld>
     <p:spTree>
@@ -8349,7 +11247,7 @@
 </p:sld>
 </file>
 
-<file path=ppt/slides/slide12.xml><?xml version="1.0" encoding="utf-8"?>
+<file path=ppt/slides/slide14.xml><?xml version="1.0" encoding="utf-8"?>
 <p:sld xmlns:a="http://schemas.openxmlformats.org/drawingml/2006/main" xmlns:r="http://schemas.openxmlformats.org/officeDocument/2006/relationships" xmlns:p="http://schemas.openxmlformats.org/presentationml/2006/main">
   <p:cSld>
     <p:spTree>
@@ -9270,7 +12168,7 @@
 </p:sld>
 </file>
 
-<file path=ppt/slides/slide13.xml><?xml version="1.0" encoding="utf-8"?>
+<file path=ppt/slides/slide15.xml><?xml version="1.0" encoding="utf-8"?>
 <p:sld xmlns:a="http://schemas.openxmlformats.org/drawingml/2006/main" xmlns:r="http://schemas.openxmlformats.org/officeDocument/2006/relationships" xmlns:p="http://schemas.openxmlformats.org/presentationml/2006/main">
   <p:cSld>
     <p:spTree>
@@ -9465,7 +12363,7 @@
 </p:sld>
 </file>
 
-<file path=ppt/slides/slide14.xml><?xml version="1.0" encoding="utf-8"?>
+<file path=ppt/slides/slide16.xml><?xml version="1.0" encoding="utf-8"?>
 <p:sld xmlns:a="http://schemas.openxmlformats.org/drawingml/2006/main" xmlns:r="http://schemas.openxmlformats.org/officeDocument/2006/relationships" xmlns:p="http://schemas.openxmlformats.org/presentationml/2006/main">
   <p:cSld>
     <p:spTree>
@@ -9732,7 +12630,7 @@
 </p:sld>
 </file>
 
-<file path=ppt/slides/slide15.xml><?xml version="1.0" encoding="utf-8"?>
+<file path=ppt/slides/slide17.xml><?xml version="1.0" encoding="utf-8"?>
 <p:sld xmlns:a="http://schemas.openxmlformats.org/drawingml/2006/main" xmlns:r="http://schemas.openxmlformats.org/officeDocument/2006/relationships" xmlns:p="http://schemas.openxmlformats.org/presentationml/2006/main">
   <p:cSld>
     <p:spTree>
@@ -9865,7 +12763,7 @@
 </p:sld>
 </file>
 
-<file path=ppt/slides/slide16.xml><?xml version="1.0" encoding="utf-8"?>
+<file path=ppt/slides/slide18.xml><?xml version="1.0" encoding="utf-8"?>
 <p:sld xmlns:a="http://schemas.openxmlformats.org/drawingml/2006/main" xmlns:r="http://schemas.openxmlformats.org/officeDocument/2006/relationships" xmlns:p="http://schemas.openxmlformats.org/presentationml/2006/main">
   <p:cSld>
     <p:spTree>
@@ -10979,7 +13877,7 @@
 </p:sld>
 </file>
 
-<file path=ppt/slides/slide17.xml><?xml version="1.0" encoding="utf-8"?>
+<file path=ppt/slides/slide19.xml><?xml version="1.0" encoding="utf-8"?>
 <p:sld xmlns:a="http://schemas.openxmlformats.org/drawingml/2006/main" xmlns:r="http://schemas.openxmlformats.org/officeDocument/2006/relationships" xmlns:p="http://schemas.openxmlformats.org/presentationml/2006/main">
   <p:cSld>
     <p:spTree>
@@ -11094,7 +13992,345 @@
 </p:sld>
 </file>
 
-<file path=ppt/slides/slide18.xml><?xml version="1.0" encoding="utf-8"?>
+<file path=ppt/slides/slide2.xml><?xml version="1.0" encoding="utf-8"?>
+<p:sld xmlns:a="http://schemas.openxmlformats.org/drawingml/2006/main" xmlns:r="http://schemas.openxmlformats.org/officeDocument/2006/relationships" xmlns:p="http://schemas.openxmlformats.org/presentationml/2006/main">
+  <p:cSld>
+    <p:spTree>
+      <p:nvGrpSpPr>
+        <p:cNvPr id="1" name=""/>
+        <p:cNvGrpSpPr/>
+        <p:nvPr/>
+      </p:nvGrpSpPr>
+      <p:grpSpPr>
+        <a:xfrm>
+          <a:off x="0" y="0"/>
+          <a:ext cx="0" cy="0"/>
+          <a:chOff x="0" y="0"/>
+          <a:chExt cx="0" cy="0"/>
+        </a:xfrm>
+      </p:grpSpPr>
+      <p:sp>
+        <p:nvSpPr>
+          <p:cNvPr id="6" name="Título 1">
+            <a:extLst>
+              <a:ext uri="{FF2B5EF4-FFF2-40B4-BE49-F238E27FC236}">
+                <a16:creationId xmlns:a16="http://schemas.microsoft.com/office/drawing/2014/main" id="{58DC736A-AA01-40D7-9276-A0F2A7E6F642}"/>
+              </a:ext>
+            </a:extLst>
+          </p:cNvPr>
+          <p:cNvSpPr txBox="1">
+            <a:spLocks/>
+          </p:cNvSpPr>
+          <p:nvPr/>
+        </p:nvSpPr>
+        <p:spPr>
+          <a:xfrm>
+            <a:off x="676759" y="14527"/>
+            <a:ext cx="7684911" cy="1325563"/>
+          </a:xfrm>
+          <a:prstGeom prst="rect">
+            <a:avLst/>
+          </a:prstGeom>
+        </p:spPr>
+        <p:txBody>
+          <a:bodyPr vert="horz" lIns="91440" tIns="45720" rIns="91440" bIns="45720" rtlCol="0" anchor="ctr">
+            <a:normAutofit/>
+          </a:bodyPr>
+          <a:lstStyle>
+            <a:lvl1pPr algn="l" defTabSz="914400" rtl="0" eaLnBrk="1" latinLnBrk="0" hangingPunct="1">
+              <a:lnSpc>
+                <a:spcPct val="90000"/>
+              </a:lnSpc>
+              <a:spcBef>
+                <a:spcPct val="0"/>
+              </a:spcBef>
+              <a:buNone/>
+              <a:defRPr sz="4400" kern="1200">
+                <a:solidFill>
+                  <a:schemeClr val="tx1"/>
+                </a:solidFill>
+                <a:latin typeface="+mj-lt"/>
+                <a:ea typeface="+mj-ea"/>
+                <a:cs typeface="+mj-cs"/>
+              </a:defRPr>
+            </a:lvl1pPr>
+          </a:lstStyle>
+          <a:p>
+            <a:pPr marL="0" marR="0" lvl="0" indent="0" defTabSz="914400" rtl="0" eaLnBrk="1" fontAlgn="auto" latinLnBrk="0" hangingPunct="1">
+              <a:lnSpc>
+                <a:spcPct val="90000"/>
+              </a:lnSpc>
+              <a:spcBef>
+                <a:spcPct val="0"/>
+              </a:spcBef>
+              <a:spcAft>
+                <a:spcPts val="0"/>
+              </a:spcAft>
+              <a:buClrTx/>
+              <a:buSzTx/>
+              <a:buFontTx/>
+              <a:buNone/>
+              <a:tabLst/>
+              <a:defRPr/>
+            </a:pPr>
+            <a:r>
+              <a:rPr lang="pt-BR" dirty="0">
+                <a:solidFill>
+                  <a:schemeClr val="accent4"/>
+                </a:solidFill>
+                <a:latin typeface="Eras Bold ITC" panose="020B0907030504020204" pitchFamily="34" charset="0"/>
+              </a:rPr>
+              <a:t>Avaliação dia 23/06</a:t>
+            </a:r>
+            <a:endParaRPr kumimoji="0" lang="pt-BR" sz="4400" b="0" i="0" u="none" strike="noStrike" kern="1200" cap="none" spc="0" normalizeH="0" baseline="0" noProof="0" dirty="0">
+              <a:ln>
+                <a:noFill/>
+              </a:ln>
+              <a:solidFill>
+                <a:schemeClr val="accent4"/>
+              </a:solidFill>
+              <a:effectLst/>
+              <a:uLnTx/>
+              <a:uFillTx/>
+              <a:latin typeface="Eras Bold ITC" panose="020B0907030504020204" pitchFamily="34" charset="0"/>
+              <a:ea typeface="+mj-ea"/>
+              <a:cs typeface="+mj-cs"/>
+            </a:endParaRPr>
+          </a:p>
+        </p:txBody>
+      </p:sp>
+      <p:sp>
+        <p:nvSpPr>
+          <p:cNvPr id="9" name="Retângulo 8">
+            <a:extLst>
+              <a:ext uri="{FF2B5EF4-FFF2-40B4-BE49-F238E27FC236}">
+                <a16:creationId xmlns:a16="http://schemas.microsoft.com/office/drawing/2014/main" id="{5CB5D29A-53F1-4E1B-8D96-CC30C0F8595F}"/>
+              </a:ext>
+            </a:extLst>
+          </p:cNvPr>
+          <p:cNvSpPr/>
+          <p:nvPr/>
+        </p:nvSpPr>
+        <p:spPr>
+          <a:xfrm>
+            <a:off x="671414" y="1092117"/>
+            <a:ext cx="10843827" cy="4386842"/>
+          </a:xfrm>
+          <a:prstGeom prst="rect">
+            <a:avLst/>
+          </a:prstGeom>
+        </p:spPr>
+        <p:txBody>
+          <a:bodyPr wrap="square">
+            <a:spAutoFit/>
+          </a:bodyPr>
+          <a:lstStyle/>
+          <a:p>
+            <a:pPr algn="just">
+              <a:lnSpc>
+                <a:spcPct val="125000"/>
+              </a:lnSpc>
+            </a:pPr>
+            <a:r>
+              <a:rPr lang="pt-BR" sz="2600" b="1" dirty="0">
+                <a:solidFill>
+                  <a:schemeClr val="bg1"/>
+                </a:solidFill>
+                <a:latin typeface="PalatinoLTStd-Bold"/>
+              </a:rPr>
+              <a:t>Desenvolva um texto dissertativo onde você explica o que é a via das pentoses fosfato. </a:t>
+            </a:r>
+            <a:r>
+              <a:rPr lang="pt-BR" sz="2600" b="1" dirty="0">
+                <a:solidFill>
+                  <a:schemeClr val="accent4"/>
+                </a:solidFill>
+                <a:latin typeface="PalatinoLTStd-Bold"/>
+              </a:rPr>
+              <a:t>São itens obrigatórios em seu texto:</a:t>
+            </a:r>
+          </a:p>
+          <a:p>
+            <a:pPr algn="just">
+              <a:lnSpc>
+                <a:spcPct val="125000"/>
+              </a:lnSpc>
+            </a:pPr>
+            <a:endParaRPr lang="pt-BR" sz="2600" b="1" dirty="0">
+              <a:solidFill>
+                <a:schemeClr val="accent4"/>
+              </a:solidFill>
+              <a:latin typeface="PalatinoLTStd-Bold"/>
+            </a:endParaRPr>
+          </a:p>
+          <a:p>
+            <a:pPr marL="457200" indent="-457200" algn="just">
+              <a:lnSpc>
+                <a:spcPct val="114000"/>
+              </a:lnSpc>
+              <a:spcBef>
+                <a:spcPts val="600"/>
+              </a:spcBef>
+              <a:spcAft>
+                <a:spcPts val="600"/>
+              </a:spcAft>
+              <a:buFont typeface="Arial" panose="020B0604020202020204" pitchFamily="34" charset="0"/>
+              <a:buChar char="•"/>
+            </a:pPr>
+            <a:r>
+              <a:rPr lang="pt-BR" sz="2600" b="1" dirty="0">
+                <a:solidFill>
+                  <a:schemeClr val="bg1"/>
+                </a:solidFill>
+                <a:latin typeface="PalatinoLTStd-Bold"/>
+              </a:rPr>
+              <a:t>Indicar a partir de qual substrato a via é iniciada</a:t>
+            </a:r>
+          </a:p>
+          <a:p>
+            <a:pPr marL="457200" indent="-457200" algn="just">
+              <a:lnSpc>
+                <a:spcPct val="114000"/>
+              </a:lnSpc>
+              <a:spcBef>
+                <a:spcPts val="600"/>
+              </a:spcBef>
+              <a:spcAft>
+                <a:spcPts val="600"/>
+              </a:spcAft>
+              <a:buFont typeface="Arial" panose="020B0604020202020204" pitchFamily="34" charset="0"/>
+              <a:buChar char="•"/>
+            </a:pPr>
+            <a:r>
+              <a:rPr lang="pt-BR" sz="2600" b="1" dirty="0">
+                <a:solidFill>
+                  <a:schemeClr val="bg1"/>
+                </a:solidFill>
+                <a:latin typeface="PalatinoLTStd-Bold"/>
+              </a:rPr>
+              <a:t>Indicar os dois principais produtos formados nesta via</a:t>
+            </a:r>
+          </a:p>
+          <a:p>
+            <a:pPr marL="457200" indent="-457200" algn="just">
+              <a:lnSpc>
+                <a:spcPct val="114000"/>
+              </a:lnSpc>
+              <a:spcBef>
+                <a:spcPts val="600"/>
+              </a:spcBef>
+              <a:spcAft>
+                <a:spcPts val="600"/>
+              </a:spcAft>
+              <a:buFont typeface="Arial" panose="020B0604020202020204" pitchFamily="34" charset="0"/>
+              <a:buChar char="•"/>
+            </a:pPr>
+            <a:r>
+              <a:rPr lang="pt-BR" sz="2600" b="1" dirty="0">
+                <a:solidFill>
+                  <a:schemeClr val="bg1"/>
+                </a:solidFill>
+                <a:latin typeface="PalatinoLTStd-Bold"/>
+              </a:rPr>
+              <a:t>Qual a finalidade/uso metabólicos destes produtos</a:t>
+            </a:r>
+          </a:p>
+          <a:p>
+            <a:pPr marL="457200" indent="-457200" algn="just">
+              <a:lnSpc>
+                <a:spcPct val="114000"/>
+              </a:lnSpc>
+              <a:spcBef>
+                <a:spcPts val="600"/>
+              </a:spcBef>
+              <a:spcAft>
+                <a:spcPts val="600"/>
+              </a:spcAft>
+              <a:buFont typeface="Arial" panose="020B0604020202020204" pitchFamily="34" charset="0"/>
+              <a:buChar char="•"/>
+            </a:pPr>
+            <a:r>
+              <a:rPr lang="pt-BR" sz="2600" b="1" dirty="0">
+                <a:solidFill>
+                  <a:schemeClr val="bg1"/>
+                </a:solidFill>
+                <a:latin typeface="PalatinoLTStd-Bold"/>
+              </a:rPr>
+              <a:t>Em quantas fases a via é dividida, qual o nome das fases e quais as características de cada fase</a:t>
+            </a:r>
+          </a:p>
+        </p:txBody>
+      </p:sp>
+      <p:sp>
+        <p:nvSpPr>
+          <p:cNvPr id="10" name="Retângulo 9">
+            <a:extLst>
+              <a:ext uri="{FF2B5EF4-FFF2-40B4-BE49-F238E27FC236}">
+                <a16:creationId xmlns:a16="http://schemas.microsoft.com/office/drawing/2014/main" id="{71ACB659-76D6-427E-A2BB-4F051F49046E}"/>
+              </a:ext>
+            </a:extLst>
+          </p:cNvPr>
+          <p:cNvSpPr/>
+          <p:nvPr/>
+        </p:nvSpPr>
+        <p:spPr>
+          <a:xfrm>
+            <a:off x="671413" y="5765883"/>
+            <a:ext cx="10843827" cy="663258"/>
+          </a:xfrm>
+          <a:prstGeom prst="rect">
+            <a:avLst/>
+          </a:prstGeom>
+        </p:spPr>
+        <p:txBody>
+          <a:bodyPr wrap="square">
+            <a:spAutoFit/>
+          </a:bodyPr>
+          <a:lstStyle/>
+          <a:p>
+            <a:pPr algn="r">
+              <a:lnSpc>
+                <a:spcPct val="125000"/>
+              </a:lnSpc>
+            </a:pPr>
+            <a:r>
+              <a:rPr lang="pt-BR" sz="3200" b="1" i="1" dirty="0" err="1">
+                <a:solidFill>
+                  <a:schemeClr val="accent4"/>
+                </a:solidFill>
+                <a:latin typeface="PalatinoLTStd-Bold"/>
+              </a:rPr>
+              <a:t>Obs</a:t>
+            </a:r>
+            <a:r>
+              <a:rPr lang="pt-BR" sz="3200" b="1" i="1" dirty="0">
+                <a:solidFill>
+                  <a:schemeClr val="accent4"/>
+                </a:solidFill>
+                <a:latin typeface="PalatinoLTStd-Bold"/>
+              </a:rPr>
+              <a:t>: Desenvolva o texto em pelo menos 15 linhas</a:t>
+            </a:r>
+          </a:p>
+        </p:txBody>
+      </p:sp>
+    </p:spTree>
+    <p:extLst>
+      <p:ext uri="{BB962C8B-B14F-4D97-AF65-F5344CB8AC3E}">
+        <p14:creationId xmlns:p14="http://schemas.microsoft.com/office/powerpoint/2010/main" val="1507057676"/>
+      </p:ext>
+    </p:extLst>
+  </p:cSld>
+  <p:clrMapOvr>
+    <a:masterClrMapping/>
+  </p:clrMapOvr>
+  <p:transition spd="slow">
+    <p:push/>
+  </p:transition>
+</p:sld>
+</file>
+
+<file path=ppt/slides/slide20.xml><?xml version="1.0" encoding="utf-8"?>
 <p:sld xmlns:a="http://schemas.openxmlformats.org/drawingml/2006/main" xmlns:r="http://schemas.openxmlformats.org/officeDocument/2006/relationships" xmlns:p="http://schemas.openxmlformats.org/presentationml/2006/main">
   <p:cSld>
     <p:spTree>
@@ -11214,7 +14450,7 @@
         </p:nvSpPr>
         <p:spPr>
           <a:xfrm>
-            <a:off x="3830052" y="2076981"/>
+            <a:off x="3830052" y="2027994"/>
             <a:ext cx="3737811" cy="400110"/>
           </a:xfrm>
           <a:prstGeom prst="rect">
@@ -13127,13 +16363,13 @@
               <a:defRPr/>
             </a:pPr>
             <a:r>
-              <a:rPr lang="pt-BR" sz="2000" b="1">
+              <a:rPr lang="pt-BR" sz="2000" b="1" dirty="0">
                 <a:solidFill>
                   <a:prstClr val="white"/>
                 </a:solidFill>
                 <a:latin typeface="Bell MT" panose="02020503060305020303" pitchFamily="18" charset="0"/>
               </a:rPr>
-              <a:t>Lipideos</a:t>
+              <a:t>Lipídios</a:t>
             </a:r>
             <a:endParaRPr kumimoji="0" lang="pt-BR" sz="2000" b="1" i="0" u="none" strike="noStrike" kern="1200" cap="none" spc="0" normalizeH="0" baseline="30000" noProof="0" dirty="0">
               <a:ln>
@@ -13888,7 +17124,7 @@
                             </p:stCondLst>
                             <p:childTnLst>
                               <p:par>
-                                <p:cTn id="5" presetID="2" presetClass="entr" presetSubtype="2" fill="hold" grpId="0" nodeType="clickEffect">
+                                <p:cTn id="5" presetID="2" presetClass="entr" presetSubtype="8" fill="hold" grpId="0" nodeType="clickEffect">
                                   <p:stCondLst>
                                     <p:cond delay="0"/>
                                   </p:stCondLst>
@@ -13901,7 +17137,7 @@
                                           </p:stCondLst>
                                         </p:cTn>
                                         <p:tgtEl>
-                                          <p:spTgt spid="28"/>
+                                          <p:spTgt spid="33"/>
                                         </p:tgtEl>
                                         <p:attrNameLst>
                                           <p:attrName>style.visibility</p:attrName>
@@ -13915,7 +17151,7 @@
                                       <p:cBhvr additive="base">
                                         <p:cTn id="7" dur="500" fill="hold"/>
                                         <p:tgtEl>
-                                          <p:spTgt spid="28"/>
+                                          <p:spTgt spid="33"/>
                                         </p:tgtEl>
                                         <p:attrNameLst>
                                           <p:attrName>ppt_x</p:attrName>
@@ -13924,7 +17160,7 @@
                                       <p:tavLst>
                                         <p:tav tm="0">
                                           <p:val>
-                                            <p:strVal val="1+#ppt_w/2"/>
+                                            <p:strVal val="0-#ppt_w/2"/>
                                           </p:val>
                                         </p:tav>
                                         <p:tav tm="100000">
@@ -13938,7 +17174,7 @@
                                       <p:cBhvr additive="base">
                                         <p:cTn id="8" dur="500" fill="hold"/>
                                         <p:tgtEl>
-                                          <p:spTgt spid="28"/>
+                                          <p:spTgt spid="33"/>
                                         </p:tgtEl>
                                         <p:attrNameLst>
                                           <p:attrName>ppt_y</p:attrName>
@@ -13979,7 +17215,7 @@
                             </p:stCondLst>
                             <p:childTnLst>
                               <p:par>
-                                <p:cTn id="11" presetID="22" presetClass="entr" presetSubtype="1" fill="hold" grpId="0" nodeType="clickEffect">
+                                <p:cTn id="11" presetID="22" presetClass="entr" presetSubtype="1" fill="hold" nodeType="clickEffect">
                                   <p:stCondLst>
                                     <p:cond delay="0"/>
                                   </p:stCondLst>
@@ -13992,7 +17228,7 @@
                                           </p:stCondLst>
                                         </p:cTn>
                                         <p:tgtEl>
-                                          <p:spTgt spid="27"/>
+                                          <p:spTgt spid="5"/>
                                         </p:tgtEl>
                                         <p:attrNameLst>
                                           <p:attrName>style.visibility</p:attrName>
@@ -14006,7 +17242,7 @@
                                       <p:cBhvr>
                                         <p:cTn id="13" dur="500"/>
                                         <p:tgtEl>
-                                          <p:spTgt spid="27"/>
+                                          <p:spTgt spid="5"/>
                                         </p:tgtEl>
                                       </p:cBhvr>
                                     </p:animEffect>
@@ -14045,7 +17281,7 @@
                                           </p:stCondLst>
                                         </p:cTn>
                                         <p:tgtEl>
-                                          <p:spTgt spid="29"/>
+                                          <p:spTgt spid="7"/>
                                         </p:tgtEl>
                                         <p:attrNameLst>
                                           <p:attrName>style.visibility</p:attrName>
@@ -14059,7 +17295,7 @@
                                       <p:cBhvr>
                                         <p:cTn id="18" dur="500"/>
                                         <p:tgtEl>
-                                          <p:spTgt spid="29"/>
+                                          <p:spTgt spid="7"/>
                                         </p:tgtEl>
                                       </p:cBhvr>
                                     </p:animEffect>
@@ -14085,7 +17321,7 @@
                             </p:stCondLst>
                             <p:childTnLst>
                               <p:par>
-                                <p:cTn id="21" presetID="2" presetClass="entr" presetSubtype="2" fill="hold" grpId="0" nodeType="clickEffect">
+                                <p:cTn id="21" presetID="2" presetClass="entr" presetSubtype="1" fill="hold" nodeType="clickEffect">
                                   <p:stCondLst>
                                     <p:cond delay="0"/>
                                   </p:stCondLst>
@@ -14098,7 +17334,7 @@
                                           </p:stCondLst>
                                         </p:cTn>
                                         <p:tgtEl>
-                                          <p:spTgt spid="31"/>
+                                          <p:spTgt spid="8"/>
                                         </p:tgtEl>
                                         <p:attrNameLst>
                                           <p:attrName>style.visibility</p:attrName>
@@ -14112,7 +17348,7 @@
                                       <p:cBhvr additive="base">
                                         <p:cTn id="23" dur="500" fill="hold"/>
                                         <p:tgtEl>
-                                          <p:spTgt spid="31"/>
+                                          <p:spTgt spid="8"/>
                                         </p:tgtEl>
                                         <p:attrNameLst>
                                           <p:attrName>ppt_x</p:attrName>
@@ -14121,7 +17357,7 @@
                                       <p:tavLst>
                                         <p:tav tm="0">
                                           <p:val>
-                                            <p:strVal val="1+#ppt_w/2"/>
+                                            <p:strVal val="#ppt_x"/>
                                           </p:val>
                                         </p:tav>
                                         <p:tav tm="100000">
@@ -14135,7 +17371,7 @@
                                       <p:cBhvr additive="base">
                                         <p:cTn id="24" dur="500" fill="hold"/>
                                         <p:tgtEl>
-                                          <p:spTgt spid="31"/>
+                                          <p:spTgt spid="8"/>
                                         </p:tgtEl>
                                         <p:attrNameLst>
                                           <p:attrName>ppt_y</p:attrName>
@@ -14144,7 +17380,7 @@
                                       <p:tavLst>
                                         <p:tav tm="0">
                                           <p:val>
-                                            <p:strVal val="#ppt_y"/>
+                                            <p:strVal val="0-#ppt_h/2"/>
                                           </p:val>
                                         </p:tav>
                                         <p:tav tm="100000">
@@ -14176,7 +17412,7 @@
                             </p:stCondLst>
                             <p:childTnLst>
                               <p:par>
-                                <p:cTn id="27" presetID="22" presetClass="entr" presetSubtype="1" fill="hold" grpId="0" nodeType="clickEffect">
+                                <p:cTn id="27" presetID="2" presetClass="entr" presetSubtype="2" fill="hold" grpId="0" nodeType="clickEffect">
                                   <p:stCondLst>
                                     <p:cond delay="0"/>
                                   </p:stCondLst>
@@ -14184,6 +17420,294 @@
                                     <p:set>
                                       <p:cBhvr>
                                         <p:cTn id="28" dur="1" fill="hold">
+                                          <p:stCondLst>
+                                            <p:cond delay="0"/>
+                                          </p:stCondLst>
+                                        </p:cTn>
+                                        <p:tgtEl>
+                                          <p:spTgt spid="28"/>
+                                        </p:tgtEl>
+                                        <p:attrNameLst>
+                                          <p:attrName>style.visibility</p:attrName>
+                                        </p:attrNameLst>
+                                      </p:cBhvr>
+                                      <p:to>
+                                        <p:strVal val="visible"/>
+                                      </p:to>
+                                    </p:set>
+                                    <p:anim calcmode="lin" valueType="num">
+                                      <p:cBhvr additive="base">
+                                        <p:cTn id="29" dur="500" fill="hold"/>
+                                        <p:tgtEl>
+                                          <p:spTgt spid="28"/>
+                                        </p:tgtEl>
+                                        <p:attrNameLst>
+                                          <p:attrName>ppt_x</p:attrName>
+                                        </p:attrNameLst>
+                                      </p:cBhvr>
+                                      <p:tavLst>
+                                        <p:tav tm="0">
+                                          <p:val>
+                                            <p:strVal val="1+#ppt_w/2"/>
+                                          </p:val>
+                                        </p:tav>
+                                        <p:tav tm="100000">
+                                          <p:val>
+                                            <p:strVal val="#ppt_x"/>
+                                          </p:val>
+                                        </p:tav>
+                                      </p:tavLst>
+                                    </p:anim>
+                                    <p:anim calcmode="lin" valueType="num">
+                                      <p:cBhvr additive="base">
+                                        <p:cTn id="30" dur="500" fill="hold"/>
+                                        <p:tgtEl>
+                                          <p:spTgt spid="28"/>
+                                        </p:tgtEl>
+                                        <p:attrNameLst>
+                                          <p:attrName>ppt_y</p:attrName>
+                                        </p:attrNameLst>
+                                      </p:cBhvr>
+                                      <p:tavLst>
+                                        <p:tav tm="0">
+                                          <p:val>
+                                            <p:strVal val="#ppt_y"/>
+                                          </p:val>
+                                        </p:tav>
+                                        <p:tav tm="100000">
+                                          <p:val>
+                                            <p:strVal val="#ppt_y"/>
+                                          </p:val>
+                                        </p:tav>
+                                      </p:tavLst>
+                                    </p:anim>
+                                  </p:childTnLst>
+                                </p:cTn>
+                              </p:par>
+                            </p:childTnLst>
+                          </p:cTn>
+                        </p:par>
+                      </p:childTnLst>
+                    </p:cTn>
+                  </p:par>
+                  <p:par>
+                    <p:cTn id="31" fill="hold">
+                      <p:stCondLst>
+                        <p:cond delay="indefinite"/>
+                      </p:stCondLst>
+                      <p:childTnLst>
+                        <p:par>
+                          <p:cTn id="32" fill="hold">
+                            <p:stCondLst>
+                              <p:cond delay="0"/>
+                            </p:stCondLst>
+                            <p:childTnLst>
+                              <p:par>
+                                <p:cTn id="33" presetID="22" presetClass="entr" presetSubtype="1" fill="hold" grpId="0" nodeType="clickEffect">
+                                  <p:stCondLst>
+                                    <p:cond delay="0"/>
+                                  </p:stCondLst>
+                                  <p:childTnLst>
+                                    <p:set>
+                                      <p:cBhvr>
+                                        <p:cTn id="34" dur="1" fill="hold">
+                                          <p:stCondLst>
+                                            <p:cond delay="0"/>
+                                          </p:stCondLst>
+                                        </p:cTn>
+                                        <p:tgtEl>
+                                          <p:spTgt spid="27"/>
+                                        </p:tgtEl>
+                                        <p:attrNameLst>
+                                          <p:attrName>style.visibility</p:attrName>
+                                        </p:attrNameLst>
+                                      </p:cBhvr>
+                                      <p:to>
+                                        <p:strVal val="visible"/>
+                                      </p:to>
+                                    </p:set>
+                                    <p:animEffect transition="in" filter="wipe(up)">
+                                      <p:cBhvr>
+                                        <p:cTn id="35" dur="500"/>
+                                        <p:tgtEl>
+                                          <p:spTgt spid="27"/>
+                                        </p:tgtEl>
+                                      </p:cBhvr>
+                                    </p:animEffect>
+                                  </p:childTnLst>
+                                </p:cTn>
+                              </p:par>
+                            </p:childTnLst>
+                          </p:cTn>
+                        </p:par>
+                      </p:childTnLst>
+                    </p:cTn>
+                  </p:par>
+                  <p:par>
+                    <p:cTn id="36" fill="hold">
+                      <p:stCondLst>
+                        <p:cond delay="indefinite"/>
+                      </p:stCondLst>
+                      <p:childTnLst>
+                        <p:par>
+                          <p:cTn id="37" fill="hold">
+                            <p:stCondLst>
+                              <p:cond delay="0"/>
+                            </p:stCondLst>
+                            <p:childTnLst>
+                              <p:par>
+                                <p:cTn id="38" presetID="22" presetClass="entr" presetSubtype="4" fill="hold" grpId="0" nodeType="clickEffect">
+                                  <p:stCondLst>
+                                    <p:cond delay="0"/>
+                                  </p:stCondLst>
+                                  <p:childTnLst>
+                                    <p:set>
+                                      <p:cBhvr>
+                                        <p:cTn id="39" dur="1" fill="hold">
+                                          <p:stCondLst>
+                                            <p:cond delay="0"/>
+                                          </p:stCondLst>
+                                        </p:cTn>
+                                        <p:tgtEl>
+                                          <p:spTgt spid="29"/>
+                                        </p:tgtEl>
+                                        <p:attrNameLst>
+                                          <p:attrName>style.visibility</p:attrName>
+                                        </p:attrNameLst>
+                                      </p:cBhvr>
+                                      <p:to>
+                                        <p:strVal val="visible"/>
+                                      </p:to>
+                                    </p:set>
+                                    <p:animEffect transition="in" filter="wipe(down)">
+                                      <p:cBhvr>
+                                        <p:cTn id="40" dur="500"/>
+                                        <p:tgtEl>
+                                          <p:spTgt spid="29"/>
+                                        </p:tgtEl>
+                                      </p:cBhvr>
+                                    </p:animEffect>
+                                  </p:childTnLst>
+                                </p:cTn>
+                              </p:par>
+                            </p:childTnLst>
+                          </p:cTn>
+                        </p:par>
+                      </p:childTnLst>
+                    </p:cTn>
+                  </p:par>
+                  <p:par>
+                    <p:cTn id="41" fill="hold">
+                      <p:stCondLst>
+                        <p:cond delay="indefinite"/>
+                      </p:stCondLst>
+                      <p:childTnLst>
+                        <p:par>
+                          <p:cTn id="42" fill="hold">
+                            <p:stCondLst>
+                              <p:cond delay="0"/>
+                            </p:stCondLst>
+                            <p:childTnLst>
+                              <p:par>
+                                <p:cTn id="43" presetID="2" presetClass="entr" presetSubtype="2" fill="hold" grpId="0" nodeType="clickEffect">
+                                  <p:stCondLst>
+                                    <p:cond delay="0"/>
+                                  </p:stCondLst>
+                                  <p:childTnLst>
+                                    <p:set>
+                                      <p:cBhvr>
+                                        <p:cTn id="44" dur="1" fill="hold">
+                                          <p:stCondLst>
+                                            <p:cond delay="0"/>
+                                          </p:stCondLst>
+                                        </p:cTn>
+                                        <p:tgtEl>
+                                          <p:spTgt spid="31"/>
+                                        </p:tgtEl>
+                                        <p:attrNameLst>
+                                          <p:attrName>style.visibility</p:attrName>
+                                        </p:attrNameLst>
+                                      </p:cBhvr>
+                                      <p:to>
+                                        <p:strVal val="visible"/>
+                                      </p:to>
+                                    </p:set>
+                                    <p:anim calcmode="lin" valueType="num">
+                                      <p:cBhvr additive="base">
+                                        <p:cTn id="45" dur="500" fill="hold"/>
+                                        <p:tgtEl>
+                                          <p:spTgt spid="31"/>
+                                        </p:tgtEl>
+                                        <p:attrNameLst>
+                                          <p:attrName>ppt_x</p:attrName>
+                                        </p:attrNameLst>
+                                      </p:cBhvr>
+                                      <p:tavLst>
+                                        <p:tav tm="0">
+                                          <p:val>
+                                            <p:strVal val="1+#ppt_w/2"/>
+                                          </p:val>
+                                        </p:tav>
+                                        <p:tav tm="100000">
+                                          <p:val>
+                                            <p:strVal val="#ppt_x"/>
+                                          </p:val>
+                                        </p:tav>
+                                      </p:tavLst>
+                                    </p:anim>
+                                    <p:anim calcmode="lin" valueType="num">
+                                      <p:cBhvr additive="base">
+                                        <p:cTn id="46" dur="500" fill="hold"/>
+                                        <p:tgtEl>
+                                          <p:spTgt spid="31"/>
+                                        </p:tgtEl>
+                                        <p:attrNameLst>
+                                          <p:attrName>ppt_y</p:attrName>
+                                        </p:attrNameLst>
+                                      </p:cBhvr>
+                                      <p:tavLst>
+                                        <p:tav tm="0">
+                                          <p:val>
+                                            <p:strVal val="#ppt_y"/>
+                                          </p:val>
+                                        </p:tav>
+                                        <p:tav tm="100000">
+                                          <p:val>
+                                            <p:strVal val="#ppt_y"/>
+                                          </p:val>
+                                        </p:tav>
+                                      </p:tavLst>
+                                    </p:anim>
+                                  </p:childTnLst>
+                                </p:cTn>
+                              </p:par>
+                            </p:childTnLst>
+                          </p:cTn>
+                        </p:par>
+                      </p:childTnLst>
+                    </p:cTn>
+                  </p:par>
+                  <p:par>
+                    <p:cTn id="47" fill="hold">
+                      <p:stCondLst>
+                        <p:cond delay="indefinite"/>
+                      </p:stCondLst>
+                      <p:childTnLst>
+                        <p:par>
+                          <p:cTn id="48" fill="hold">
+                            <p:stCondLst>
+                              <p:cond delay="0"/>
+                            </p:stCondLst>
+                            <p:childTnLst>
+                              <p:par>
+                                <p:cTn id="49" presetID="22" presetClass="entr" presetSubtype="1" fill="hold" grpId="0" nodeType="clickEffect">
+                                  <p:stCondLst>
+                                    <p:cond delay="0"/>
+                                  </p:stCondLst>
+                                  <p:childTnLst>
+                                    <p:set>
+                                      <p:cBhvr>
+                                        <p:cTn id="50" dur="1" fill="hold">
                                           <p:stCondLst>
                                             <p:cond delay="0"/>
                                           </p:stCondLst>
@@ -14201,7 +17725,7 @@
                                     </p:set>
                                     <p:animEffect transition="in" filter="wipe(up)">
                                       <p:cBhvr>
-                                        <p:cTn id="29" dur="500"/>
+                                        <p:cTn id="51" dur="500"/>
                                         <p:tgtEl>
                                           <p:spTgt spid="30"/>
                                         </p:tgtEl>
@@ -14217,26 +17741,26 @@
                     </p:cTn>
                   </p:par>
                   <p:par>
-                    <p:cTn id="30" fill="hold">
+                    <p:cTn id="52" fill="hold">
                       <p:stCondLst>
                         <p:cond delay="indefinite"/>
                       </p:stCondLst>
                       <p:childTnLst>
                         <p:par>
-                          <p:cTn id="31" fill="hold">
+                          <p:cTn id="53" fill="hold">
                             <p:stCondLst>
                               <p:cond delay="0"/>
                             </p:stCondLst>
                             <p:childTnLst>
                               <p:par>
-                                <p:cTn id="32" presetID="22" presetClass="entr" presetSubtype="4" fill="hold" grpId="0" nodeType="clickEffect">
+                                <p:cTn id="54" presetID="22" presetClass="entr" presetSubtype="4" fill="hold" grpId="0" nodeType="clickEffect">
                                   <p:stCondLst>
                                     <p:cond delay="0"/>
                                   </p:stCondLst>
                                   <p:childTnLst>
                                     <p:set>
                                       <p:cBhvr>
-                                        <p:cTn id="33" dur="1" fill="hold">
+                                        <p:cTn id="55" dur="1" fill="hold">
                                           <p:stCondLst>
                                             <p:cond delay="0"/>
                                           </p:stCondLst>
@@ -14254,7 +17778,7 @@
                                     </p:set>
                                     <p:animEffect transition="in" filter="wipe(down)">
                                       <p:cBhvr>
-                                        <p:cTn id="34" dur="500"/>
+                                        <p:cTn id="56" dur="500"/>
                                         <p:tgtEl>
                                           <p:spTgt spid="32"/>
                                         </p:tgtEl>
@@ -14270,26 +17794,26 @@
                     </p:cTn>
                   </p:par>
                   <p:par>
-                    <p:cTn id="35" fill="hold">
+                    <p:cTn id="57" fill="hold">
                       <p:stCondLst>
                         <p:cond delay="indefinite"/>
                       </p:stCondLst>
                       <p:childTnLst>
                         <p:par>
-                          <p:cTn id="36" fill="hold">
+                          <p:cTn id="58" fill="hold">
                             <p:stCondLst>
                               <p:cond delay="0"/>
                             </p:stCondLst>
                             <p:childTnLst>
                               <p:par>
-                                <p:cTn id="37" presetID="22" presetClass="entr" presetSubtype="8" fill="hold" grpId="0" nodeType="clickEffect">
+                                <p:cTn id="59" presetID="22" presetClass="entr" presetSubtype="8" fill="hold" grpId="0" nodeType="clickEffect">
                                   <p:stCondLst>
                                     <p:cond delay="0"/>
                                   </p:stCondLst>
                                   <p:childTnLst>
                                     <p:set>
                                       <p:cBhvr>
-                                        <p:cTn id="38" dur="1" fill="hold">
+                                        <p:cTn id="60" dur="1" fill="hold">
                                           <p:stCondLst>
                                             <p:cond delay="0"/>
                                           </p:stCondLst>
@@ -14307,7 +17831,7 @@
                                     </p:set>
                                     <p:animEffect transition="in" filter="wipe(left)">
                                       <p:cBhvr>
-                                        <p:cTn id="39" dur="500"/>
+                                        <p:cTn id="61" dur="500"/>
                                         <p:tgtEl>
                                           <p:spTgt spid="25"/>
                                         </p:tgtEl>
@@ -14323,26 +17847,26 @@
                     </p:cTn>
                   </p:par>
                   <p:par>
-                    <p:cTn id="40" fill="hold">
+                    <p:cTn id="62" fill="hold">
                       <p:stCondLst>
                         <p:cond delay="indefinite"/>
                       </p:stCondLst>
                       <p:childTnLst>
                         <p:par>
-                          <p:cTn id="41" fill="hold">
+                          <p:cTn id="63" fill="hold">
                             <p:stCondLst>
                               <p:cond delay="0"/>
                             </p:stCondLst>
                             <p:childTnLst>
                               <p:par>
-                                <p:cTn id="42" presetID="22" presetClass="entr" presetSubtype="4" fill="hold" grpId="0" nodeType="clickEffect">
+                                <p:cTn id="64" presetID="22" presetClass="entr" presetSubtype="4" fill="hold" grpId="0" nodeType="clickEffect">
                                   <p:stCondLst>
                                     <p:cond delay="0"/>
                                   </p:stCondLst>
                                   <p:childTnLst>
                                     <p:set>
                                       <p:cBhvr>
-                                        <p:cTn id="43" dur="1" fill="hold">
+                                        <p:cTn id="65" dur="1" fill="hold">
                                           <p:stCondLst>
                                             <p:cond delay="0"/>
                                           </p:stCondLst>
@@ -14360,7 +17884,7 @@
                                     </p:set>
                                     <p:animEffect transition="in" filter="wipe(down)">
                                       <p:cBhvr>
-                                        <p:cTn id="44" dur="500"/>
+                                        <p:cTn id="66" dur="500"/>
                                         <p:tgtEl>
                                           <p:spTgt spid="38"/>
                                         </p:tgtEl>
@@ -14376,26 +17900,26 @@
                     </p:cTn>
                   </p:par>
                   <p:par>
-                    <p:cTn id="45" fill="hold">
+                    <p:cTn id="67" fill="hold">
                       <p:stCondLst>
                         <p:cond delay="indefinite"/>
                       </p:stCondLst>
                       <p:childTnLst>
                         <p:par>
-                          <p:cTn id="46" fill="hold">
+                          <p:cTn id="68" fill="hold">
                             <p:stCondLst>
                               <p:cond delay="0"/>
                             </p:stCondLst>
                             <p:childTnLst>
                               <p:par>
-                                <p:cTn id="47" presetID="2" presetClass="entr" presetSubtype="2" fill="hold" grpId="0" nodeType="clickEffect">
+                                <p:cTn id="69" presetID="2" presetClass="entr" presetSubtype="2" fill="hold" grpId="0" nodeType="clickEffect">
                                   <p:stCondLst>
                                     <p:cond delay="0"/>
                                   </p:stCondLst>
                                   <p:childTnLst>
                                     <p:set>
                                       <p:cBhvr>
-                                        <p:cTn id="48" dur="1" fill="hold">
+                                        <p:cTn id="70" dur="1" fill="hold">
                                           <p:stCondLst>
                                             <p:cond delay="0"/>
                                           </p:stCondLst>
@@ -14413,7 +17937,7 @@
                                     </p:set>
                                     <p:anim calcmode="lin" valueType="num">
                                       <p:cBhvr additive="base">
-                                        <p:cTn id="49" dur="500" fill="hold"/>
+                                        <p:cTn id="71" dur="500" fill="hold"/>
                                         <p:tgtEl>
                                           <p:spTgt spid="40"/>
                                         </p:tgtEl>
@@ -14436,7 +17960,7 @@
                                     </p:anim>
                                     <p:anim calcmode="lin" valueType="num">
                                       <p:cBhvr additive="base">
-                                        <p:cTn id="50" dur="500" fill="hold"/>
+                                        <p:cTn id="72" dur="500" fill="hold"/>
                                         <p:tgtEl>
                                           <p:spTgt spid="40"/>
                                         </p:tgtEl>
@@ -14467,26 +17991,26 @@
                     </p:cTn>
                   </p:par>
                   <p:par>
-                    <p:cTn id="51" fill="hold">
+                    <p:cTn id="73" fill="hold">
                       <p:stCondLst>
                         <p:cond delay="indefinite"/>
                       </p:stCondLst>
                       <p:childTnLst>
                         <p:par>
-                          <p:cTn id="52" fill="hold">
+                          <p:cTn id="74" fill="hold">
                             <p:stCondLst>
                               <p:cond delay="0"/>
                             </p:stCondLst>
                             <p:childTnLst>
                               <p:par>
-                                <p:cTn id="53" presetID="22" presetClass="entr" presetSubtype="1" fill="hold" grpId="0" nodeType="clickEffect">
+                                <p:cTn id="75" presetID="22" presetClass="entr" presetSubtype="1" fill="hold" grpId="0" nodeType="clickEffect">
                                   <p:stCondLst>
                                     <p:cond delay="0"/>
                                   </p:stCondLst>
                                   <p:childTnLst>
                                     <p:set>
                                       <p:cBhvr>
-                                        <p:cTn id="54" dur="1" fill="hold">
+                                        <p:cTn id="76" dur="1" fill="hold">
                                           <p:stCondLst>
                                             <p:cond delay="0"/>
                                           </p:stCondLst>
@@ -14504,7 +18028,7 @@
                                     </p:set>
                                     <p:animEffect transition="in" filter="wipe(up)">
                                       <p:cBhvr>
-                                        <p:cTn id="55" dur="500"/>
+                                        <p:cTn id="77" dur="500"/>
                                         <p:tgtEl>
                                           <p:spTgt spid="39"/>
                                         </p:tgtEl>
@@ -14520,26 +18044,26 @@
                     </p:cTn>
                   </p:par>
                   <p:par>
-                    <p:cTn id="56" fill="hold">
+                    <p:cTn id="78" fill="hold">
                       <p:stCondLst>
                         <p:cond delay="indefinite"/>
                       </p:stCondLst>
                       <p:childTnLst>
                         <p:par>
-                          <p:cTn id="57" fill="hold">
+                          <p:cTn id="79" fill="hold">
                             <p:stCondLst>
                               <p:cond delay="0"/>
                             </p:stCondLst>
                             <p:childTnLst>
                               <p:par>
-                                <p:cTn id="58" presetID="22" presetClass="entr" presetSubtype="4" fill="hold" grpId="0" nodeType="clickEffect">
+                                <p:cTn id="80" presetID="22" presetClass="entr" presetSubtype="4" fill="hold" grpId="0" nodeType="clickEffect">
                                   <p:stCondLst>
                                     <p:cond delay="0"/>
                                   </p:stCondLst>
                                   <p:childTnLst>
                                     <p:set>
                                       <p:cBhvr>
-                                        <p:cTn id="59" dur="1" fill="hold">
+                                        <p:cTn id="81" dur="1" fill="hold">
                                           <p:stCondLst>
                                             <p:cond delay="0"/>
                                           </p:stCondLst>
@@ -14557,300 +18081,12 @@
                                     </p:set>
                                     <p:animEffect transition="in" filter="wipe(down)">
                                       <p:cBhvr>
-                                        <p:cTn id="60" dur="500"/>
+                                        <p:cTn id="82" dur="500"/>
                                         <p:tgtEl>
                                           <p:spTgt spid="41"/>
                                         </p:tgtEl>
                                       </p:cBhvr>
                                     </p:animEffect>
-                                  </p:childTnLst>
-                                </p:cTn>
-                              </p:par>
-                            </p:childTnLst>
-                          </p:cTn>
-                        </p:par>
-                      </p:childTnLst>
-                    </p:cTn>
-                  </p:par>
-                  <p:par>
-                    <p:cTn id="61" fill="hold">
-                      <p:stCondLst>
-                        <p:cond delay="indefinite"/>
-                      </p:stCondLst>
-                      <p:childTnLst>
-                        <p:par>
-                          <p:cTn id="62" fill="hold">
-                            <p:stCondLst>
-                              <p:cond delay="0"/>
-                            </p:stCondLst>
-                            <p:childTnLst>
-                              <p:par>
-                                <p:cTn id="63" presetID="22" presetClass="entr" presetSubtype="1" fill="hold" grpId="0" nodeType="clickEffect">
-                                  <p:stCondLst>
-                                    <p:cond delay="0"/>
-                                  </p:stCondLst>
-                                  <p:childTnLst>
-                                    <p:set>
-                                      <p:cBhvr>
-                                        <p:cTn id="64" dur="1" fill="hold">
-                                          <p:stCondLst>
-                                            <p:cond delay="0"/>
-                                          </p:stCondLst>
-                                        </p:cTn>
-                                        <p:tgtEl>
-                                          <p:spTgt spid="42"/>
-                                        </p:tgtEl>
-                                        <p:attrNameLst>
-                                          <p:attrName>style.visibility</p:attrName>
-                                        </p:attrNameLst>
-                                      </p:cBhvr>
-                                      <p:to>
-                                        <p:strVal val="visible"/>
-                                      </p:to>
-                                    </p:set>
-                                    <p:animEffect transition="in" filter="wipe(up)">
-                                      <p:cBhvr>
-                                        <p:cTn id="65" dur="500"/>
-                                        <p:tgtEl>
-                                          <p:spTgt spid="42"/>
-                                        </p:tgtEl>
-                                      </p:cBhvr>
-                                    </p:animEffect>
-                                  </p:childTnLst>
-                                </p:cTn>
-                              </p:par>
-                            </p:childTnLst>
-                          </p:cTn>
-                        </p:par>
-                      </p:childTnLst>
-                    </p:cTn>
-                  </p:par>
-                  <p:par>
-                    <p:cTn id="66" fill="hold">
-                      <p:stCondLst>
-                        <p:cond delay="indefinite"/>
-                      </p:stCondLst>
-                      <p:childTnLst>
-                        <p:par>
-                          <p:cTn id="67" fill="hold">
-                            <p:stCondLst>
-                              <p:cond delay="0"/>
-                            </p:stCondLst>
-                            <p:childTnLst>
-                              <p:par>
-                                <p:cTn id="68" presetID="22" presetClass="entr" presetSubtype="1" fill="hold" grpId="0" nodeType="clickEffect">
-                                  <p:stCondLst>
-                                    <p:cond delay="0"/>
-                                  </p:stCondLst>
-                                  <p:childTnLst>
-                                    <p:set>
-                                      <p:cBhvr>
-                                        <p:cTn id="69" dur="1" fill="hold">
-                                          <p:stCondLst>
-                                            <p:cond delay="0"/>
-                                          </p:stCondLst>
-                                        </p:cTn>
-                                        <p:tgtEl>
-                                          <p:spTgt spid="43"/>
-                                        </p:tgtEl>
-                                        <p:attrNameLst>
-                                          <p:attrName>style.visibility</p:attrName>
-                                        </p:attrNameLst>
-                                      </p:cBhvr>
-                                      <p:to>
-                                        <p:strVal val="visible"/>
-                                      </p:to>
-                                    </p:set>
-                                    <p:animEffect transition="in" filter="wipe(up)">
-                                      <p:cBhvr>
-                                        <p:cTn id="70" dur="500"/>
-                                        <p:tgtEl>
-                                          <p:spTgt spid="43"/>
-                                        </p:tgtEl>
-                                      </p:cBhvr>
-                                    </p:animEffect>
-                                  </p:childTnLst>
-                                </p:cTn>
-                              </p:par>
-                            </p:childTnLst>
-                          </p:cTn>
-                        </p:par>
-                      </p:childTnLst>
-                    </p:cTn>
-                  </p:par>
-                  <p:par>
-                    <p:cTn id="71" fill="hold">
-                      <p:stCondLst>
-                        <p:cond delay="indefinite"/>
-                      </p:stCondLst>
-                      <p:childTnLst>
-                        <p:par>
-                          <p:cTn id="72" fill="hold">
-                            <p:stCondLst>
-                              <p:cond delay="0"/>
-                            </p:stCondLst>
-                            <p:childTnLst>
-                              <p:par>
-                                <p:cTn id="73" presetID="2" presetClass="entr" presetSubtype="2" fill="hold" grpId="0" nodeType="clickEffect">
-                                  <p:stCondLst>
-                                    <p:cond delay="0"/>
-                                  </p:stCondLst>
-                                  <p:childTnLst>
-                                    <p:set>
-                                      <p:cBhvr>
-                                        <p:cTn id="74" dur="1" fill="hold">
-                                          <p:stCondLst>
-                                            <p:cond delay="0"/>
-                                          </p:stCondLst>
-                                        </p:cTn>
-                                        <p:tgtEl>
-                                          <p:spTgt spid="44"/>
-                                        </p:tgtEl>
-                                        <p:attrNameLst>
-                                          <p:attrName>style.visibility</p:attrName>
-                                        </p:attrNameLst>
-                                      </p:cBhvr>
-                                      <p:to>
-                                        <p:strVal val="visible"/>
-                                      </p:to>
-                                    </p:set>
-                                    <p:anim calcmode="lin" valueType="num">
-                                      <p:cBhvr additive="base">
-                                        <p:cTn id="75" dur="500" fill="hold"/>
-                                        <p:tgtEl>
-                                          <p:spTgt spid="44"/>
-                                        </p:tgtEl>
-                                        <p:attrNameLst>
-                                          <p:attrName>ppt_x</p:attrName>
-                                        </p:attrNameLst>
-                                      </p:cBhvr>
-                                      <p:tavLst>
-                                        <p:tav tm="0">
-                                          <p:val>
-                                            <p:strVal val="1+#ppt_w/2"/>
-                                          </p:val>
-                                        </p:tav>
-                                        <p:tav tm="100000">
-                                          <p:val>
-                                            <p:strVal val="#ppt_x"/>
-                                          </p:val>
-                                        </p:tav>
-                                      </p:tavLst>
-                                    </p:anim>
-                                    <p:anim calcmode="lin" valueType="num">
-                                      <p:cBhvr additive="base">
-                                        <p:cTn id="76" dur="500" fill="hold"/>
-                                        <p:tgtEl>
-                                          <p:spTgt spid="44"/>
-                                        </p:tgtEl>
-                                        <p:attrNameLst>
-                                          <p:attrName>ppt_y</p:attrName>
-                                        </p:attrNameLst>
-                                      </p:cBhvr>
-                                      <p:tavLst>
-                                        <p:tav tm="0">
-                                          <p:val>
-                                            <p:strVal val="#ppt_y"/>
-                                          </p:val>
-                                        </p:tav>
-                                        <p:tav tm="100000">
-                                          <p:val>
-                                            <p:strVal val="#ppt_y"/>
-                                          </p:val>
-                                        </p:tav>
-                                      </p:tavLst>
-                                    </p:anim>
-                                  </p:childTnLst>
-                                </p:cTn>
-                              </p:par>
-                            </p:childTnLst>
-                          </p:cTn>
-                        </p:par>
-                      </p:childTnLst>
-                    </p:cTn>
-                  </p:par>
-                  <p:par>
-                    <p:cTn id="77" fill="hold">
-                      <p:stCondLst>
-                        <p:cond delay="indefinite"/>
-                      </p:stCondLst>
-                      <p:childTnLst>
-                        <p:par>
-                          <p:cTn id="78" fill="hold">
-                            <p:stCondLst>
-                              <p:cond delay="0"/>
-                            </p:stCondLst>
-                            <p:childTnLst>
-                              <p:par>
-                                <p:cTn id="79" presetID="2" presetClass="entr" presetSubtype="2" fill="hold" grpId="0" nodeType="clickEffect">
-                                  <p:stCondLst>
-                                    <p:cond delay="0"/>
-                                  </p:stCondLst>
-                                  <p:childTnLst>
-                                    <p:set>
-                                      <p:cBhvr>
-                                        <p:cTn id="80" dur="1" fill="hold">
-                                          <p:stCondLst>
-                                            <p:cond delay="0"/>
-                                          </p:stCondLst>
-                                        </p:cTn>
-                                        <p:tgtEl>
-                                          <p:spTgt spid="45"/>
-                                        </p:tgtEl>
-                                        <p:attrNameLst>
-                                          <p:attrName>style.visibility</p:attrName>
-                                        </p:attrNameLst>
-                                      </p:cBhvr>
-                                      <p:to>
-                                        <p:strVal val="visible"/>
-                                      </p:to>
-                                    </p:set>
-                                    <p:anim calcmode="lin" valueType="num">
-                                      <p:cBhvr additive="base">
-                                        <p:cTn id="81" dur="500" fill="hold"/>
-                                        <p:tgtEl>
-                                          <p:spTgt spid="45"/>
-                                        </p:tgtEl>
-                                        <p:attrNameLst>
-                                          <p:attrName>ppt_x</p:attrName>
-                                        </p:attrNameLst>
-                                      </p:cBhvr>
-                                      <p:tavLst>
-                                        <p:tav tm="0">
-                                          <p:val>
-                                            <p:strVal val="1+#ppt_w/2"/>
-                                          </p:val>
-                                        </p:tav>
-                                        <p:tav tm="100000">
-                                          <p:val>
-                                            <p:strVal val="#ppt_x"/>
-                                          </p:val>
-                                        </p:tav>
-                                      </p:tavLst>
-                                    </p:anim>
-                                    <p:anim calcmode="lin" valueType="num">
-                                      <p:cBhvr additive="base">
-                                        <p:cTn id="82" dur="500" fill="hold"/>
-                                        <p:tgtEl>
-                                          <p:spTgt spid="45"/>
-                                        </p:tgtEl>
-                                        <p:attrNameLst>
-                                          <p:attrName>ppt_y</p:attrName>
-                                        </p:attrNameLst>
-                                      </p:cBhvr>
-                                      <p:tavLst>
-                                        <p:tav tm="0">
-                                          <p:val>
-                                            <p:strVal val="#ppt_y"/>
-                                          </p:val>
-                                        </p:tav>
-                                        <p:tav tm="100000">
-                                          <p:val>
-                                            <p:strVal val="#ppt_y"/>
-                                          </p:val>
-                                        </p:tav>
-                                      </p:tavLst>
-                                    </p:anim>
                                   </p:childTnLst>
                                 </p:cTn>
                               </p:par>
@@ -14886,7 +18122,7 @@
                                           </p:stCondLst>
                                         </p:cTn>
                                         <p:tgtEl>
-                                          <p:spTgt spid="46"/>
+                                          <p:spTgt spid="42"/>
                                         </p:tgtEl>
                                         <p:attrNameLst>
                                           <p:attrName>style.visibility</p:attrName>
@@ -14900,7 +18136,7 @@
                                       <p:cBhvr>
                                         <p:cTn id="87" dur="500"/>
                                         <p:tgtEl>
-                                          <p:spTgt spid="46"/>
+                                          <p:spTgt spid="42"/>
                                         </p:tgtEl>
                                       </p:cBhvr>
                                     </p:animEffect>
@@ -14939,7 +18175,7 @@
                                           </p:stCondLst>
                                         </p:cTn>
                                         <p:tgtEl>
-                                          <p:spTgt spid="47"/>
+                                          <p:spTgt spid="43"/>
                                         </p:tgtEl>
                                         <p:attrNameLst>
                                           <p:attrName>style.visibility</p:attrName>
@@ -14953,7 +18189,7 @@
                                       <p:cBhvr>
                                         <p:cTn id="92" dur="500"/>
                                         <p:tgtEl>
-                                          <p:spTgt spid="47"/>
+                                          <p:spTgt spid="43"/>
                                         </p:tgtEl>
                                       </p:cBhvr>
                                     </p:animEffect>
@@ -14979,7 +18215,7 @@
                             </p:stCondLst>
                             <p:childTnLst>
                               <p:par>
-                                <p:cTn id="95" presetID="22" presetClass="entr" presetSubtype="1" fill="hold" grpId="0" nodeType="clickEffect">
+                                <p:cTn id="95" presetID="2" presetClass="entr" presetSubtype="2" fill="hold" grpId="0" nodeType="clickEffect">
                                   <p:stCondLst>
                                     <p:cond delay="0"/>
                                   </p:stCondLst>
@@ -14987,6 +18223,294 @@
                                     <p:set>
                                       <p:cBhvr>
                                         <p:cTn id="96" dur="1" fill="hold">
+                                          <p:stCondLst>
+                                            <p:cond delay="0"/>
+                                          </p:stCondLst>
+                                        </p:cTn>
+                                        <p:tgtEl>
+                                          <p:spTgt spid="44"/>
+                                        </p:tgtEl>
+                                        <p:attrNameLst>
+                                          <p:attrName>style.visibility</p:attrName>
+                                        </p:attrNameLst>
+                                      </p:cBhvr>
+                                      <p:to>
+                                        <p:strVal val="visible"/>
+                                      </p:to>
+                                    </p:set>
+                                    <p:anim calcmode="lin" valueType="num">
+                                      <p:cBhvr additive="base">
+                                        <p:cTn id="97" dur="500" fill="hold"/>
+                                        <p:tgtEl>
+                                          <p:spTgt spid="44"/>
+                                        </p:tgtEl>
+                                        <p:attrNameLst>
+                                          <p:attrName>ppt_x</p:attrName>
+                                        </p:attrNameLst>
+                                      </p:cBhvr>
+                                      <p:tavLst>
+                                        <p:tav tm="0">
+                                          <p:val>
+                                            <p:strVal val="1+#ppt_w/2"/>
+                                          </p:val>
+                                        </p:tav>
+                                        <p:tav tm="100000">
+                                          <p:val>
+                                            <p:strVal val="#ppt_x"/>
+                                          </p:val>
+                                        </p:tav>
+                                      </p:tavLst>
+                                    </p:anim>
+                                    <p:anim calcmode="lin" valueType="num">
+                                      <p:cBhvr additive="base">
+                                        <p:cTn id="98" dur="500" fill="hold"/>
+                                        <p:tgtEl>
+                                          <p:spTgt spid="44"/>
+                                        </p:tgtEl>
+                                        <p:attrNameLst>
+                                          <p:attrName>ppt_y</p:attrName>
+                                        </p:attrNameLst>
+                                      </p:cBhvr>
+                                      <p:tavLst>
+                                        <p:tav tm="0">
+                                          <p:val>
+                                            <p:strVal val="#ppt_y"/>
+                                          </p:val>
+                                        </p:tav>
+                                        <p:tav tm="100000">
+                                          <p:val>
+                                            <p:strVal val="#ppt_y"/>
+                                          </p:val>
+                                        </p:tav>
+                                      </p:tavLst>
+                                    </p:anim>
+                                  </p:childTnLst>
+                                </p:cTn>
+                              </p:par>
+                            </p:childTnLst>
+                          </p:cTn>
+                        </p:par>
+                      </p:childTnLst>
+                    </p:cTn>
+                  </p:par>
+                  <p:par>
+                    <p:cTn id="99" fill="hold">
+                      <p:stCondLst>
+                        <p:cond delay="indefinite"/>
+                      </p:stCondLst>
+                      <p:childTnLst>
+                        <p:par>
+                          <p:cTn id="100" fill="hold">
+                            <p:stCondLst>
+                              <p:cond delay="0"/>
+                            </p:stCondLst>
+                            <p:childTnLst>
+                              <p:par>
+                                <p:cTn id="101" presetID="2" presetClass="entr" presetSubtype="2" fill="hold" grpId="0" nodeType="clickEffect">
+                                  <p:stCondLst>
+                                    <p:cond delay="0"/>
+                                  </p:stCondLst>
+                                  <p:childTnLst>
+                                    <p:set>
+                                      <p:cBhvr>
+                                        <p:cTn id="102" dur="1" fill="hold">
+                                          <p:stCondLst>
+                                            <p:cond delay="0"/>
+                                          </p:stCondLst>
+                                        </p:cTn>
+                                        <p:tgtEl>
+                                          <p:spTgt spid="45"/>
+                                        </p:tgtEl>
+                                        <p:attrNameLst>
+                                          <p:attrName>style.visibility</p:attrName>
+                                        </p:attrNameLst>
+                                      </p:cBhvr>
+                                      <p:to>
+                                        <p:strVal val="visible"/>
+                                      </p:to>
+                                    </p:set>
+                                    <p:anim calcmode="lin" valueType="num">
+                                      <p:cBhvr additive="base">
+                                        <p:cTn id="103" dur="500" fill="hold"/>
+                                        <p:tgtEl>
+                                          <p:spTgt spid="45"/>
+                                        </p:tgtEl>
+                                        <p:attrNameLst>
+                                          <p:attrName>ppt_x</p:attrName>
+                                        </p:attrNameLst>
+                                      </p:cBhvr>
+                                      <p:tavLst>
+                                        <p:tav tm="0">
+                                          <p:val>
+                                            <p:strVal val="1+#ppt_w/2"/>
+                                          </p:val>
+                                        </p:tav>
+                                        <p:tav tm="100000">
+                                          <p:val>
+                                            <p:strVal val="#ppt_x"/>
+                                          </p:val>
+                                        </p:tav>
+                                      </p:tavLst>
+                                    </p:anim>
+                                    <p:anim calcmode="lin" valueType="num">
+                                      <p:cBhvr additive="base">
+                                        <p:cTn id="104" dur="500" fill="hold"/>
+                                        <p:tgtEl>
+                                          <p:spTgt spid="45"/>
+                                        </p:tgtEl>
+                                        <p:attrNameLst>
+                                          <p:attrName>ppt_y</p:attrName>
+                                        </p:attrNameLst>
+                                      </p:cBhvr>
+                                      <p:tavLst>
+                                        <p:tav tm="0">
+                                          <p:val>
+                                            <p:strVal val="#ppt_y"/>
+                                          </p:val>
+                                        </p:tav>
+                                        <p:tav tm="100000">
+                                          <p:val>
+                                            <p:strVal val="#ppt_y"/>
+                                          </p:val>
+                                        </p:tav>
+                                      </p:tavLst>
+                                    </p:anim>
+                                  </p:childTnLst>
+                                </p:cTn>
+                              </p:par>
+                            </p:childTnLst>
+                          </p:cTn>
+                        </p:par>
+                      </p:childTnLst>
+                    </p:cTn>
+                  </p:par>
+                  <p:par>
+                    <p:cTn id="105" fill="hold">
+                      <p:stCondLst>
+                        <p:cond delay="indefinite"/>
+                      </p:stCondLst>
+                      <p:childTnLst>
+                        <p:par>
+                          <p:cTn id="106" fill="hold">
+                            <p:stCondLst>
+                              <p:cond delay="0"/>
+                            </p:stCondLst>
+                            <p:childTnLst>
+                              <p:par>
+                                <p:cTn id="107" presetID="22" presetClass="entr" presetSubtype="1" fill="hold" grpId="0" nodeType="clickEffect">
+                                  <p:stCondLst>
+                                    <p:cond delay="0"/>
+                                  </p:stCondLst>
+                                  <p:childTnLst>
+                                    <p:set>
+                                      <p:cBhvr>
+                                        <p:cTn id="108" dur="1" fill="hold">
+                                          <p:stCondLst>
+                                            <p:cond delay="0"/>
+                                          </p:stCondLst>
+                                        </p:cTn>
+                                        <p:tgtEl>
+                                          <p:spTgt spid="46"/>
+                                        </p:tgtEl>
+                                        <p:attrNameLst>
+                                          <p:attrName>style.visibility</p:attrName>
+                                        </p:attrNameLst>
+                                      </p:cBhvr>
+                                      <p:to>
+                                        <p:strVal val="visible"/>
+                                      </p:to>
+                                    </p:set>
+                                    <p:animEffect transition="in" filter="wipe(up)">
+                                      <p:cBhvr>
+                                        <p:cTn id="109" dur="500"/>
+                                        <p:tgtEl>
+                                          <p:spTgt spid="46"/>
+                                        </p:tgtEl>
+                                      </p:cBhvr>
+                                    </p:animEffect>
+                                  </p:childTnLst>
+                                </p:cTn>
+                              </p:par>
+                            </p:childTnLst>
+                          </p:cTn>
+                        </p:par>
+                      </p:childTnLst>
+                    </p:cTn>
+                  </p:par>
+                  <p:par>
+                    <p:cTn id="110" fill="hold">
+                      <p:stCondLst>
+                        <p:cond delay="indefinite"/>
+                      </p:stCondLst>
+                      <p:childTnLst>
+                        <p:par>
+                          <p:cTn id="111" fill="hold">
+                            <p:stCondLst>
+                              <p:cond delay="0"/>
+                            </p:stCondLst>
+                            <p:childTnLst>
+                              <p:par>
+                                <p:cTn id="112" presetID="22" presetClass="entr" presetSubtype="1" fill="hold" grpId="0" nodeType="clickEffect">
+                                  <p:stCondLst>
+                                    <p:cond delay="0"/>
+                                  </p:stCondLst>
+                                  <p:childTnLst>
+                                    <p:set>
+                                      <p:cBhvr>
+                                        <p:cTn id="113" dur="1" fill="hold">
+                                          <p:stCondLst>
+                                            <p:cond delay="0"/>
+                                          </p:stCondLst>
+                                        </p:cTn>
+                                        <p:tgtEl>
+                                          <p:spTgt spid="47"/>
+                                        </p:tgtEl>
+                                        <p:attrNameLst>
+                                          <p:attrName>style.visibility</p:attrName>
+                                        </p:attrNameLst>
+                                      </p:cBhvr>
+                                      <p:to>
+                                        <p:strVal val="visible"/>
+                                      </p:to>
+                                    </p:set>
+                                    <p:animEffect transition="in" filter="wipe(up)">
+                                      <p:cBhvr>
+                                        <p:cTn id="114" dur="500"/>
+                                        <p:tgtEl>
+                                          <p:spTgt spid="47"/>
+                                        </p:tgtEl>
+                                      </p:cBhvr>
+                                    </p:animEffect>
+                                  </p:childTnLst>
+                                </p:cTn>
+                              </p:par>
+                            </p:childTnLst>
+                          </p:cTn>
+                        </p:par>
+                      </p:childTnLst>
+                    </p:cTn>
+                  </p:par>
+                  <p:par>
+                    <p:cTn id="115" fill="hold">
+                      <p:stCondLst>
+                        <p:cond delay="indefinite"/>
+                      </p:stCondLst>
+                      <p:childTnLst>
+                        <p:par>
+                          <p:cTn id="116" fill="hold">
+                            <p:stCondLst>
+                              <p:cond delay="0"/>
+                            </p:stCondLst>
+                            <p:childTnLst>
+                              <p:par>
+                                <p:cTn id="117" presetID="22" presetClass="entr" presetSubtype="1" fill="hold" grpId="0" nodeType="clickEffect">
+                                  <p:stCondLst>
+                                    <p:cond delay="0"/>
+                                  </p:stCondLst>
+                                  <p:childTnLst>
+                                    <p:set>
+                                      <p:cBhvr>
+                                        <p:cTn id="118" dur="1" fill="hold">
                                           <p:stCondLst>
                                             <p:cond delay="0"/>
                                           </p:stCondLst>
@@ -15004,7 +18528,7 @@
                                     </p:set>
                                     <p:animEffect transition="in" filter="wipe(up)">
                                       <p:cBhvr>
-                                        <p:cTn id="97" dur="500"/>
+                                        <p:cTn id="119" dur="500"/>
                                         <p:tgtEl>
                                           <p:spTgt spid="52"/>
                                         </p:tgtEl>
@@ -15020,26 +18544,26 @@
                     </p:cTn>
                   </p:par>
                   <p:par>
-                    <p:cTn id="98" fill="hold">
+                    <p:cTn id="120" fill="hold">
                       <p:stCondLst>
                         <p:cond delay="indefinite"/>
                       </p:stCondLst>
                       <p:childTnLst>
                         <p:par>
-                          <p:cTn id="99" fill="hold">
+                          <p:cTn id="121" fill="hold">
                             <p:stCondLst>
                               <p:cond delay="0"/>
                             </p:stCondLst>
                             <p:childTnLst>
                               <p:par>
-                                <p:cTn id="100" presetID="22" presetClass="entr" presetSubtype="1" fill="hold" grpId="0" nodeType="clickEffect">
+                                <p:cTn id="122" presetID="22" presetClass="entr" presetSubtype="1" fill="hold" grpId="0" nodeType="clickEffect">
                                   <p:stCondLst>
                                     <p:cond delay="0"/>
                                   </p:stCondLst>
                                   <p:childTnLst>
                                     <p:set>
                                       <p:cBhvr>
-                                        <p:cTn id="101" dur="1" fill="hold">
+                                        <p:cTn id="123" dur="1" fill="hold">
                                           <p:stCondLst>
                                             <p:cond delay="0"/>
                                           </p:stCondLst>
@@ -15057,7 +18581,7 @@
                                     </p:set>
                                     <p:animEffect transition="in" filter="wipe(up)">
                                       <p:cBhvr>
-                                        <p:cTn id="102" dur="500"/>
+                                        <p:cTn id="124" dur="500"/>
                                         <p:tgtEl>
                                           <p:spTgt spid="53"/>
                                         </p:tgtEl>
@@ -15094,6 +18618,7 @@
       </p:par>
     </p:tnLst>
     <p:bldLst>
+      <p:bldP spid="7" grpId="0"/>
       <p:bldP spid="27" grpId="0" animBg="1"/>
       <p:bldP spid="28" grpId="0"/>
       <p:bldP spid="29" grpId="0"/>
@@ -15113,12 +18638,13 @@
       <p:bldP spid="47" grpId="0" animBg="1"/>
       <p:bldP spid="52" grpId="0" animBg="1"/>
       <p:bldP spid="53" grpId="0" animBg="1"/>
+      <p:bldP spid="33" grpId="0" animBg="1"/>
     </p:bldLst>
   </p:timing>
 </p:sld>
 </file>
 
-<file path=ppt/slides/slide19.xml><?xml version="1.0" encoding="utf-8"?>
+<file path=ppt/slides/slide21.xml><?xml version="1.0" encoding="utf-8"?>
 <p:sld xmlns:a="http://schemas.openxmlformats.org/drawingml/2006/main" xmlns:r="http://schemas.openxmlformats.org/officeDocument/2006/relationships" xmlns:p="http://schemas.openxmlformats.org/presentationml/2006/main">
   <p:cSld>
     <p:spTree>
@@ -16534,912 +20060,7 @@
 </p:sld>
 </file>
 
-<file path=ppt/slides/slide2.xml><?xml version="1.0" encoding="utf-8"?>
-<p:sld xmlns:a="http://schemas.openxmlformats.org/drawingml/2006/main" xmlns:r="http://schemas.openxmlformats.org/officeDocument/2006/relationships" xmlns:p="http://schemas.openxmlformats.org/presentationml/2006/main">
-  <p:cSld>
-    <p:spTree>
-      <p:nvGrpSpPr>
-        <p:cNvPr id="1" name=""/>
-        <p:cNvGrpSpPr/>
-        <p:nvPr/>
-      </p:nvGrpSpPr>
-      <p:grpSpPr>
-        <a:xfrm>
-          <a:off x="0" y="0"/>
-          <a:ext cx="0" cy="0"/>
-          <a:chOff x="0" y="0"/>
-          <a:chExt cx="0" cy="0"/>
-        </a:xfrm>
-      </p:grpSpPr>
-      <p:sp>
-        <p:nvSpPr>
-          <p:cNvPr id="4" name="CaixaDeTexto 3">
-            <a:extLst>
-              <a:ext uri="{FF2B5EF4-FFF2-40B4-BE49-F238E27FC236}">
-                <a16:creationId xmlns:a16="http://schemas.microsoft.com/office/drawing/2014/main" id="{CEEC8B40-7161-4EA9-8168-9711F8F25CDB}"/>
-              </a:ext>
-            </a:extLst>
-          </p:cNvPr>
-          <p:cNvSpPr txBox="1"/>
-          <p:nvPr/>
-        </p:nvSpPr>
-        <p:spPr>
-          <a:xfrm>
-            <a:off x="5390456" y="3535528"/>
-            <a:ext cx="2048809" cy="584775"/>
-          </a:xfrm>
-          <a:prstGeom prst="rect">
-            <a:avLst/>
-          </a:prstGeom>
-          <a:noFill/>
-          <a:ln w="57150">
-            <a:solidFill>
-              <a:schemeClr val="bg1"/>
-            </a:solidFill>
-          </a:ln>
-        </p:spPr>
-        <p:txBody>
-          <a:bodyPr wrap="square" rtlCol="0">
-            <a:spAutoFit/>
-          </a:bodyPr>
-          <a:lstStyle/>
-          <a:p>
-            <a:pPr marL="0" marR="0" lvl="0" indent="0" algn="ctr" defTabSz="914400" rtl="0" eaLnBrk="1" fontAlgn="auto" latinLnBrk="0" hangingPunct="1">
-              <a:lnSpc>
-                <a:spcPct val="100000"/>
-              </a:lnSpc>
-              <a:spcBef>
-                <a:spcPts val="0"/>
-              </a:spcBef>
-              <a:spcAft>
-                <a:spcPts val="0"/>
-              </a:spcAft>
-              <a:buClrTx/>
-              <a:buSzTx/>
-              <a:buFontTx/>
-              <a:buNone/>
-              <a:tabLst/>
-              <a:defRPr/>
-            </a:pPr>
-            <a:r>
-              <a:rPr kumimoji="0" lang="pt-BR" sz="3200" b="1" i="0" u="none" strike="noStrike" kern="1200" cap="none" spc="0" normalizeH="0" baseline="0" noProof="0" dirty="0">
-                <a:ln>
-                  <a:noFill/>
-                </a:ln>
-                <a:solidFill>
-                  <a:schemeClr val="accent4">
-                    <a:lumMod val="40000"/>
-                    <a:lumOff val="60000"/>
-                  </a:schemeClr>
-                </a:solidFill>
-                <a:effectLst/>
-                <a:uLnTx/>
-                <a:uFillTx/>
-                <a:latin typeface="Bell MT" panose="02020503060305020303" pitchFamily="18" charset="0"/>
-                <a:ea typeface="+mn-ea"/>
-                <a:cs typeface="+mn-cs"/>
-              </a:rPr>
-              <a:t>Glicose</a:t>
-            </a:r>
-          </a:p>
-        </p:txBody>
-      </p:sp>
-      <p:sp>
-        <p:nvSpPr>
-          <p:cNvPr id="5" name="CaixaDeTexto 4">
-            <a:extLst>
-              <a:ext uri="{FF2B5EF4-FFF2-40B4-BE49-F238E27FC236}">
-                <a16:creationId xmlns:a16="http://schemas.microsoft.com/office/drawing/2014/main" id="{D5DF8521-CED4-4B03-BB4B-82B89A34D319}"/>
-              </a:ext>
-            </a:extLst>
-          </p:cNvPr>
-          <p:cNvSpPr txBox="1"/>
-          <p:nvPr/>
-        </p:nvSpPr>
-        <p:spPr>
-          <a:xfrm>
-            <a:off x="8005068" y="5479489"/>
-            <a:ext cx="2048809" cy="523220"/>
-          </a:xfrm>
-          <a:prstGeom prst="rect">
-            <a:avLst/>
-          </a:prstGeom>
-          <a:noFill/>
-        </p:spPr>
-        <p:txBody>
-          <a:bodyPr wrap="square" rtlCol="0">
-            <a:spAutoFit/>
-          </a:bodyPr>
-          <a:lstStyle/>
-          <a:p>
-            <a:pPr marL="0" marR="0" lvl="0" indent="0" algn="ctr" defTabSz="914400" rtl="0" eaLnBrk="1" fontAlgn="auto" latinLnBrk="0" hangingPunct="1">
-              <a:lnSpc>
-                <a:spcPct val="100000"/>
-              </a:lnSpc>
-              <a:spcBef>
-                <a:spcPts val="0"/>
-              </a:spcBef>
-              <a:spcAft>
-                <a:spcPts val="0"/>
-              </a:spcAft>
-              <a:buClrTx/>
-              <a:buSzTx/>
-              <a:buFontTx/>
-              <a:buNone/>
-              <a:tabLst/>
-              <a:defRPr/>
-            </a:pPr>
-            <a:r>
-              <a:rPr kumimoji="0" lang="pt-BR" sz="2800" b="1" i="0" u="none" strike="noStrike" kern="1200" cap="none" spc="0" normalizeH="0" baseline="0" noProof="0" dirty="0">
-                <a:ln>
-                  <a:noFill/>
-                </a:ln>
-                <a:solidFill>
-                  <a:schemeClr val="accent4">
-                    <a:lumMod val="40000"/>
-                    <a:lumOff val="60000"/>
-                  </a:schemeClr>
-                </a:solidFill>
-                <a:effectLst/>
-                <a:uLnTx/>
-                <a:uFillTx/>
-                <a:latin typeface="Bell MT" panose="02020503060305020303" pitchFamily="18" charset="0"/>
-                <a:ea typeface="+mn-ea"/>
-                <a:cs typeface="+mn-cs"/>
-              </a:rPr>
-              <a:t>Piruvato</a:t>
-            </a:r>
-          </a:p>
-        </p:txBody>
-      </p:sp>
-      <p:sp>
-        <p:nvSpPr>
-          <p:cNvPr id="6" name="CaixaDeTexto 5">
-            <a:extLst>
-              <a:ext uri="{FF2B5EF4-FFF2-40B4-BE49-F238E27FC236}">
-                <a16:creationId xmlns:a16="http://schemas.microsoft.com/office/drawing/2014/main" id="{88B816ED-476B-4CE7-A9E7-0684DD825E6E}"/>
-              </a:ext>
-            </a:extLst>
-          </p:cNvPr>
-          <p:cNvSpPr txBox="1"/>
-          <p:nvPr/>
-        </p:nvSpPr>
-        <p:spPr>
-          <a:xfrm>
-            <a:off x="1576162" y="5504315"/>
-            <a:ext cx="3623328" cy="523220"/>
-          </a:xfrm>
-          <a:prstGeom prst="rect">
-            <a:avLst/>
-          </a:prstGeom>
-          <a:noFill/>
-        </p:spPr>
-        <p:txBody>
-          <a:bodyPr wrap="square" rtlCol="0">
-            <a:spAutoFit/>
-          </a:bodyPr>
-          <a:lstStyle/>
-          <a:p>
-            <a:pPr marL="0" marR="0" lvl="0" indent="0" algn="ctr" defTabSz="914400" rtl="0" eaLnBrk="1" fontAlgn="auto" latinLnBrk="0" hangingPunct="1">
-              <a:lnSpc>
-                <a:spcPct val="100000"/>
-              </a:lnSpc>
-              <a:spcBef>
-                <a:spcPts val="0"/>
-              </a:spcBef>
-              <a:spcAft>
-                <a:spcPts val="0"/>
-              </a:spcAft>
-              <a:buClrTx/>
-              <a:buSzTx/>
-              <a:buFontTx/>
-              <a:buNone/>
-              <a:tabLst/>
-              <a:defRPr/>
-            </a:pPr>
-            <a:r>
-              <a:rPr kumimoji="0" lang="pt-BR" sz="2800" b="1" i="0" u="none" strike="noStrike" kern="1200" cap="none" spc="0" normalizeH="0" baseline="0" noProof="0" dirty="0" err="1">
-                <a:ln>
-                  <a:noFill/>
-                </a:ln>
-                <a:solidFill>
-                  <a:schemeClr val="accent4">
-                    <a:lumMod val="40000"/>
-                    <a:lumOff val="60000"/>
-                  </a:schemeClr>
-                </a:solidFill>
-                <a:effectLst/>
-                <a:uLnTx/>
-                <a:uFillTx/>
-                <a:latin typeface="Bell MT" panose="02020503060305020303" pitchFamily="18" charset="0"/>
-              </a:rPr>
-              <a:t>Ribulose</a:t>
-            </a:r>
-            <a:r>
-              <a:rPr lang="pt-BR" sz="2800" b="1" dirty="0">
-                <a:solidFill>
-                  <a:schemeClr val="accent4">
-                    <a:lumMod val="40000"/>
-                    <a:lumOff val="60000"/>
-                  </a:schemeClr>
-                </a:solidFill>
-                <a:latin typeface="Bell MT" panose="02020503060305020303" pitchFamily="18" charset="0"/>
-              </a:rPr>
-              <a:t>-</a:t>
-            </a:r>
-            <a:r>
-              <a:rPr kumimoji="0" lang="pt-BR" sz="2800" b="1" i="0" u="none" strike="noStrike" kern="1200" cap="none" spc="0" normalizeH="0" baseline="0" noProof="0" dirty="0">
-                <a:ln>
-                  <a:noFill/>
-                </a:ln>
-                <a:solidFill>
-                  <a:schemeClr val="accent4">
-                    <a:lumMod val="40000"/>
-                    <a:lumOff val="60000"/>
-                  </a:schemeClr>
-                </a:solidFill>
-                <a:effectLst/>
-                <a:uLnTx/>
-                <a:uFillTx/>
-                <a:latin typeface="Bell MT" panose="02020503060305020303" pitchFamily="18" charset="0"/>
-              </a:rPr>
-              <a:t>5-fosfato</a:t>
-            </a:r>
-          </a:p>
-        </p:txBody>
-      </p:sp>
-      <p:sp>
-        <p:nvSpPr>
-          <p:cNvPr id="7" name="CaixaDeTexto 6">
-            <a:extLst>
-              <a:ext uri="{FF2B5EF4-FFF2-40B4-BE49-F238E27FC236}">
-                <a16:creationId xmlns:a16="http://schemas.microsoft.com/office/drawing/2014/main" id="{4BE83294-E26F-48E5-82FD-8F98443DE6A6}"/>
-              </a:ext>
-            </a:extLst>
-          </p:cNvPr>
-          <p:cNvSpPr txBox="1"/>
-          <p:nvPr/>
-        </p:nvSpPr>
-        <p:spPr>
-          <a:xfrm>
-            <a:off x="7279254" y="1294072"/>
-            <a:ext cx="3500438" cy="954107"/>
-          </a:xfrm>
-          <a:prstGeom prst="rect">
-            <a:avLst/>
-          </a:prstGeom>
-          <a:noFill/>
-        </p:spPr>
-        <p:txBody>
-          <a:bodyPr wrap="square" rtlCol="0">
-            <a:spAutoFit/>
-          </a:bodyPr>
-          <a:lstStyle/>
-          <a:p>
-            <a:pPr marL="0" marR="0" lvl="0" indent="0" algn="ctr" defTabSz="914400" rtl="0" eaLnBrk="1" fontAlgn="auto" latinLnBrk="0" hangingPunct="1">
-              <a:lnSpc>
-                <a:spcPct val="100000"/>
-              </a:lnSpc>
-              <a:spcBef>
-                <a:spcPts val="0"/>
-              </a:spcBef>
-              <a:spcAft>
-                <a:spcPts val="0"/>
-              </a:spcAft>
-              <a:buClrTx/>
-              <a:buSzTx/>
-              <a:buFontTx/>
-              <a:buNone/>
-              <a:tabLst/>
-              <a:defRPr/>
-            </a:pPr>
-            <a:r>
-              <a:rPr kumimoji="0" lang="pt-BR" sz="2800" b="1" i="0" u="none" strike="noStrike" kern="1200" cap="none" spc="0" normalizeH="0" baseline="0" noProof="0" dirty="0">
-                <a:ln>
-                  <a:noFill/>
-                </a:ln>
-                <a:solidFill>
-                  <a:schemeClr val="accent4">
-                    <a:lumMod val="40000"/>
-                    <a:lumOff val="60000"/>
-                  </a:schemeClr>
-                </a:solidFill>
-                <a:effectLst/>
-                <a:uLnTx/>
-                <a:uFillTx/>
-                <a:latin typeface="Bell MT" panose="02020503060305020303" pitchFamily="18" charset="0"/>
-                <a:ea typeface="+mn-ea"/>
-                <a:cs typeface="+mn-cs"/>
-              </a:rPr>
-              <a:t>Glicogênio,</a:t>
-            </a:r>
-            <a:r>
-              <a:rPr kumimoji="0" lang="pt-BR" sz="2800" b="1" i="0" u="none" strike="noStrike" kern="1200" cap="none" spc="0" normalizeH="0" noProof="0" dirty="0">
-                <a:ln>
-                  <a:noFill/>
-                </a:ln>
-                <a:solidFill>
-                  <a:schemeClr val="accent4">
-                    <a:lumMod val="40000"/>
-                    <a:lumOff val="60000"/>
-                  </a:schemeClr>
-                </a:solidFill>
-                <a:effectLst/>
-                <a:uLnTx/>
-                <a:uFillTx/>
-                <a:latin typeface="Bell MT" panose="02020503060305020303" pitchFamily="18" charset="0"/>
-                <a:ea typeface="+mn-ea"/>
-                <a:cs typeface="+mn-cs"/>
-              </a:rPr>
-              <a:t> Amido e Sacarose</a:t>
-            </a:r>
-            <a:endParaRPr kumimoji="0" lang="pt-BR" sz="2800" b="1" i="0" u="none" strike="noStrike" kern="1200" cap="none" spc="0" normalizeH="0" baseline="0" noProof="0" dirty="0">
-              <a:ln>
-                <a:noFill/>
-              </a:ln>
-              <a:solidFill>
-                <a:schemeClr val="accent4">
-                  <a:lumMod val="40000"/>
-                  <a:lumOff val="60000"/>
-                </a:schemeClr>
-              </a:solidFill>
-              <a:effectLst/>
-              <a:uLnTx/>
-              <a:uFillTx/>
-              <a:latin typeface="Bell MT" panose="02020503060305020303" pitchFamily="18" charset="0"/>
-              <a:ea typeface="+mn-ea"/>
-              <a:cs typeface="+mn-cs"/>
-            </a:endParaRPr>
-          </a:p>
-        </p:txBody>
-      </p:sp>
-      <p:sp>
-        <p:nvSpPr>
-          <p:cNvPr id="8" name="CaixaDeTexto 7">
-            <a:extLst>
-              <a:ext uri="{FF2B5EF4-FFF2-40B4-BE49-F238E27FC236}">
-                <a16:creationId xmlns:a16="http://schemas.microsoft.com/office/drawing/2014/main" id="{69746C13-CAE0-4D28-9F33-FE6DD6528FFE}"/>
-              </a:ext>
-            </a:extLst>
-          </p:cNvPr>
-          <p:cNvSpPr txBox="1"/>
-          <p:nvPr/>
-        </p:nvSpPr>
-        <p:spPr>
-          <a:xfrm>
-            <a:off x="1699052" y="1078629"/>
-            <a:ext cx="3500438" cy="1384995"/>
-          </a:xfrm>
-          <a:prstGeom prst="rect">
-            <a:avLst/>
-          </a:prstGeom>
-          <a:noFill/>
-        </p:spPr>
-        <p:txBody>
-          <a:bodyPr wrap="square" rtlCol="0">
-            <a:spAutoFit/>
-          </a:bodyPr>
-          <a:lstStyle/>
-          <a:p>
-            <a:pPr marL="0" marR="0" lvl="0" indent="0" algn="ctr" defTabSz="914400" rtl="0" eaLnBrk="1" fontAlgn="auto" latinLnBrk="0" hangingPunct="1">
-              <a:lnSpc>
-                <a:spcPct val="100000"/>
-              </a:lnSpc>
-              <a:spcBef>
-                <a:spcPts val="0"/>
-              </a:spcBef>
-              <a:spcAft>
-                <a:spcPts val="0"/>
-              </a:spcAft>
-              <a:buClrTx/>
-              <a:buSzTx/>
-              <a:buFontTx/>
-              <a:buNone/>
-              <a:tabLst/>
-              <a:defRPr/>
-            </a:pPr>
-            <a:r>
-              <a:rPr kumimoji="0" lang="pt-BR" sz="2800" b="1" i="0" u="none" strike="noStrike" kern="1200" cap="none" spc="0" normalizeH="0" baseline="0" noProof="0" dirty="0">
-                <a:ln>
-                  <a:noFill/>
-                </a:ln>
-                <a:solidFill>
-                  <a:schemeClr val="accent4">
-                    <a:lumMod val="40000"/>
-                    <a:lumOff val="60000"/>
-                  </a:schemeClr>
-                </a:solidFill>
-                <a:effectLst/>
-                <a:uLnTx/>
-                <a:uFillTx/>
-                <a:latin typeface="Bell MT" panose="02020503060305020303" pitchFamily="18" charset="0"/>
-                <a:ea typeface="+mn-ea"/>
-                <a:cs typeface="+mn-cs"/>
-              </a:rPr>
-              <a:t>Matriz Extracelular e polissacarídeos</a:t>
-            </a:r>
-            <a:r>
-              <a:rPr kumimoji="0" lang="pt-BR" sz="2800" b="1" i="0" u="none" strike="noStrike" kern="1200" cap="none" spc="0" normalizeH="0" noProof="0" dirty="0">
-                <a:ln>
-                  <a:noFill/>
-                </a:ln>
-                <a:solidFill>
-                  <a:schemeClr val="accent4">
-                    <a:lumMod val="40000"/>
-                    <a:lumOff val="60000"/>
-                  </a:schemeClr>
-                </a:solidFill>
-                <a:effectLst/>
-                <a:uLnTx/>
-                <a:uFillTx/>
-                <a:latin typeface="Bell MT" panose="02020503060305020303" pitchFamily="18" charset="0"/>
-                <a:ea typeface="+mn-ea"/>
-                <a:cs typeface="+mn-cs"/>
-              </a:rPr>
-              <a:t> da parece celular</a:t>
-            </a:r>
-            <a:endParaRPr kumimoji="0" lang="pt-BR" sz="2800" b="1" i="0" u="none" strike="noStrike" kern="1200" cap="none" spc="0" normalizeH="0" baseline="0" noProof="0" dirty="0">
-              <a:ln>
-                <a:noFill/>
-              </a:ln>
-              <a:solidFill>
-                <a:schemeClr val="accent4">
-                  <a:lumMod val="40000"/>
-                  <a:lumOff val="60000"/>
-                </a:schemeClr>
-              </a:solidFill>
-              <a:effectLst/>
-              <a:uLnTx/>
-              <a:uFillTx/>
-              <a:latin typeface="Bell MT" panose="02020503060305020303" pitchFamily="18" charset="0"/>
-              <a:ea typeface="+mn-ea"/>
-              <a:cs typeface="+mn-cs"/>
-            </a:endParaRPr>
-          </a:p>
-        </p:txBody>
-      </p:sp>
-      <p:cxnSp>
-        <p:nvCxnSpPr>
-          <p:cNvPr id="12" name="Conector de Seta Reta 11">
-            <a:extLst>
-              <a:ext uri="{FF2B5EF4-FFF2-40B4-BE49-F238E27FC236}">
-                <a16:creationId xmlns:a16="http://schemas.microsoft.com/office/drawing/2014/main" id="{79445648-5850-42C5-AB83-5D322033D605}"/>
-              </a:ext>
-            </a:extLst>
-          </p:cNvPr>
-          <p:cNvCxnSpPr>
-            <a:endCxn id="5" idx="0"/>
-          </p:cNvCxnSpPr>
-          <p:nvPr/>
-        </p:nvCxnSpPr>
-        <p:spPr>
-          <a:xfrm>
-            <a:off x="7439265" y="4120303"/>
-            <a:ext cx="1590208" cy="1359186"/>
-          </a:xfrm>
-          <a:prstGeom prst="straightConnector1">
-            <a:avLst/>
-          </a:prstGeom>
-          <a:ln w="57150">
-            <a:solidFill>
-              <a:schemeClr val="bg1"/>
-            </a:solidFill>
-            <a:tailEnd type="triangle"/>
-          </a:ln>
-        </p:spPr>
-        <p:style>
-          <a:lnRef idx="1">
-            <a:schemeClr val="accent1"/>
-          </a:lnRef>
-          <a:fillRef idx="0">
-            <a:schemeClr val="accent1"/>
-          </a:fillRef>
-          <a:effectRef idx="0">
-            <a:schemeClr val="accent1"/>
-          </a:effectRef>
-          <a:fontRef idx="minor">
-            <a:schemeClr val="tx1"/>
-          </a:fontRef>
-        </p:style>
-      </p:cxnSp>
-      <p:cxnSp>
-        <p:nvCxnSpPr>
-          <p:cNvPr id="13" name="Conector de Seta Reta 12">
-            <a:extLst>
-              <a:ext uri="{FF2B5EF4-FFF2-40B4-BE49-F238E27FC236}">
-                <a16:creationId xmlns:a16="http://schemas.microsoft.com/office/drawing/2014/main" id="{C7D518BF-BCB7-414A-8F33-F0CE96CB20CA}"/>
-              </a:ext>
-            </a:extLst>
-          </p:cNvPr>
-          <p:cNvCxnSpPr>
-            <a:cxnSpLocks/>
-          </p:cNvCxnSpPr>
-          <p:nvPr/>
-        </p:nvCxnSpPr>
-        <p:spPr>
-          <a:xfrm flipV="1">
-            <a:off x="7439265" y="2345091"/>
-            <a:ext cx="1590207" cy="1212060"/>
-          </a:xfrm>
-          <a:prstGeom prst="straightConnector1">
-            <a:avLst/>
-          </a:prstGeom>
-          <a:ln w="57150">
-            <a:solidFill>
-              <a:schemeClr val="bg1"/>
-            </a:solidFill>
-            <a:tailEnd type="triangle"/>
-          </a:ln>
-        </p:spPr>
-        <p:style>
-          <a:lnRef idx="1">
-            <a:schemeClr val="accent1"/>
-          </a:lnRef>
-          <a:fillRef idx="0">
-            <a:schemeClr val="accent1"/>
-          </a:fillRef>
-          <a:effectRef idx="0">
-            <a:schemeClr val="accent1"/>
-          </a:effectRef>
-          <a:fontRef idx="minor">
-            <a:schemeClr val="tx1"/>
-          </a:fontRef>
-        </p:style>
-      </p:cxnSp>
-      <p:cxnSp>
-        <p:nvCxnSpPr>
-          <p:cNvPr id="15" name="Conector de Seta Reta 14">
-            <a:extLst>
-              <a:ext uri="{FF2B5EF4-FFF2-40B4-BE49-F238E27FC236}">
-                <a16:creationId xmlns:a16="http://schemas.microsoft.com/office/drawing/2014/main" id="{4DCD193C-38BC-491E-BF91-7CA86AF80DC1}"/>
-              </a:ext>
-            </a:extLst>
-          </p:cNvPr>
-          <p:cNvCxnSpPr>
-            <a:cxnSpLocks/>
-          </p:cNvCxnSpPr>
-          <p:nvPr/>
-        </p:nvCxnSpPr>
-        <p:spPr>
-          <a:xfrm flipH="1">
-            <a:off x="3387827" y="4120303"/>
-            <a:ext cx="2002629" cy="1298483"/>
-          </a:xfrm>
-          <a:prstGeom prst="straightConnector1">
-            <a:avLst/>
-          </a:prstGeom>
-          <a:ln w="57150">
-            <a:solidFill>
-              <a:schemeClr val="bg1"/>
-            </a:solidFill>
-            <a:tailEnd type="triangle"/>
-          </a:ln>
-        </p:spPr>
-        <p:style>
-          <a:lnRef idx="1">
-            <a:schemeClr val="accent1"/>
-          </a:lnRef>
-          <a:fillRef idx="0">
-            <a:schemeClr val="accent1"/>
-          </a:fillRef>
-          <a:effectRef idx="0">
-            <a:schemeClr val="accent1"/>
-          </a:effectRef>
-          <a:fontRef idx="minor">
-            <a:schemeClr val="tx1"/>
-          </a:fontRef>
-        </p:style>
-      </p:cxnSp>
-      <p:cxnSp>
-        <p:nvCxnSpPr>
-          <p:cNvPr id="18" name="Conector de Seta Reta 17">
-            <a:extLst>
-              <a:ext uri="{FF2B5EF4-FFF2-40B4-BE49-F238E27FC236}">
-                <a16:creationId xmlns:a16="http://schemas.microsoft.com/office/drawing/2014/main" id="{E340FCA1-AD5D-49CC-9133-97DF7327D7AA}"/>
-              </a:ext>
-            </a:extLst>
-          </p:cNvPr>
-          <p:cNvCxnSpPr>
-            <a:cxnSpLocks/>
-            <a:endCxn id="8" idx="2"/>
-          </p:cNvCxnSpPr>
-          <p:nvPr/>
-        </p:nvCxnSpPr>
-        <p:spPr>
-          <a:xfrm flipH="1" flipV="1">
-            <a:off x="3449271" y="2463624"/>
-            <a:ext cx="1941186" cy="1071904"/>
-          </a:xfrm>
-          <a:prstGeom prst="straightConnector1">
-            <a:avLst/>
-          </a:prstGeom>
-          <a:ln w="57150">
-            <a:solidFill>
-              <a:schemeClr val="bg1"/>
-            </a:solidFill>
-            <a:tailEnd type="triangle"/>
-          </a:ln>
-        </p:spPr>
-        <p:style>
-          <a:lnRef idx="1">
-            <a:schemeClr val="accent1"/>
-          </a:lnRef>
-          <a:fillRef idx="0">
-            <a:schemeClr val="accent1"/>
-          </a:fillRef>
-          <a:effectRef idx="0">
-            <a:schemeClr val="accent1"/>
-          </a:effectRef>
-          <a:fontRef idx="minor">
-            <a:schemeClr val="tx1"/>
-          </a:fontRef>
-        </p:style>
-      </p:cxnSp>
-    </p:spTree>
-    <p:extLst>
-      <p:ext uri="{BB962C8B-B14F-4D97-AF65-F5344CB8AC3E}">
-        <p14:creationId xmlns:p14="http://schemas.microsoft.com/office/powerpoint/2010/main" val="3877622428"/>
-      </p:ext>
-    </p:extLst>
-  </p:cSld>
-  <p:clrMapOvr>
-    <a:masterClrMapping/>
-  </p:clrMapOvr>
-  <p:transition spd="slow">
-    <p:push/>
-  </p:transition>
-  <p:timing>
-    <p:tnLst>
-      <p:par>
-        <p:cTn id="1" dur="indefinite" restart="never" nodeType="tmRoot">
-          <p:childTnLst>
-            <p:seq concurrent="1" nextAc="seek">
-              <p:cTn id="2" dur="indefinite" nodeType="mainSeq">
-                <p:childTnLst>
-                  <p:par>
-                    <p:cTn id="3" fill="hold">
-                      <p:stCondLst>
-                        <p:cond delay="indefinite"/>
-                      </p:stCondLst>
-                      <p:childTnLst>
-                        <p:par>
-                          <p:cTn id="4" fill="hold">
-                            <p:stCondLst>
-                              <p:cond delay="0"/>
-                            </p:stCondLst>
-                            <p:childTnLst>
-                              <p:par>
-                                <p:cTn id="5" presetID="22" presetClass="entr" presetSubtype="4" fill="hold" grpId="0" nodeType="clickEffect">
-                                  <p:stCondLst>
-                                    <p:cond delay="0"/>
-                                  </p:stCondLst>
-                                  <p:childTnLst>
-                                    <p:set>
-                                      <p:cBhvr>
-                                        <p:cTn id="6" dur="1" fill="hold">
-                                          <p:stCondLst>
-                                            <p:cond delay="0"/>
-                                          </p:stCondLst>
-                                        </p:cTn>
-                                        <p:tgtEl>
-                                          <p:spTgt spid="5"/>
-                                        </p:tgtEl>
-                                        <p:attrNameLst>
-                                          <p:attrName>style.visibility</p:attrName>
-                                        </p:attrNameLst>
-                                      </p:cBhvr>
-                                      <p:to>
-                                        <p:strVal val="visible"/>
-                                      </p:to>
-                                    </p:set>
-                                    <p:animEffect transition="in" filter="wipe(down)">
-                                      <p:cBhvr>
-                                        <p:cTn id="7" dur="500"/>
-                                        <p:tgtEl>
-                                          <p:spTgt spid="5"/>
-                                        </p:tgtEl>
-                                      </p:cBhvr>
-                                    </p:animEffect>
-                                  </p:childTnLst>
-                                </p:cTn>
-                              </p:par>
-                            </p:childTnLst>
-                          </p:cTn>
-                        </p:par>
-                      </p:childTnLst>
-                    </p:cTn>
-                  </p:par>
-                  <p:par>
-                    <p:cTn id="8" fill="hold">
-                      <p:stCondLst>
-                        <p:cond delay="indefinite"/>
-                      </p:stCondLst>
-                      <p:childTnLst>
-                        <p:par>
-                          <p:cTn id="9" fill="hold">
-                            <p:stCondLst>
-                              <p:cond delay="0"/>
-                            </p:stCondLst>
-                            <p:childTnLst>
-                              <p:par>
-                                <p:cTn id="10" presetID="22" presetClass="entr" presetSubtype="4" fill="hold" grpId="0" nodeType="clickEffect">
-                                  <p:stCondLst>
-                                    <p:cond delay="0"/>
-                                  </p:stCondLst>
-                                  <p:childTnLst>
-                                    <p:set>
-                                      <p:cBhvr>
-                                        <p:cTn id="11" dur="1" fill="hold">
-                                          <p:stCondLst>
-                                            <p:cond delay="0"/>
-                                          </p:stCondLst>
-                                        </p:cTn>
-                                        <p:tgtEl>
-                                          <p:spTgt spid="6"/>
-                                        </p:tgtEl>
-                                        <p:attrNameLst>
-                                          <p:attrName>style.visibility</p:attrName>
-                                        </p:attrNameLst>
-                                      </p:cBhvr>
-                                      <p:to>
-                                        <p:strVal val="visible"/>
-                                      </p:to>
-                                    </p:set>
-                                    <p:animEffect transition="in" filter="wipe(down)">
-                                      <p:cBhvr>
-                                        <p:cTn id="12" dur="500"/>
-                                        <p:tgtEl>
-                                          <p:spTgt spid="6"/>
-                                        </p:tgtEl>
-                                      </p:cBhvr>
-                                    </p:animEffect>
-                                  </p:childTnLst>
-                                </p:cTn>
-                              </p:par>
-                            </p:childTnLst>
-                          </p:cTn>
-                        </p:par>
-                      </p:childTnLst>
-                    </p:cTn>
-                  </p:par>
-                  <p:par>
-                    <p:cTn id="13" fill="hold">
-                      <p:stCondLst>
-                        <p:cond delay="indefinite"/>
-                      </p:stCondLst>
-                      <p:childTnLst>
-                        <p:par>
-                          <p:cTn id="14" fill="hold">
-                            <p:stCondLst>
-                              <p:cond delay="0"/>
-                            </p:stCondLst>
-                            <p:childTnLst>
-                              <p:par>
-                                <p:cTn id="15" presetID="22" presetClass="entr" presetSubtype="4" fill="hold" grpId="0" nodeType="clickEffect">
-                                  <p:stCondLst>
-                                    <p:cond delay="0"/>
-                                  </p:stCondLst>
-                                  <p:childTnLst>
-                                    <p:set>
-                                      <p:cBhvr>
-                                        <p:cTn id="16" dur="1" fill="hold">
-                                          <p:stCondLst>
-                                            <p:cond delay="0"/>
-                                          </p:stCondLst>
-                                        </p:cTn>
-                                        <p:tgtEl>
-                                          <p:spTgt spid="7"/>
-                                        </p:tgtEl>
-                                        <p:attrNameLst>
-                                          <p:attrName>style.visibility</p:attrName>
-                                        </p:attrNameLst>
-                                      </p:cBhvr>
-                                      <p:to>
-                                        <p:strVal val="visible"/>
-                                      </p:to>
-                                    </p:set>
-                                    <p:animEffect transition="in" filter="wipe(down)">
-                                      <p:cBhvr>
-                                        <p:cTn id="17" dur="500"/>
-                                        <p:tgtEl>
-                                          <p:spTgt spid="7"/>
-                                        </p:tgtEl>
-                                      </p:cBhvr>
-                                    </p:animEffect>
-                                  </p:childTnLst>
-                                </p:cTn>
-                              </p:par>
-                            </p:childTnLst>
-                          </p:cTn>
-                        </p:par>
-                      </p:childTnLst>
-                    </p:cTn>
-                  </p:par>
-                  <p:par>
-                    <p:cTn id="18" fill="hold">
-                      <p:stCondLst>
-                        <p:cond delay="indefinite"/>
-                      </p:stCondLst>
-                      <p:childTnLst>
-                        <p:par>
-                          <p:cTn id="19" fill="hold">
-                            <p:stCondLst>
-                              <p:cond delay="0"/>
-                            </p:stCondLst>
-                            <p:childTnLst>
-                              <p:par>
-                                <p:cTn id="20" presetID="22" presetClass="entr" presetSubtype="4" fill="hold" grpId="0" nodeType="clickEffect">
-                                  <p:stCondLst>
-                                    <p:cond delay="0"/>
-                                  </p:stCondLst>
-                                  <p:childTnLst>
-                                    <p:set>
-                                      <p:cBhvr>
-                                        <p:cTn id="21" dur="1" fill="hold">
-                                          <p:stCondLst>
-                                            <p:cond delay="0"/>
-                                          </p:stCondLst>
-                                        </p:cTn>
-                                        <p:tgtEl>
-                                          <p:spTgt spid="8"/>
-                                        </p:tgtEl>
-                                        <p:attrNameLst>
-                                          <p:attrName>style.visibility</p:attrName>
-                                        </p:attrNameLst>
-                                      </p:cBhvr>
-                                      <p:to>
-                                        <p:strVal val="visible"/>
-                                      </p:to>
-                                    </p:set>
-                                    <p:animEffect transition="in" filter="wipe(down)">
-                                      <p:cBhvr>
-                                        <p:cTn id="22" dur="500"/>
-                                        <p:tgtEl>
-                                          <p:spTgt spid="8"/>
-                                        </p:tgtEl>
-                                      </p:cBhvr>
-                                    </p:animEffect>
-                                  </p:childTnLst>
-                                </p:cTn>
-                              </p:par>
-                            </p:childTnLst>
-                          </p:cTn>
-                        </p:par>
-                      </p:childTnLst>
-                    </p:cTn>
-                  </p:par>
-                </p:childTnLst>
-              </p:cTn>
-              <p:prevCondLst>
-                <p:cond evt="onPrev" delay="0">
-                  <p:tgtEl>
-                    <p:sldTgt/>
-                  </p:tgtEl>
-                </p:cond>
-              </p:prevCondLst>
-              <p:nextCondLst>
-                <p:cond evt="onNext" delay="0">
-                  <p:tgtEl>
-                    <p:sldTgt/>
-                  </p:tgtEl>
-                </p:cond>
-              </p:nextCondLst>
-            </p:seq>
-          </p:childTnLst>
-        </p:cTn>
-      </p:par>
-    </p:tnLst>
-    <p:bldLst>
-      <p:bldP spid="5" grpId="0"/>
-      <p:bldP spid="6" grpId="0"/>
-      <p:bldP spid="7" grpId="0"/>
-      <p:bldP spid="8" grpId="0"/>
-    </p:bldLst>
-  </p:timing>
-</p:sld>
-</file>
-
-<file path=ppt/slides/slide20.xml><?xml version="1.0" encoding="utf-8"?>
+<file path=ppt/slides/slide22.xml><?xml version="1.0" encoding="utf-8"?>
 <p:sld xmlns:a="http://schemas.openxmlformats.org/drawingml/2006/main" xmlns:r="http://schemas.openxmlformats.org/officeDocument/2006/relationships" xmlns:p="http://schemas.openxmlformats.org/presentationml/2006/main">
   <p:cSld>
     <p:spTree>
@@ -18155,7 +20776,7 @@
 </p:sld>
 </file>
 
-<file path=ppt/slides/slide21.xml><?xml version="1.0" encoding="utf-8"?>
+<file path=ppt/slides/slide23.xml><?xml version="1.0" encoding="utf-8"?>
 <p:sld xmlns:a="http://schemas.openxmlformats.org/drawingml/2006/main" xmlns:r="http://schemas.openxmlformats.org/officeDocument/2006/relationships" xmlns:p="http://schemas.openxmlformats.org/presentationml/2006/main">
   <p:cSld>
     <p:spTree>
@@ -18368,456 +20989,6 @@
     <p:extLst>
       <p:ext uri="{BB962C8B-B14F-4D97-AF65-F5344CB8AC3E}">
         <p14:creationId xmlns:p14="http://schemas.microsoft.com/office/powerpoint/2010/main" val="823295605"/>
-      </p:ext>
-    </p:extLst>
-  </p:cSld>
-  <p:clrMapOvr>
-    <a:masterClrMapping/>
-  </p:clrMapOvr>
-  <p:transition spd="slow">
-    <p:push/>
-  </p:transition>
-</p:sld>
-</file>
-
-<file path=ppt/slides/slide22.xml><?xml version="1.0" encoding="utf-8"?>
-<p:sld xmlns:a="http://schemas.openxmlformats.org/drawingml/2006/main" xmlns:r="http://schemas.openxmlformats.org/officeDocument/2006/relationships" xmlns:p="http://schemas.openxmlformats.org/presentationml/2006/main">
-  <p:cSld>
-    <p:spTree>
-      <p:nvGrpSpPr>
-        <p:cNvPr id="1" name=""/>
-        <p:cNvGrpSpPr/>
-        <p:nvPr/>
-      </p:nvGrpSpPr>
-      <p:grpSpPr>
-        <a:xfrm>
-          <a:off x="0" y="0"/>
-          <a:ext cx="0" cy="0"/>
-          <a:chOff x="0" y="0"/>
-          <a:chExt cx="0" cy="0"/>
-        </a:xfrm>
-      </p:grpSpPr>
-      <p:pic>
-        <p:nvPicPr>
-          <p:cNvPr id="4" name="Imagem 3">
-            <a:extLst>
-              <a:ext uri="{FF2B5EF4-FFF2-40B4-BE49-F238E27FC236}">
-                <a16:creationId xmlns:a16="http://schemas.microsoft.com/office/drawing/2014/main" id="{66A2A4C8-45BD-4A51-A17D-D7E716A7D7A8}"/>
-              </a:ext>
-            </a:extLst>
-          </p:cNvPr>
-          <p:cNvPicPr>
-            <a:picLocks noChangeAspect="1"/>
-          </p:cNvPicPr>
-          <p:nvPr/>
-        </p:nvPicPr>
-        <p:blipFill>
-          <a:blip r:embed="rId2"/>
-          <a:stretch>
-            <a:fillRect/>
-          </a:stretch>
-        </p:blipFill>
-        <p:spPr>
-          <a:xfrm>
-            <a:off x="1659731" y="827733"/>
-            <a:ext cx="8872538" cy="5202534"/>
-          </a:xfrm>
-          <a:prstGeom prst="rect">
-            <a:avLst/>
-          </a:prstGeom>
-        </p:spPr>
-      </p:pic>
-      <p:sp>
-        <p:nvSpPr>
-          <p:cNvPr id="5" name="Retângulo 4">
-            <a:extLst>
-              <a:ext uri="{FF2B5EF4-FFF2-40B4-BE49-F238E27FC236}">
-                <a16:creationId xmlns:a16="http://schemas.microsoft.com/office/drawing/2014/main" id="{F7746AD3-7D4A-411D-B418-4FCA25C8AEDB}"/>
-              </a:ext>
-            </a:extLst>
-          </p:cNvPr>
-          <p:cNvSpPr/>
-          <p:nvPr/>
-        </p:nvSpPr>
-        <p:spPr>
-          <a:xfrm>
-            <a:off x="1659732" y="6030267"/>
-            <a:ext cx="8872538" cy="584775"/>
-          </a:xfrm>
-          <a:prstGeom prst="rect">
-            <a:avLst/>
-          </a:prstGeom>
-        </p:spPr>
-        <p:txBody>
-          <a:bodyPr wrap="square">
-            <a:spAutoFit/>
-          </a:bodyPr>
-          <a:lstStyle/>
-          <a:p>
-            <a:pPr algn="just"/>
-            <a:r>
-              <a:rPr lang="pt-BR" sz="1600" b="1" i="1" dirty="0">
-                <a:solidFill>
-                  <a:schemeClr val="bg1"/>
-                </a:solidFill>
-                <a:latin typeface="PalatinoLTStd-Bold"/>
-              </a:rPr>
-              <a:t>Fonte: Buchanan</a:t>
-            </a:r>
-            <a:r>
-              <a:rPr lang="pt-BR" sz="1600" i="1" dirty="0">
-                <a:solidFill>
-                  <a:schemeClr val="bg1"/>
-                </a:solidFill>
-                <a:latin typeface="PalatinoLTStd-Bold"/>
-              </a:rPr>
-              <a:t>, B. B., Wilhelm, G., Jones, R. </a:t>
-            </a:r>
-            <a:r>
-              <a:rPr lang="pt-BR" sz="1600" i="1" dirty="0" err="1">
-                <a:solidFill>
-                  <a:schemeClr val="bg1"/>
-                </a:solidFill>
-                <a:latin typeface="PalatinoLTStd-Bold"/>
-              </a:rPr>
-              <a:t>L.Biochemistr</a:t>
-            </a:r>
-            <a:r>
-              <a:rPr lang="pt-BR" sz="1600" i="1" dirty="0">
-                <a:solidFill>
-                  <a:schemeClr val="bg1"/>
-                </a:solidFill>
-                <a:latin typeface="PalatinoLTStd-Bold"/>
-              </a:rPr>
-              <a:t> &amp; Molecular </a:t>
-            </a:r>
-            <a:r>
-              <a:rPr lang="pt-BR" sz="1600" i="1" dirty="0" err="1">
-                <a:solidFill>
-                  <a:schemeClr val="bg1"/>
-                </a:solidFill>
-                <a:latin typeface="PalatinoLTStd-Bold"/>
-              </a:rPr>
-              <a:t>Biology</a:t>
-            </a:r>
-            <a:r>
-              <a:rPr lang="pt-BR" sz="1600" i="1" dirty="0">
-                <a:solidFill>
-                  <a:schemeClr val="bg1"/>
-                </a:solidFill>
-                <a:latin typeface="PalatinoLTStd-Bold"/>
-              </a:rPr>
-              <a:t> </a:t>
-            </a:r>
-            <a:r>
-              <a:rPr lang="pt-BR" sz="1600" i="1" dirty="0" err="1">
-                <a:solidFill>
-                  <a:schemeClr val="bg1"/>
-                </a:solidFill>
-                <a:latin typeface="PalatinoLTStd-Bold"/>
-              </a:rPr>
-              <a:t>of</a:t>
-            </a:r>
-            <a:r>
-              <a:rPr lang="pt-BR" sz="1600" i="1" dirty="0">
-                <a:solidFill>
-                  <a:schemeClr val="bg1"/>
-                </a:solidFill>
-                <a:latin typeface="PalatinoLTStd-Bold"/>
-              </a:rPr>
-              <a:t> </a:t>
-            </a:r>
-            <a:r>
-              <a:rPr lang="pt-BR" sz="1600" i="1" dirty="0" err="1">
-                <a:solidFill>
-                  <a:schemeClr val="bg1"/>
-                </a:solidFill>
-                <a:latin typeface="PalatinoLTStd-Bold"/>
-              </a:rPr>
-              <a:t>Plants</a:t>
-            </a:r>
-            <a:r>
-              <a:rPr lang="pt-BR" sz="1600" i="1" dirty="0">
-                <a:solidFill>
-                  <a:schemeClr val="bg1"/>
-                </a:solidFill>
-                <a:latin typeface="PalatinoLTStd-Bold"/>
-              </a:rPr>
-              <a:t>. 2ª. Ed. </a:t>
-            </a:r>
-            <a:r>
-              <a:rPr lang="pt-BR" sz="1600" i="1" dirty="0" err="1">
-                <a:solidFill>
-                  <a:schemeClr val="bg1"/>
-                </a:solidFill>
-                <a:latin typeface="PalatinoLTStd-Bold"/>
-              </a:rPr>
-              <a:t>Wiley</a:t>
-            </a:r>
-            <a:r>
-              <a:rPr lang="pt-BR" sz="1600" i="1" dirty="0">
-                <a:solidFill>
-                  <a:schemeClr val="bg1"/>
-                </a:solidFill>
-                <a:latin typeface="PalatinoLTStd-Bold"/>
-              </a:rPr>
-              <a:t> </a:t>
-            </a:r>
-            <a:r>
-              <a:rPr lang="pt-BR" sz="1600" i="1" dirty="0" err="1">
-                <a:solidFill>
-                  <a:schemeClr val="bg1"/>
-                </a:solidFill>
-                <a:latin typeface="PalatinoLTStd-Bold"/>
-              </a:rPr>
-              <a:t>Blackwell</a:t>
-            </a:r>
-            <a:r>
-              <a:rPr lang="pt-BR" sz="1600" i="1" dirty="0">
-                <a:solidFill>
-                  <a:schemeClr val="bg1"/>
-                </a:solidFill>
-                <a:latin typeface="PalatinoLTStd-Bold"/>
-              </a:rPr>
-              <a:t> </a:t>
-            </a:r>
-            <a:endParaRPr lang="pt-BR" sz="1600" i="1" dirty="0">
-              <a:solidFill>
-                <a:schemeClr val="bg1"/>
-              </a:solidFill>
-            </a:endParaRPr>
-          </a:p>
-        </p:txBody>
-      </p:sp>
-    </p:spTree>
-    <p:extLst>
-      <p:ext uri="{BB962C8B-B14F-4D97-AF65-F5344CB8AC3E}">
-        <p14:creationId xmlns:p14="http://schemas.microsoft.com/office/powerpoint/2010/main" val="3707453286"/>
-      </p:ext>
-    </p:extLst>
-  </p:cSld>
-  <p:clrMapOvr>
-    <a:masterClrMapping/>
-  </p:clrMapOvr>
-  <p:transition spd="slow">
-    <p:push/>
-  </p:transition>
-</p:sld>
-</file>
-
-<file path=ppt/slides/slide23.xml><?xml version="1.0" encoding="utf-8"?>
-<p:sld xmlns:a="http://schemas.openxmlformats.org/drawingml/2006/main" xmlns:r="http://schemas.openxmlformats.org/officeDocument/2006/relationships" xmlns:p="http://schemas.openxmlformats.org/presentationml/2006/main">
-  <p:cSld>
-    <p:spTree>
-      <p:nvGrpSpPr>
-        <p:cNvPr id="1" name=""/>
-        <p:cNvGrpSpPr/>
-        <p:nvPr/>
-      </p:nvGrpSpPr>
-      <p:grpSpPr>
-        <a:xfrm>
-          <a:off x="0" y="0"/>
-          <a:ext cx="0" cy="0"/>
-          <a:chOff x="0" y="0"/>
-          <a:chExt cx="0" cy="0"/>
-        </a:xfrm>
-      </p:grpSpPr>
-      <p:pic>
-        <p:nvPicPr>
-          <p:cNvPr id="4" name="Imagem 3">
-            <a:extLst>
-              <a:ext uri="{FF2B5EF4-FFF2-40B4-BE49-F238E27FC236}">
-                <a16:creationId xmlns:a16="http://schemas.microsoft.com/office/drawing/2014/main" id="{968E243C-8EFB-4F3D-A38F-6D7BA7FA4983}"/>
-              </a:ext>
-            </a:extLst>
-          </p:cNvPr>
-          <p:cNvPicPr>
-            <a:picLocks noChangeAspect="1"/>
-          </p:cNvPicPr>
-          <p:nvPr/>
-        </p:nvPicPr>
-        <p:blipFill>
-          <a:blip r:embed="rId3"/>
-          <a:stretch>
-            <a:fillRect/>
-          </a:stretch>
-        </p:blipFill>
-        <p:spPr>
-          <a:xfrm>
-            <a:off x="3024030" y="504540"/>
-            <a:ext cx="6143940" cy="5559421"/>
-          </a:xfrm>
-          <a:prstGeom prst="rect">
-            <a:avLst/>
-          </a:prstGeom>
-        </p:spPr>
-      </p:pic>
-      <p:sp>
-        <p:nvSpPr>
-          <p:cNvPr id="10" name="Retângulo 9">
-            <a:extLst>
-              <a:ext uri="{FF2B5EF4-FFF2-40B4-BE49-F238E27FC236}">
-                <a16:creationId xmlns:a16="http://schemas.microsoft.com/office/drawing/2014/main" id="{B0D77D62-1C5C-4FDE-907E-D39F5EF0A41E}"/>
-              </a:ext>
-            </a:extLst>
-          </p:cNvPr>
-          <p:cNvSpPr/>
-          <p:nvPr/>
-        </p:nvSpPr>
-        <p:spPr>
-          <a:xfrm>
-            <a:off x="3024030" y="6063961"/>
-            <a:ext cx="5388768" cy="584775"/>
-          </a:xfrm>
-          <a:prstGeom prst="rect">
-            <a:avLst/>
-          </a:prstGeom>
-        </p:spPr>
-        <p:txBody>
-          <a:bodyPr wrap="square">
-            <a:spAutoFit/>
-          </a:bodyPr>
-          <a:lstStyle/>
-          <a:p>
-            <a:pPr algn="just"/>
-            <a:r>
-              <a:rPr lang="pt-BR" sz="1600" b="1" i="1" dirty="0">
-                <a:solidFill>
-                  <a:schemeClr val="bg1"/>
-                </a:solidFill>
-                <a:latin typeface="PalatinoLTStd-Bold"/>
-              </a:rPr>
-              <a:t>Fonte: Buchanan</a:t>
-            </a:r>
-            <a:r>
-              <a:rPr lang="pt-BR" sz="1600" i="1" dirty="0">
-                <a:solidFill>
-                  <a:schemeClr val="bg1"/>
-                </a:solidFill>
-                <a:latin typeface="PalatinoLTStd-Bold"/>
-              </a:rPr>
-              <a:t>, B. B., Wilhelm, G., Jones, R. </a:t>
-            </a:r>
-            <a:r>
-              <a:rPr lang="pt-BR" sz="1600" i="1" dirty="0" err="1">
-                <a:solidFill>
-                  <a:schemeClr val="bg1"/>
-                </a:solidFill>
-                <a:latin typeface="PalatinoLTStd-Bold"/>
-              </a:rPr>
-              <a:t>L.Biochemistr</a:t>
-            </a:r>
-            <a:r>
-              <a:rPr lang="pt-BR" sz="1600" i="1" dirty="0">
-                <a:solidFill>
-                  <a:schemeClr val="bg1"/>
-                </a:solidFill>
-                <a:latin typeface="PalatinoLTStd-Bold"/>
-              </a:rPr>
-              <a:t> &amp; Molecular </a:t>
-            </a:r>
-            <a:r>
-              <a:rPr lang="pt-BR" sz="1600" i="1" dirty="0" err="1">
-                <a:solidFill>
-                  <a:schemeClr val="bg1"/>
-                </a:solidFill>
-                <a:latin typeface="PalatinoLTStd-Bold"/>
-              </a:rPr>
-              <a:t>Biology</a:t>
-            </a:r>
-            <a:r>
-              <a:rPr lang="pt-BR" sz="1600" i="1" dirty="0">
-                <a:solidFill>
-                  <a:schemeClr val="bg1"/>
-                </a:solidFill>
-                <a:latin typeface="PalatinoLTStd-Bold"/>
-              </a:rPr>
-              <a:t> </a:t>
-            </a:r>
-            <a:r>
-              <a:rPr lang="pt-BR" sz="1600" i="1" dirty="0" err="1">
-                <a:solidFill>
-                  <a:schemeClr val="bg1"/>
-                </a:solidFill>
-                <a:latin typeface="PalatinoLTStd-Bold"/>
-              </a:rPr>
-              <a:t>of</a:t>
-            </a:r>
-            <a:r>
-              <a:rPr lang="pt-BR" sz="1600" i="1" dirty="0">
-                <a:solidFill>
-                  <a:schemeClr val="bg1"/>
-                </a:solidFill>
-                <a:latin typeface="PalatinoLTStd-Bold"/>
-              </a:rPr>
-              <a:t> </a:t>
-            </a:r>
-            <a:r>
-              <a:rPr lang="pt-BR" sz="1600" i="1" dirty="0" err="1">
-                <a:solidFill>
-                  <a:schemeClr val="bg1"/>
-                </a:solidFill>
-                <a:latin typeface="PalatinoLTStd-Bold"/>
-              </a:rPr>
-              <a:t>Plants</a:t>
-            </a:r>
-            <a:r>
-              <a:rPr lang="pt-BR" sz="1600" i="1" dirty="0">
-                <a:solidFill>
-                  <a:schemeClr val="bg1"/>
-                </a:solidFill>
-                <a:latin typeface="PalatinoLTStd-Bold"/>
-              </a:rPr>
-              <a:t>. 2ª. Ed. </a:t>
-            </a:r>
-            <a:r>
-              <a:rPr lang="pt-BR" sz="1600" i="1" dirty="0" err="1">
-                <a:solidFill>
-                  <a:schemeClr val="bg1"/>
-                </a:solidFill>
-                <a:latin typeface="PalatinoLTStd-Bold"/>
-              </a:rPr>
-              <a:t>Wiley</a:t>
-            </a:r>
-            <a:r>
-              <a:rPr lang="pt-BR" sz="1600" i="1" dirty="0">
-                <a:solidFill>
-                  <a:schemeClr val="bg1"/>
-                </a:solidFill>
-                <a:latin typeface="PalatinoLTStd-Bold"/>
-              </a:rPr>
-              <a:t> </a:t>
-            </a:r>
-            <a:r>
-              <a:rPr lang="pt-BR" sz="1600" i="1" dirty="0" err="1">
-                <a:solidFill>
-                  <a:schemeClr val="bg1"/>
-                </a:solidFill>
-                <a:latin typeface="PalatinoLTStd-Bold"/>
-              </a:rPr>
-              <a:t>Blackwell</a:t>
-            </a:r>
-            <a:r>
-              <a:rPr lang="pt-BR" sz="1600" i="1" dirty="0">
-                <a:solidFill>
-                  <a:schemeClr val="bg1"/>
-                </a:solidFill>
-                <a:latin typeface="PalatinoLTStd-Bold"/>
-              </a:rPr>
-              <a:t> </a:t>
-            </a:r>
-            <a:endParaRPr lang="pt-BR" sz="1600" i="1" dirty="0">
-              <a:solidFill>
-                <a:schemeClr val="bg1"/>
-              </a:solidFill>
-            </a:endParaRPr>
-          </a:p>
-        </p:txBody>
-      </p:sp>
-    </p:spTree>
-    <p:extLst>
-      <p:ext uri="{BB962C8B-B14F-4D97-AF65-F5344CB8AC3E}">
-        <p14:creationId xmlns:p14="http://schemas.microsoft.com/office/powerpoint/2010/main" val="2166983056"/>
       </p:ext>
     </p:extLst>
   </p:cSld>
@@ -18847,6 +21018,456 @@
           <a:chExt cx="0" cy="0"/>
         </a:xfrm>
       </p:grpSpPr>
+      <p:pic>
+        <p:nvPicPr>
+          <p:cNvPr id="4" name="Imagem 3">
+            <a:extLst>
+              <a:ext uri="{FF2B5EF4-FFF2-40B4-BE49-F238E27FC236}">
+                <a16:creationId xmlns:a16="http://schemas.microsoft.com/office/drawing/2014/main" id="{66A2A4C8-45BD-4A51-A17D-D7E716A7D7A8}"/>
+              </a:ext>
+            </a:extLst>
+          </p:cNvPr>
+          <p:cNvPicPr>
+            <a:picLocks noChangeAspect="1"/>
+          </p:cNvPicPr>
+          <p:nvPr/>
+        </p:nvPicPr>
+        <p:blipFill>
+          <a:blip r:embed="rId2"/>
+          <a:stretch>
+            <a:fillRect/>
+          </a:stretch>
+        </p:blipFill>
+        <p:spPr>
+          <a:xfrm>
+            <a:off x="1659731" y="827733"/>
+            <a:ext cx="8872538" cy="5202534"/>
+          </a:xfrm>
+          <a:prstGeom prst="rect">
+            <a:avLst/>
+          </a:prstGeom>
+        </p:spPr>
+      </p:pic>
+      <p:sp>
+        <p:nvSpPr>
+          <p:cNvPr id="5" name="Retângulo 4">
+            <a:extLst>
+              <a:ext uri="{FF2B5EF4-FFF2-40B4-BE49-F238E27FC236}">
+                <a16:creationId xmlns:a16="http://schemas.microsoft.com/office/drawing/2014/main" id="{F7746AD3-7D4A-411D-B418-4FCA25C8AEDB}"/>
+              </a:ext>
+            </a:extLst>
+          </p:cNvPr>
+          <p:cNvSpPr/>
+          <p:nvPr/>
+        </p:nvSpPr>
+        <p:spPr>
+          <a:xfrm>
+            <a:off x="1659732" y="6030267"/>
+            <a:ext cx="8872538" cy="584775"/>
+          </a:xfrm>
+          <a:prstGeom prst="rect">
+            <a:avLst/>
+          </a:prstGeom>
+        </p:spPr>
+        <p:txBody>
+          <a:bodyPr wrap="square">
+            <a:spAutoFit/>
+          </a:bodyPr>
+          <a:lstStyle/>
+          <a:p>
+            <a:pPr algn="just"/>
+            <a:r>
+              <a:rPr lang="pt-BR" sz="1600" b="1" i="1" dirty="0">
+                <a:solidFill>
+                  <a:schemeClr val="bg1"/>
+                </a:solidFill>
+                <a:latin typeface="PalatinoLTStd-Bold"/>
+              </a:rPr>
+              <a:t>Fonte: Buchanan</a:t>
+            </a:r>
+            <a:r>
+              <a:rPr lang="pt-BR" sz="1600" i="1" dirty="0">
+                <a:solidFill>
+                  <a:schemeClr val="bg1"/>
+                </a:solidFill>
+                <a:latin typeface="PalatinoLTStd-Bold"/>
+              </a:rPr>
+              <a:t>, B. B., Wilhelm, G., Jones, R. </a:t>
+            </a:r>
+            <a:r>
+              <a:rPr lang="pt-BR" sz="1600" i="1" dirty="0" err="1">
+                <a:solidFill>
+                  <a:schemeClr val="bg1"/>
+                </a:solidFill>
+                <a:latin typeface="PalatinoLTStd-Bold"/>
+              </a:rPr>
+              <a:t>L.Biochemistr</a:t>
+            </a:r>
+            <a:r>
+              <a:rPr lang="pt-BR" sz="1600" i="1" dirty="0">
+                <a:solidFill>
+                  <a:schemeClr val="bg1"/>
+                </a:solidFill>
+                <a:latin typeface="PalatinoLTStd-Bold"/>
+              </a:rPr>
+              <a:t> &amp; Molecular </a:t>
+            </a:r>
+            <a:r>
+              <a:rPr lang="pt-BR" sz="1600" i="1" dirty="0" err="1">
+                <a:solidFill>
+                  <a:schemeClr val="bg1"/>
+                </a:solidFill>
+                <a:latin typeface="PalatinoLTStd-Bold"/>
+              </a:rPr>
+              <a:t>Biology</a:t>
+            </a:r>
+            <a:r>
+              <a:rPr lang="pt-BR" sz="1600" i="1" dirty="0">
+                <a:solidFill>
+                  <a:schemeClr val="bg1"/>
+                </a:solidFill>
+                <a:latin typeface="PalatinoLTStd-Bold"/>
+              </a:rPr>
+              <a:t> </a:t>
+            </a:r>
+            <a:r>
+              <a:rPr lang="pt-BR" sz="1600" i="1" dirty="0" err="1">
+                <a:solidFill>
+                  <a:schemeClr val="bg1"/>
+                </a:solidFill>
+                <a:latin typeface="PalatinoLTStd-Bold"/>
+              </a:rPr>
+              <a:t>of</a:t>
+            </a:r>
+            <a:r>
+              <a:rPr lang="pt-BR" sz="1600" i="1" dirty="0">
+                <a:solidFill>
+                  <a:schemeClr val="bg1"/>
+                </a:solidFill>
+                <a:latin typeface="PalatinoLTStd-Bold"/>
+              </a:rPr>
+              <a:t> </a:t>
+            </a:r>
+            <a:r>
+              <a:rPr lang="pt-BR" sz="1600" i="1" dirty="0" err="1">
+                <a:solidFill>
+                  <a:schemeClr val="bg1"/>
+                </a:solidFill>
+                <a:latin typeface="PalatinoLTStd-Bold"/>
+              </a:rPr>
+              <a:t>Plants</a:t>
+            </a:r>
+            <a:r>
+              <a:rPr lang="pt-BR" sz="1600" i="1" dirty="0">
+                <a:solidFill>
+                  <a:schemeClr val="bg1"/>
+                </a:solidFill>
+                <a:latin typeface="PalatinoLTStd-Bold"/>
+              </a:rPr>
+              <a:t>. 2ª. Ed. </a:t>
+            </a:r>
+            <a:r>
+              <a:rPr lang="pt-BR" sz="1600" i="1" dirty="0" err="1">
+                <a:solidFill>
+                  <a:schemeClr val="bg1"/>
+                </a:solidFill>
+                <a:latin typeface="PalatinoLTStd-Bold"/>
+              </a:rPr>
+              <a:t>Wiley</a:t>
+            </a:r>
+            <a:r>
+              <a:rPr lang="pt-BR" sz="1600" i="1" dirty="0">
+                <a:solidFill>
+                  <a:schemeClr val="bg1"/>
+                </a:solidFill>
+                <a:latin typeface="PalatinoLTStd-Bold"/>
+              </a:rPr>
+              <a:t> </a:t>
+            </a:r>
+            <a:r>
+              <a:rPr lang="pt-BR" sz="1600" i="1" dirty="0" err="1">
+                <a:solidFill>
+                  <a:schemeClr val="bg1"/>
+                </a:solidFill>
+                <a:latin typeface="PalatinoLTStd-Bold"/>
+              </a:rPr>
+              <a:t>Blackwell</a:t>
+            </a:r>
+            <a:r>
+              <a:rPr lang="pt-BR" sz="1600" i="1" dirty="0">
+                <a:solidFill>
+                  <a:schemeClr val="bg1"/>
+                </a:solidFill>
+                <a:latin typeface="PalatinoLTStd-Bold"/>
+              </a:rPr>
+              <a:t> </a:t>
+            </a:r>
+            <a:endParaRPr lang="pt-BR" sz="1600" i="1" dirty="0">
+              <a:solidFill>
+                <a:schemeClr val="bg1"/>
+              </a:solidFill>
+            </a:endParaRPr>
+          </a:p>
+        </p:txBody>
+      </p:sp>
+    </p:spTree>
+    <p:extLst>
+      <p:ext uri="{BB962C8B-B14F-4D97-AF65-F5344CB8AC3E}">
+        <p14:creationId xmlns:p14="http://schemas.microsoft.com/office/powerpoint/2010/main" val="3707453286"/>
+      </p:ext>
+    </p:extLst>
+  </p:cSld>
+  <p:clrMapOvr>
+    <a:masterClrMapping/>
+  </p:clrMapOvr>
+  <p:transition spd="slow">
+    <p:push/>
+  </p:transition>
+</p:sld>
+</file>
+
+<file path=ppt/slides/slide25.xml><?xml version="1.0" encoding="utf-8"?>
+<p:sld xmlns:a="http://schemas.openxmlformats.org/drawingml/2006/main" xmlns:r="http://schemas.openxmlformats.org/officeDocument/2006/relationships" xmlns:p="http://schemas.openxmlformats.org/presentationml/2006/main">
+  <p:cSld>
+    <p:spTree>
+      <p:nvGrpSpPr>
+        <p:cNvPr id="1" name=""/>
+        <p:cNvGrpSpPr/>
+        <p:nvPr/>
+      </p:nvGrpSpPr>
+      <p:grpSpPr>
+        <a:xfrm>
+          <a:off x="0" y="0"/>
+          <a:ext cx="0" cy="0"/>
+          <a:chOff x="0" y="0"/>
+          <a:chExt cx="0" cy="0"/>
+        </a:xfrm>
+      </p:grpSpPr>
+      <p:pic>
+        <p:nvPicPr>
+          <p:cNvPr id="4" name="Imagem 3">
+            <a:extLst>
+              <a:ext uri="{FF2B5EF4-FFF2-40B4-BE49-F238E27FC236}">
+                <a16:creationId xmlns:a16="http://schemas.microsoft.com/office/drawing/2014/main" id="{968E243C-8EFB-4F3D-A38F-6D7BA7FA4983}"/>
+              </a:ext>
+            </a:extLst>
+          </p:cNvPr>
+          <p:cNvPicPr>
+            <a:picLocks noChangeAspect="1"/>
+          </p:cNvPicPr>
+          <p:nvPr/>
+        </p:nvPicPr>
+        <p:blipFill>
+          <a:blip r:embed="rId3"/>
+          <a:stretch>
+            <a:fillRect/>
+          </a:stretch>
+        </p:blipFill>
+        <p:spPr>
+          <a:xfrm>
+            <a:off x="3024030" y="504540"/>
+            <a:ext cx="6143940" cy="5559421"/>
+          </a:xfrm>
+          <a:prstGeom prst="rect">
+            <a:avLst/>
+          </a:prstGeom>
+        </p:spPr>
+      </p:pic>
+      <p:sp>
+        <p:nvSpPr>
+          <p:cNvPr id="10" name="Retângulo 9">
+            <a:extLst>
+              <a:ext uri="{FF2B5EF4-FFF2-40B4-BE49-F238E27FC236}">
+                <a16:creationId xmlns:a16="http://schemas.microsoft.com/office/drawing/2014/main" id="{B0D77D62-1C5C-4FDE-907E-D39F5EF0A41E}"/>
+              </a:ext>
+            </a:extLst>
+          </p:cNvPr>
+          <p:cNvSpPr/>
+          <p:nvPr/>
+        </p:nvSpPr>
+        <p:spPr>
+          <a:xfrm>
+            <a:off x="3024030" y="6063961"/>
+            <a:ext cx="5388768" cy="584775"/>
+          </a:xfrm>
+          <a:prstGeom prst="rect">
+            <a:avLst/>
+          </a:prstGeom>
+        </p:spPr>
+        <p:txBody>
+          <a:bodyPr wrap="square">
+            <a:spAutoFit/>
+          </a:bodyPr>
+          <a:lstStyle/>
+          <a:p>
+            <a:pPr algn="just"/>
+            <a:r>
+              <a:rPr lang="pt-BR" sz="1600" b="1" i="1" dirty="0">
+                <a:solidFill>
+                  <a:schemeClr val="bg1"/>
+                </a:solidFill>
+                <a:latin typeface="PalatinoLTStd-Bold"/>
+              </a:rPr>
+              <a:t>Fonte: Buchanan</a:t>
+            </a:r>
+            <a:r>
+              <a:rPr lang="pt-BR" sz="1600" i="1" dirty="0">
+                <a:solidFill>
+                  <a:schemeClr val="bg1"/>
+                </a:solidFill>
+                <a:latin typeface="PalatinoLTStd-Bold"/>
+              </a:rPr>
+              <a:t>, B. B., Wilhelm, G., Jones, R. </a:t>
+            </a:r>
+            <a:r>
+              <a:rPr lang="pt-BR" sz="1600" i="1" dirty="0" err="1">
+                <a:solidFill>
+                  <a:schemeClr val="bg1"/>
+                </a:solidFill>
+                <a:latin typeface="PalatinoLTStd-Bold"/>
+              </a:rPr>
+              <a:t>L.Biochemistr</a:t>
+            </a:r>
+            <a:r>
+              <a:rPr lang="pt-BR" sz="1600" i="1" dirty="0">
+                <a:solidFill>
+                  <a:schemeClr val="bg1"/>
+                </a:solidFill>
+                <a:latin typeface="PalatinoLTStd-Bold"/>
+              </a:rPr>
+              <a:t> &amp; Molecular </a:t>
+            </a:r>
+            <a:r>
+              <a:rPr lang="pt-BR" sz="1600" i="1" dirty="0" err="1">
+                <a:solidFill>
+                  <a:schemeClr val="bg1"/>
+                </a:solidFill>
+                <a:latin typeface="PalatinoLTStd-Bold"/>
+              </a:rPr>
+              <a:t>Biology</a:t>
+            </a:r>
+            <a:r>
+              <a:rPr lang="pt-BR" sz="1600" i="1" dirty="0">
+                <a:solidFill>
+                  <a:schemeClr val="bg1"/>
+                </a:solidFill>
+                <a:latin typeface="PalatinoLTStd-Bold"/>
+              </a:rPr>
+              <a:t> </a:t>
+            </a:r>
+            <a:r>
+              <a:rPr lang="pt-BR" sz="1600" i="1" dirty="0" err="1">
+                <a:solidFill>
+                  <a:schemeClr val="bg1"/>
+                </a:solidFill>
+                <a:latin typeface="PalatinoLTStd-Bold"/>
+              </a:rPr>
+              <a:t>of</a:t>
+            </a:r>
+            <a:r>
+              <a:rPr lang="pt-BR" sz="1600" i="1" dirty="0">
+                <a:solidFill>
+                  <a:schemeClr val="bg1"/>
+                </a:solidFill>
+                <a:latin typeface="PalatinoLTStd-Bold"/>
+              </a:rPr>
+              <a:t> </a:t>
+            </a:r>
+            <a:r>
+              <a:rPr lang="pt-BR" sz="1600" i="1" dirty="0" err="1">
+                <a:solidFill>
+                  <a:schemeClr val="bg1"/>
+                </a:solidFill>
+                <a:latin typeface="PalatinoLTStd-Bold"/>
+              </a:rPr>
+              <a:t>Plants</a:t>
+            </a:r>
+            <a:r>
+              <a:rPr lang="pt-BR" sz="1600" i="1" dirty="0">
+                <a:solidFill>
+                  <a:schemeClr val="bg1"/>
+                </a:solidFill>
+                <a:latin typeface="PalatinoLTStd-Bold"/>
+              </a:rPr>
+              <a:t>. 2ª. Ed. </a:t>
+            </a:r>
+            <a:r>
+              <a:rPr lang="pt-BR" sz="1600" i="1" dirty="0" err="1">
+                <a:solidFill>
+                  <a:schemeClr val="bg1"/>
+                </a:solidFill>
+                <a:latin typeface="PalatinoLTStd-Bold"/>
+              </a:rPr>
+              <a:t>Wiley</a:t>
+            </a:r>
+            <a:r>
+              <a:rPr lang="pt-BR" sz="1600" i="1" dirty="0">
+                <a:solidFill>
+                  <a:schemeClr val="bg1"/>
+                </a:solidFill>
+                <a:latin typeface="PalatinoLTStd-Bold"/>
+              </a:rPr>
+              <a:t> </a:t>
+            </a:r>
+            <a:r>
+              <a:rPr lang="pt-BR" sz="1600" i="1" dirty="0" err="1">
+                <a:solidFill>
+                  <a:schemeClr val="bg1"/>
+                </a:solidFill>
+                <a:latin typeface="PalatinoLTStd-Bold"/>
+              </a:rPr>
+              <a:t>Blackwell</a:t>
+            </a:r>
+            <a:r>
+              <a:rPr lang="pt-BR" sz="1600" i="1" dirty="0">
+                <a:solidFill>
+                  <a:schemeClr val="bg1"/>
+                </a:solidFill>
+                <a:latin typeface="PalatinoLTStd-Bold"/>
+              </a:rPr>
+              <a:t> </a:t>
+            </a:r>
+            <a:endParaRPr lang="pt-BR" sz="1600" i="1" dirty="0">
+              <a:solidFill>
+                <a:schemeClr val="bg1"/>
+              </a:solidFill>
+            </a:endParaRPr>
+          </a:p>
+        </p:txBody>
+      </p:sp>
+    </p:spTree>
+    <p:extLst>
+      <p:ext uri="{BB962C8B-B14F-4D97-AF65-F5344CB8AC3E}">
+        <p14:creationId xmlns:p14="http://schemas.microsoft.com/office/powerpoint/2010/main" val="2166983056"/>
+      </p:ext>
+    </p:extLst>
+  </p:cSld>
+  <p:clrMapOvr>
+    <a:masterClrMapping/>
+  </p:clrMapOvr>
+  <p:transition spd="slow">
+    <p:push/>
+  </p:transition>
+</p:sld>
+</file>
+
+<file path=ppt/slides/slide26.xml><?xml version="1.0" encoding="utf-8"?>
+<p:sld xmlns:a="http://schemas.openxmlformats.org/drawingml/2006/main" xmlns:r="http://schemas.openxmlformats.org/officeDocument/2006/relationships" xmlns:p="http://schemas.openxmlformats.org/presentationml/2006/main">
+  <p:cSld>
+    <p:spTree>
+      <p:nvGrpSpPr>
+        <p:cNvPr id="1" name=""/>
+        <p:cNvGrpSpPr/>
+        <p:nvPr/>
+      </p:nvGrpSpPr>
+      <p:grpSpPr>
+        <a:xfrm>
+          <a:off x="0" y="0"/>
+          <a:ext cx="0" cy="0"/>
+          <a:chOff x="0" y="0"/>
+          <a:chExt cx="0" cy="0"/>
+        </a:xfrm>
+      </p:grpSpPr>
       <p:sp>
         <p:nvSpPr>
           <p:cNvPr id="4" name="Título 1">
@@ -19356,8 +21977,8 @@
         </p:nvSpPr>
         <p:spPr>
           <a:xfrm>
-            <a:off x="5819774" y="2810128"/>
-            <a:ext cx="631826" cy="3309805"/>
+            <a:off x="5819774" y="2946491"/>
+            <a:ext cx="479428" cy="3056104"/>
           </a:xfrm>
           <a:prstGeom prst="leftBrace">
             <a:avLst/>
@@ -20195,7 +22816,7 @@
 </p:sld>
 </file>
 
-<file path=ppt/slides/slide25.xml><?xml version="1.0" encoding="utf-8"?>
+<file path=ppt/slides/slide27.xml><?xml version="1.0" encoding="utf-8"?>
 <p:sld xmlns:a="http://schemas.openxmlformats.org/drawingml/2006/main" xmlns:r="http://schemas.openxmlformats.org/officeDocument/2006/relationships" xmlns:p="http://schemas.openxmlformats.org/presentationml/2006/main">
   <p:cSld>
     <p:spTree>
@@ -21690,7 +24311,7 @@
 </p:sld>
 </file>
 
-<file path=ppt/slides/slide26.xml><?xml version="1.0" encoding="utf-8"?>
+<file path=ppt/slides/slide3.xml><?xml version="1.0" encoding="utf-8"?>
 <p:sld xmlns:a="http://schemas.openxmlformats.org/drawingml/2006/main" xmlns:r="http://schemas.openxmlformats.org/officeDocument/2006/relationships" xmlns:p="http://schemas.openxmlformats.org/presentationml/2006/main">
   <p:cSld>
     <p:spTree>
@@ -21707,163 +24328,895 @@
           <a:chExt cx="0" cy="0"/>
         </a:xfrm>
       </p:grpSpPr>
-      <p:pic>
-        <p:nvPicPr>
-          <p:cNvPr id="1026" name="Picture 2" descr="Fruticultura Brasileira autor Pimentel Gomes | Shopee Brasil">
-            <a:extLst>
-              <a:ext uri="{FF2B5EF4-FFF2-40B4-BE49-F238E27FC236}">
-                <a16:creationId xmlns:a16="http://schemas.microsoft.com/office/drawing/2014/main" id="{DD58ABEF-D2BA-4DD2-88D2-3DCA501D979F}"/>
-              </a:ext>
-            </a:extLst>
-          </p:cNvPr>
-          <p:cNvPicPr>
-            <a:picLocks noChangeAspect="1" noChangeArrowheads="1"/>
-          </p:cNvPicPr>
+      <p:sp>
+        <p:nvSpPr>
+          <p:cNvPr id="4" name="CaixaDeTexto 3">
+            <a:extLst>
+              <a:ext uri="{FF2B5EF4-FFF2-40B4-BE49-F238E27FC236}">
+                <a16:creationId xmlns:a16="http://schemas.microsoft.com/office/drawing/2014/main" id="{CEEC8B40-7161-4EA9-8168-9711F8F25CDB}"/>
+              </a:ext>
+            </a:extLst>
+          </p:cNvPr>
+          <p:cNvSpPr txBox="1"/>
           <p:nvPr/>
-        </p:nvPicPr>
-        <p:blipFill>
-          <a:blip r:embed="rId2">
-            <a:extLst>
-              <a:ext uri="{28A0092B-C50C-407E-A947-70E740481C1C}">
-                <a14:useLocalDpi xmlns:a14="http://schemas.microsoft.com/office/drawing/2010/main" val="0"/>
-              </a:ext>
-            </a:extLst>
-          </a:blip>
-          <a:srcRect/>
-          <a:stretch>
-            <a:fillRect/>
-          </a:stretch>
-        </p:blipFill>
-        <p:spPr bwMode="auto">
+        </p:nvSpPr>
+        <p:spPr>
           <a:xfrm>
-            <a:off x="460299" y="1383061"/>
-            <a:ext cx="4091877" cy="4091877"/>
-          </a:xfrm>
-          <a:prstGeom prst="roundRect">
-            <a:avLst>
-              <a:gd name="adj" fmla="val 50000"/>
-            </a:avLst>
-          </a:prstGeom>
-          <a:noFill/>
-          <a:extLst>
-            <a:ext uri="{909E8E84-426E-40DD-AFC4-6F175D3DCCD1}">
-              <a14:hiddenFill xmlns:a14="http://schemas.microsoft.com/office/drawing/2010/main">
-                <a:solidFill>
-                  <a:srgbClr val="FFFFFF"/>
-                </a:solidFill>
-              </a14:hiddenFill>
-            </a:ext>
-          </a:extLst>
-        </p:spPr>
-      </p:pic>
-      <p:pic>
-        <p:nvPicPr>
-          <p:cNvPr id="6" name="Picture 2" descr="PLD Livros Técnicos">
-            <a:extLst>
-              <a:ext uri="{FF2B5EF4-FFF2-40B4-BE49-F238E27FC236}">
-                <a16:creationId xmlns:a16="http://schemas.microsoft.com/office/drawing/2014/main" id="{DFA19104-D12F-406E-A390-EB57942A6F38}"/>
-              </a:ext>
-            </a:extLst>
-          </p:cNvPr>
-          <p:cNvPicPr>
-            <a:picLocks noChangeAspect="1" noChangeArrowheads="1"/>
-          </p:cNvPicPr>
-          <p:nvPr/>
-        </p:nvPicPr>
-        <p:blipFill>
-          <a:blip r:embed="rId3">
-            <a:extLst>
-              <a:ext uri="{28A0092B-C50C-407E-A947-70E740481C1C}">
-                <a14:useLocalDpi xmlns:a14="http://schemas.microsoft.com/office/drawing/2010/main" val="0"/>
-              </a:ext>
-            </a:extLst>
-          </a:blip>
-          <a:srcRect/>
-          <a:stretch>
-            <a:fillRect/>
-          </a:stretch>
-        </p:blipFill>
-        <p:spPr bwMode="auto">
-          <a:xfrm>
-            <a:off x="4860226" y="1296435"/>
-            <a:ext cx="2955168" cy="4265127"/>
+            <a:off x="5390456" y="3535528"/>
+            <a:ext cx="2048809" cy="584775"/>
           </a:xfrm>
           <a:prstGeom prst="rect">
             <a:avLst/>
           </a:prstGeom>
           <a:noFill/>
-          <a:extLst>
-            <a:ext uri="{909E8E84-426E-40DD-AFC4-6F175D3DCCD1}">
-              <a14:hiddenFill xmlns:a14="http://schemas.microsoft.com/office/drawing/2010/main">
-                <a:solidFill>
-                  <a:srgbClr val="FFFFFF"/>
-                </a:solidFill>
-              </a14:hiddenFill>
-            </a:ext>
-          </a:extLst>
+          <a:ln w="57150">
+            <a:solidFill>
+              <a:schemeClr val="bg1"/>
+            </a:solidFill>
+          </a:ln>
         </p:spPr>
-      </p:pic>
-      <p:pic>
-        <p:nvPicPr>
-          <p:cNvPr id="3" name="Picture 2" descr="Princípios de Bioquímica de Lehninger | Amazon.com.br">
-            <a:extLst>
-              <a:ext uri="{FF2B5EF4-FFF2-40B4-BE49-F238E27FC236}">
-                <a16:creationId xmlns:a16="http://schemas.microsoft.com/office/drawing/2014/main" id="{A8BEDFF2-3C1D-482B-A995-42ABB364A41B}"/>
-              </a:ext>
-            </a:extLst>
-          </p:cNvPr>
-          <p:cNvPicPr>
-            <a:picLocks noChangeAspect="1" noChangeArrowheads="1"/>
-          </p:cNvPicPr>
+        <p:txBody>
+          <a:bodyPr wrap="square" rtlCol="0">
+            <a:spAutoFit/>
+          </a:bodyPr>
+          <a:lstStyle/>
+          <a:p>
+            <a:pPr marL="0" marR="0" lvl="0" indent="0" algn="ctr" defTabSz="914400" rtl="0" eaLnBrk="1" fontAlgn="auto" latinLnBrk="0" hangingPunct="1">
+              <a:lnSpc>
+                <a:spcPct val="100000"/>
+              </a:lnSpc>
+              <a:spcBef>
+                <a:spcPts val="0"/>
+              </a:spcBef>
+              <a:spcAft>
+                <a:spcPts val="0"/>
+              </a:spcAft>
+              <a:buClrTx/>
+              <a:buSzTx/>
+              <a:buFontTx/>
+              <a:buNone/>
+              <a:tabLst/>
+              <a:defRPr/>
+            </a:pPr>
+            <a:r>
+              <a:rPr kumimoji="0" lang="pt-BR" sz="3200" b="1" i="0" u="none" strike="noStrike" kern="1200" cap="none" spc="0" normalizeH="0" baseline="0" noProof="0" dirty="0">
+                <a:ln>
+                  <a:noFill/>
+                </a:ln>
+                <a:solidFill>
+                  <a:schemeClr val="accent4">
+                    <a:lumMod val="40000"/>
+                    <a:lumOff val="60000"/>
+                  </a:schemeClr>
+                </a:solidFill>
+                <a:effectLst/>
+                <a:uLnTx/>
+                <a:uFillTx/>
+                <a:latin typeface="Bell MT" panose="02020503060305020303" pitchFamily="18" charset="0"/>
+                <a:ea typeface="+mn-ea"/>
+                <a:cs typeface="+mn-cs"/>
+              </a:rPr>
+              <a:t>Glicose</a:t>
+            </a:r>
+          </a:p>
+        </p:txBody>
+      </p:sp>
+      <p:sp>
+        <p:nvSpPr>
+          <p:cNvPr id="5" name="CaixaDeTexto 4">
+            <a:extLst>
+              <a:ext uri="{FF2B5EF4-FFF2-40B4-BE49-F238E27FC236}">
+                <a16:creationId xmlns:a16="http://schemas.microsoft.com/office/drawing/2014/main" id="{D5DF8521-CED4-4B03-BB4B-82B89A34D319}"/>
+              </a:ext>
+            </a:extLst>
+          </p:cNvPr>
+          <p:cNvSpPr txBox="1"/>
           <p:nvPr/>
-        </p:nvPicPr>
-        <p:blipFill>
-          <a:blip r:embed="rId4">
-            <a:extLst>
-              <a:ext uri="{28A0092B-C50C-407E-A947-70E740481C1C}">
-                <a14:useLocalDpi xmlns:a14="http://schemas.microsoft.com/office/drawing/2010/main" val="0"/>
-              </a:ext>
-            </a:extLst>
-          </a:blip>
-          <a:srcRect/>
-          <a:stretch>
-            <a:fillRect/>
-          </a:stretch>
-        </p:blipFill>
-        <p:spPr bwMode="auto">
+        </p:nvSpPr>
+        <p:spPr>
           <a:xfrm>
-            <a:off x="8257652" y="1339725"/>
-            <a:ext cx="3179082" cy="4221837"/>
+            <a:off x="8005068" y="5479489"/>
+            <a:ext cx="2048809" cy="523220"/>
           </a:xfrm>
           <a:prstGeom prst="rect">
             <a:avLst/>
           </a:prstGeom>
           <a:noFill/>
-          <a:extLst>
-            <a:ext uri="{909E8E84-426E-40DD-AFC4-6F175D3DCCD1}">
-              <a14:hiddenFill xmlns:a14="http://schemas.microsoft.com/office/drawing/2010/main">
-                <a:solidFill>
-                  <a:srgbClr val="FFFFFF"/>
-                </a:solidFill>
-              </a14:hiddenFill>
-            </a:ext>
-          </a:extLst>
         </p:spPr>
-      </p:pic>
+        <p:txBody>
+          <a:bodyPr wrap="square" rtlCol="0">
+            <a:spAutoFit/>
+          </a:bodyPr>
+          <a:lstStyle/>
+          <a:p>
+            <a:pPr marL="0" marR="0" lvl="0" indent="0" algn="ctr" defTabSz="914400" rtl="0" eaLnBrk="1" fontAlgn="auto" latinLnBrk="0" hangingPunct="1">
+              <a:lnSpc>
+                <a:spcPct val="100000"/>
+              </a:lnSpc>
+              <a:spcBef>
+                <a:spcPts val="0"/>
+              </a:spcBef>
+              <a:spcAft>
+                <a:spcPts val="0"/>
+              </a:spcAft>
+              <a:buClrTx/>
+              <a:buSzTx/>
+              <a:buFontTx/>
+              <a:buNone/>
+              <a:tabLst/>
+              <a:defRPr/>
+            </a:pPr>
+            <a:r>
+              <a:rPr kumimoji="0" lang="pt-BR" sz="2800" b="1" i="0" u="none" strike="noStrike" kern="1200" cap="none" spc="0" normalizeH="0" baseline="0" noProof="0" dirty="0">
+                <a:ln>
+                  <a:noFill/>
+                </a:ln>
+                <a:solidFill>
+                  <a:schemeClr val="accent4">
+                    <a:lumMod val="40000"/>
+                    <a:lumOff val="60000"/>
+                  </a:schemeClr>
+                </a:solidFill>
+                <a:effectLst/>
+                <a:uLnTx/>
+                <a:uFillTx/>
+                <a:latin typeface="Bell MT" panose="02020503060305020303" pitchFamily="18" charset="0"/>
+                <a:ea typeface="+mn-ea"/>
+                <a:cs typeface="+mn-cs"/>
+              </a:rPr>
+              <a:t>Piruvato</a:t>
+            </a:r>
+          </a:p>
+        </p:txBody>
+      </p:sp>
+      <p:sp>
+        <p:nvSpPr>
+          <p:cNvPr id="6" name="CaixaDeTexto 5">
+            <a:extLst>
+              <a:ext uri="{FF2B5EF4-FFF2-40B4-BE49-F238E27FC236}">
+                <a16:creationId xmlns:a16="http://schemas.microsoft.com/office/drawing/2014/main" id="{88B816ED-476B-4CE7-A9E7-0684DD825E6E}"/>
+              </a:ext>
+            </a:extLst>
+          </p:cNvPr>
+          <p:cNvSpPr txBox="1"/>
+          <p:nvPr/>
+        </p:nvSpPr>
+        <p:spPr>
+          <a:xfrm>
+            <a:off x="1576162" y="5504315"/>
+            <a:ext cx="3623328" cy="523220"/>
+          </a:xfrm>
+          <a:prstGeom prst="rect">
+            <a:avLst/>
+          </a:prstGeom>
+          <a:noFill/>
+        </p:spPr>
+        <p:txBody>
+          <a:bodyPr wrap="square" rtlCol="0">
+            <a:spAutoFit/>
+          </a:bodyPr>
+          <a:lstStyle/>
+          <a:p>
+            <a:pPr marL="0" marR="0" lvl="0" indent="0" algn="ctr" defTabSz="914400" rtl="0" eaLnBrk="1" fontAlgn="auto" latinLnBrk="0" hangingPunct="1">
+              <a:lnSpc>
+                <a:spcPct val="100000"/>
+              </a:lnSpc>
+              <a:spcBef>
+                <a:spcPts val="0"/>
+              </a:spcBef>
+              <a:spcAft>
+                <a:spcPts val="0"/>
+              </a:spcAft>
+              <a:buClrTx/>
+              <a:buSzTx/>
+              <a:buFontTx/>
+              <a:buNone/>
+              <a:tabLst/>
+              <a:defRPr/>
+            </a:pPr>
+            <a:r>
+              <a:rPr kumimoji="0" lang="pt-BR" sz="2800" b="1" i="0" u="none" strike="noStrike" kern="1200" cap="none" spc="0" normalizeH="0" baseline="0" noProof="0" dirty="0" err="1">
+                <a:ln>
+                  <a:noFill/>
+                </a:ln>
+                <a:solidFill>
+                  <a:schemeClr val="accent4">
+                    <a:lumMod val="40000"/>
+                    <a:lumOff val="60000"/>
+                  </a:schemeClr>
+                </a:solidFill>
+                <a:effectLst/>
+                <a:uLnTx/>
+                <a:uFillTx/>
+                <a:latin typeface="Bell MT" panose="02020503060305020303" pitchFamily="18" charset="0"/>
+              </a:rPr>
+              <a:t>Ribulose</a:t>
+            </a:r>
+            <a:r>
+              <a:rPr lang="pt-BR" sz="2800" b="1" dirty="0">
+                <a:solidFill>
+                  <a:schemeClr val="accent4">
+                    <a:lumMod val="40000"/>
+                    <a:lumOff val="60000"/>
+                  </a:schemeClr>
+                </a:solidFill>
+                <a:latin typeface="Bell MT" panose="02020503060305020303" pitchFamily="18" charset="0"/>
+              </a:rPr>
+              <a:t>-</a:t>
+            </a:r>
+            <a:r>
+              <a:rPr kumimoji="0" lang="pt-BR" sz="2800" b="1" i="0" u="none" strike="noStrike" kern="1200" cap="none" spc="0" normalizeH="0" baseline="0" noProof="0" dirty="0">
+                <a:ln>
+                  <a:noFill/>
+                </a:ln>
+                <a:solidFill>
+                  <a:schemeClr val="accent4">
+                    <a:lumMod val="40000"/>
+                    <a:lumOff val="60000"/>
+                  </a:schemeClr>
+                </a:solidFill>
+                <a:effectLst/>
+                <a:uLnTx/>
+                <a:uFillTx/>
+                <a:latin typeface="Bell MT" panose="02020503060305020303" pitchFamily="18" charset="0"/>
+              </a:rPr>
+              <a:t>5-fosfato</a:t>
+            </a:r>
+          </a:p>
+        </p:txBody>
+      </p:sp>
+      <p:sp>
+        <p:nvSpPr>
+          <p:cNvPr id="7" name="CaixaDeTexto 6">
+            <a:extLst>
+              <a:ext uri="{FF2B5EF4-FFF2-40B4-BE49-F238E27FC236}">
+                <a16:creationId xmlns:a16="http://schemas.microsoft.com/office/drawing/2014/main" id="{4BE83294-E26F-48E5-82FD-8F98443DE6A6}"/>
+              </a:ext>
+            </a:extLst>
+          </p:cNvPr>
+          <p:cNvSpPr txBox="1"/>
+          <p:nvPr/>
+        </p:nvSpPr>
+        <p:spPr>
+          <a:xfrm>
+            <a:off x="7279254" y="1294072"/>
+            <a:ext cx="3500438" cy="954107"/>
+          </a:xfrm>
+          <a:prstGeom prst="rect">
+            <a:avLst/>
+          </a:prstGeom>
+          <a:noFill/>
+        </p:spPr>
+        <p:txBody>
+          <a:bodyPr wrap="square" rtlCol="0">
+            <a:spAutoFit/>
+          </a:bodyPr>
+          <a:lstStyle/>
+          <a:p>
+            <a:pPr marL="0" marR="0" lvl="0" indent="0" algn="ctr" defTabSz="914400" rtl="0" eaLnBrk="1" fontAlgn="auto" latinLnBrk="0" hangingPunct="1">
+              <a:lnSpc>
+                <a:spcPct val="100000"/>
+              </a:lnSpc>
+              <a:spcBef>
+                <a:spcPts val="0"/>
+              </a:spcBef>
+              <a:spcAft>
+                <a:spcPts val="0"/>
+              </a:spcAft>
+              <a:buClrTx/>
+              <a:buSzTx/>
+              <a:buFontTx/>
+              <a:buNone/>
+              <a:tabLst/>
+              <a:defRPr/>
+            </a:pPr>
+            <a:r>
+              <a:rPr kumimoji="0" lang="pt-BR" sz="2800" b="1" i="0" u="none" strike="noStrike" kern="1200" cap="none" spc="0" normalizeH="0" baseline="0" noProof="0" dirty="0">
+                <a:ln>
+                  <a:noFill/>
+                </a:ln>
+                <a:solidFill>
+                  <a:schemeClr val="accent4">
+                    <a:lumMod val="40000"/>
+                    <a:lumOff val="60000"/>
+                  </a:schemeClr>
+                </a:solidFill>
+                <a:effectLst/>
+                <a:uLnTx/>
+                <a:uFillTx/>
+                <a:latin typeface="Bell MT" panose="02020503060305020303" pitchFamily="18" charset="0"/>
+                <a:ea typeface="+mn-ea"/>
+                <a:cs typeface="+mn-cs"/>
+              </a:rPr>
+              <a:t>Glicogênio,</a:t>
+            </a:r>
+            <a:r>
+              <a:rPr kumimoji="0" lang="pt-BR" sz="2800" b="1" i="0" u="none" strike="noStrike" kern="1200" cap="none" spc="0" normalizeH="0" noProof="0" dirty="0">
+                <a:ln>
+                  <a:noFill/>
+                </a:ln>
+                <a:solidFill>
+                  <a:schemeClr val="accent4">
+                    <a:lumMod val="40000"/>
+                    <a:lumOff val="60000"/>
+                  </a:schemeClr>
+                </a:solidFill>
+                <a:effectLst/>
+                <a:uLnTx/>
+                <a:uFillTx/>
+                <a:latin typeface="Bell MT" panose="02020503060305020303" pitchFamily="18" charset="0"/>
+                <a:ea typeface="+mn-ea"/>
+                <a:cs typeface="+mn-cs"/>
+              </a:rPr>
+              <a:t> Amido e Sacarose</a:t>
+            </a:r>
+            <a:endParaRPr kumimoji="0" lang="pt-BR" sz="2800" b="1" i="0" u="none" strike="noStrike" kern="1200" cap="none" spc="0" normalizeH="0" baseline="0" noProof="0" dirty="0">
+              <a:ln>
+                <a:noFill/>
+              </a:ln>
+              <a:solidFill>
+                <a:schemeClr val="accent4">
+                  <a:lumMod val="40000"/>
+                  <a:lumOff val="60000"/>
+                </a:schemeClr>
+              </a:solidFill>
+              <a:effectLst/>
+              <a:uLnTx/>
+              <a:uFillTx/>
+              <a:latin typeface="Bell MT" panose="02020503060305020303" pitchFamily="18" charset="0"/>
+              <a:ea typeface="+mn-ea"/>
+              <a:cs typeface="+mn-cs"/>
+            </a:endParaRPr>
+          </a:p>
+        </p:txBody>
+      </p:sp>
+      <p:sp>
+        <p:nvSpPr>
+          <p:cNvPr id="8" name="CaixaDeTexto 7">
+            <a:extLst>
+              <a:ext uri="{FF2B5EF4-FFF2-40B4-BE49-F238E27FC236}">
+                <a16:creationId xmlns:a16="http://schemas.microsoft.com/office/drawing/2014/main" id="{69746C13-CAE0-4D28-9F33-FE6DD6528FFE}"/>
+              </a:ext>
+            </a:extLst>
+          </p:cNvPr>
+          <p:cNvSpPr txBox="1"/>
+          <p:nvPr/>
+        </p:nvSpPr>
+        <p:spPr>
+          <a:xfrm>
+            <a:off x="1699052" y="1078629"/>
+            <a:ext cx="3500438" cy="1384995"/>
+          </a:xfrm>
+          <a:prstGeom prst="rect">
+            <a:avLst/>
+          </a:prstGeom>
+          <a:noFill/>
+        </p:spPr>
+        <p:txBody>
+          <a:bodyPr wrap="square" rtlCol="0">
+            <a:spAutoFit/>
+          </a:bodyPr>
+          <a:lstStyle/>
+          <a:p>
+            <a:pPr marL="0" marR="0" lvl="0" indent="0" algn="ctr" defTabSz="914400" rtl="0" eaLnBrk="1" fontAlgn="auto" latinLnBrk="0" hangingPunct="1">
+              <a:lnSpc>
+                <a:spcPct val="100000"/>
+              </a:lnSpc>
+              <a:spcBef>
+                <a:spcPts val="0"/>
+              </a:spcBef>
+              <a:spcAft>
+                <a:spcPts val="0"/>
+              </a:spcAft>
+              <a:buClrTx/>
+              <a:buSzTx/>
+              <a:buFontTx/>
+              <a:buNone/>
+              <a:tabLst/>
+              <a:defRPr/>
+            </a:pPr>
+            <a:r>
+              <a:rPr kumimoji="0" lang="pt-BR" sz="2800" b="1" i="0" u="none" strike="noStrike" kern="1200" cap="none" spc="0" normalizeH="0" baseline="0" noProof="0" dirty="0">
+                <a:ln>
+                  <a:noFill/>
+                </a:ln>
+                <a:solidFill>
+                  <a:schemeClr val="accent4">
+                    <a:lumMod val="40000"/>
+                    <a:lumOff val="60000"/>
+                  </a:schemeClr>
+                </a:solidFill>
+                <a:effectLst/>
+                <a:uLnTx/>
+                <a:uFillTx/>
+                <a:latin typeface="Bell MT" panose="02020503060305020303" pitchFamily="18" charset="0"/>
+                <a:ea typeface="+mn-ea"/>
+                <a:cs typeface="+mn-cs"/>
+              </a:rPr>
+              <a:t>Matriz Extracelular e polissacarídeos</a:t>
+            </a:r>
+            <a:r>
+              <a:rPr kumimoji="0" lang="pt-BR" sz="2800" b="1" i="0" u="none" strike="noStrike" kern="1200" cap="none" spc="0" normalizeH="0" noProof="0" dirty="0">
+                <a:ln>
+                  <a:noFill/>
+                </a:ln>
+                <a:solidFill>
+                  <a:schemeClr val="accent4">
+                    <a:lumMod val="40000"/>
+                    <a:lumOff val="60000"/>
+                  </a:schemeClr>
+                </a:solidFill>
+                <a:effectLst/>
+                <a:uLnTx/>
+                <a:uFillTx/>
+                <a:latin typeface="Bell MT" panose="02020503060305020303" pitchFamily="18" charset="0"/>
+                <a:ea typeface="+mn-ea"/>
+                <a:cs typeface="+mn-cs"/>
+              </a:rPr>
+              <a:t> da parece celular</a:t>
+            </a:r>
+            <a:endParaRPr kumimoji="0" lang="pt-BR" sz="2800" b="1" i="0" u="none" strike="noStrike" kern="1200" cap="none" spc="0" normalizeH="0" baseline="0" noProof="0" dirty="0">
+              <a:ln>
+                <a:noFill/>
+              </a:ln>
+              <a:solidFill>
+                <a:schemeClr val="accent4">
+                  <a:lumMod val="40000"/>
+                  <a:lumOff val="60000"/>
+                </a:schemeClr>
+              </a:solidFill>
+              <a:effectLst/>
+              <a:uLnTx/>
+              <a:uFillTx/>
+              <a:latin typeface="Bell MT" panose="02020503060305020303" pitchFamily="18" charset="0"/>
+              <a:ea typeface="+mn-ea"/>
+              <a:cs typeface="+mn-cs"/>
+            </a:endParaRPr>
+          </a:p>
+        </p:txBody>
+      </p:sp>
+      <p:cxnSp>
+        <p:nvCxnSpPr>
+          <p:cNvPr id="12" name="Conector de Seta Reta 11">
+            <a:extLst>
+              <a:ext uri="{FF2B5EF4-FFF2-40B4-BE49-F238E27FC236}">
+                <a16:creationId xmlns:a16="http://schemas.microsoft.com/office/drawing/2014/main" id="{79445648-5850-42C5-AB83-5D322033D605}"/>
+              </a:ext>
+            </a:extLst>
+          </p:cNvPr>
+          <p:cNvCxnSpPr>
+            <a:endCxn id="5" idx="0"/>
+          </p:cNvCxnSpPr>
+          <p:nvPr/>
+        </p:nvCxnSpPr>
+        <p:spPr>
+          <a:xfrm>
+            <a:off x="7439265" y="4120303"/>
+            <a:ext cx="1590208" cy="1359186"/>
+          </a:xfrm>
+          <a:prstGeom prst="straightConnector1">
+            <a:avLst/>
+          </a:prstGeom>
+          <a:ln w="57150">
+            <a:solidFill>
+              <a:schemeClr val="bg1"/>
+            </a:solidFill>
+            <a:tailEnd type="triangle"/>
+          </a:ln>
+        </p:spPr>
+        <p:style>
+          <a:lnRef idx="1">
+            <a:schemeClr val="accent1"/>
+          </a:lnRef>
+          <a:fillRef idx="0">
+            <a:schemeClr val="accent1"/>
+          </a:fillRef>
+          <a:effectRef idx="0">
+            <a:schemeClr val="accent1"/>
+          </a:effectRef>
+          <a:fontRef idx="minor">
+            <a:schemeClr val="tx1"/>
+          </a:fontRef>
+        </p:style>
+      </p:cxnSp>
+      <p:cxnSp>
+        <p:nvCxnSpPr>
+          <p:cNvPr id="13" name="Conector de Seta Reta 12">
+            <a:extLst>
+              <a:ext uri="{FF2B5EF4-FFF2-40B4-BE49-F238E27FC236}">
+                <a16:creationId xmlns:a16="http://schemas.microsoft.com/office/drawing/2014/main" id="{C7D518BF-BCB7-414A-8F33-F0CE96CB20CA}"/>
+              </a:ext>
+            </a:extLst>
+          </p:cNvPr>
+          <p:cNvCxnSpPr>
+            <a:cxnSpLocks/>
+          </p:cNvCxnSpPr>
+          <p:nvPr/>
+        </p:nvCxnSpPr>
+        <p:spPr>
+          <a:xfrm flipV="1">
+            <a:off x="7439265" y="2345091"/>
+            <a:ext cx="1590207" cy="1212060"/>
+          </a:xfrm>
+          <a:prstGeom prst="straightConnector1">
+            <a:avLst/>
+          </a:prstGeom>
+          <a:ln w="57150">
+            <a:solidFill>
+              <a:schemeClr val="bg1"/>
+            </a:solidFill>
+            <a:tailEnd type="triangle"/>
+          </a:ln>
+        </p:spPr>
+        <p:style>
+          <a:lnRef idx="1">
+            <a:schemeClr val="accent1"/>
+          </a:lnRef>
+          <a:fillRef idx="0">
+            <a:schemeClr val="accent1"/>
+          </a:fillRef>
+          <a:effectRef idx="0">
+            <a:schemeClr val="accent1"/>
+          </a:effectRef>
+          <a:fontRef idx="minor">
+            <a:schemeClr val="tx1"/>
+          </a:fontRef>
+        </p:style>
+      </p:cxnSp>
+      <p:cxnSp>
+        <p:nvCxnSpPr>
+          <p:cNvPr id="15" name="Conector de Seta Reta 14">
+            <a:extLst>
+              <a:ext uri="{FF2B5EF4-FFF2-40B4-BE49-F238E27FC236}">
+                <a16:creationId xmlns:a16="http://schemas.microsoft.com/office/drawing/2014/main" id="{4DCD193C-38BC-491E-BF91-7CA86AF80DC1}"/>
+              </a:ext>
+            </a:extLst>
+          </p:cNvPr>
+          <p:cNvCxnSpPr>
+            <a:cxnSpLocks/>
+          </p:cNvCxnSpPr>
+          <p:nvPr/>
+        </p:nvCxnSpPr>
+        <p:spPr>
+          <a:xfrm flipH="1">
+            <a:off x="3387827" y="4120303"/>
+            <a:ext cx="2002629" cy="1298483"/>
+          </a:xfrm>
+          <a:prstGeom prst="straightConnector1">
+            <a:avLst/>
+          </a:prstGeom>
+          <a:ln w="57150">
+            <a:solidFill>
+              <a:schemeClr val="bg1"/>
+            </a:solidFill>
+            <a:tailEnd type="triangle"/>
+          </a:ln>
+        </p:spPr>
+        <p:style>
+          <a:lnRef idx="1">
+            <a:schemeClr val="accent1"/>
+          </a:lnRef>
+          <a:fillRef idx="0">
+            <a:schemeClr val="accent1"/>
+          </a:fillRef>
+          <a:effectRef idx="0">
+            <a:schemeClr val="accent1"/>
+          </a:effectRef>
+          <a:fontRef idx="minor">
+            <a:schemeClr val="tx1"/>
+          </a:fontRef>
+        </p:style>
+      </p:cxnSp>
+      <p:cxnSp>
+        <p:nvCxnSpPr>
+          <p:cNvPr id="18" name="Conector de Seta Reta 17">
+            <a:extLst>
+              <a:ext uri="{FF2B5EF4-FFF2-40B4-BE49-F238E27FC236}">
+                <a16:creationId xmlns:a16="http://schemas.microsoft.com/office/drawing/2014/main" id="{E340FCA1-AD5D-49CC-9133-97DF7327D7AA}"/>
+              </a:ext>
+            </a:extLst>
+          </p:cNvPr>
+          <p:cNvCxnSpPr>
+            <a:cxnSpLocks/>
+            <a:endCxn id="8" idx="2"/>
+          </p:cNvCxnSpPr>
+          <p:nvPr/>
+        </p:nvCxnSpPr>
+        <p:spPr>
+          <a:xfrm flipH="1" flipV="1">
+            <a:off x="3449271" y="2463624"/>
+            <a:ext cx="1941186" cy="1071904"/>
+          </a:xfrm>
+          <a:prstGeom prst="straightConnector1">
+            <a:avLst/>
+          </a:prstGeom>
+          <a:ln w="57150">
+            <a:solidFill>
+              <a:schemeClr val="bg1"/>
+            </a:solidFill>
+            <a:tailEnd type="triangle"/>
+          </a:ln>
+        </p:spPr>
+        <p:style>
+          <a:lnRef idx="1">
+            <a:schemeClr val="accent1"/>
+          </a:lnRef>
+          <a:fillRef idx="0">
+            <a:schemeClr val="accent1"/>
+          </a:fillRef>
+          <a:effectRef idx="0">
+            <a:schemeClr val="accent1"/>
+          </a:effectRef>
+          <a:fontRef idx="minor">
+            <a:schemeClr val="tx1"/>
+          </a:fontRef>
+        </p:style>
+      </p:cxnSp>
     </p:spTree>
     <p:extLst>
       <p:ext uri="{BB962C8B-B14F-4D97-AF65-F5344CB8AC3E}">
-        <p14:creationId xmlns:p14="http://schemas.microsoft.com/office/powerpoint/2010/main" val="1510508507"/>
+        <p14:creationId xmlns:p14="http://schemas.microsoft.com/office/powerpoint/2010/main" val="3877622428"/>
       </p:ext>
     </p:extLst>
   </p:cSld>
   <p:clrMapOvr>
     <a:masterClrMapping/>
   </p:clrMapOvr>
+  <p:transition spd="slow">
+    <p:push/>
+  </p:transition>
+  <p:timing>
+    <p:tnLst>
+      <p:par>
+        <p:cTn id="1" dur="indefinite" restart="never" nodeType="tmRoot">
+          <p:childTnLst>
+            <p:seq concurrent="1" nextAc="seek">
+              <p:cTn id="2" dur="indefinite" nodeType="mainSeq">
+                <p:childTnLst>
+                  <p:par>
+                    <p:cTn id="3" fill="hold">
+                      <p:stCondLst>
+                        <p:cond delay="indefinite"/>
+                      </p:stCondLst>
+                      <p:childTnLst>
+                        <p:par>
+                          <p:cTn id="4" fill="hold">
+                            <p:stCondLst>
+                              <p:cond delay="0"/>
+                            </p:stCondLst>
+                            <p:childTnLst>
+                              <p:par>
+                                <p:cTn id="5" presetID="22" presetClass="entr" presetSubtype="4" fill="hold" grpId="0" nodeType="clickEffect">
+                                  <p:stCondLst>
+                                    <p:cond delay="0"/>
+                                  </p:stCondLst>
+                                  <p:childTnLst>
+                                    <p:set>
+                                      <p:cBhvr>
+                                        <p:cTn id="6" dur="1" fill="hold">
+                                          <p:stCondLst>
+                                            <p:cond delay="0"/>
+                                          </p:stCondLst>
+                                        </p:cTn>
+                                        <p:tgtEl>
+                                          <p:spTgt spid="5"/>
+                                        </p:tgtEl>
+                                        <p:attrNameLst>
+                                          <p:attrName>style.visibility</p:attrName>
+                                        </p:attrNameLst>
+                                      </p:cBhvr>
+                                      <p:to>
+                                        <p:strVal val="visible"/>
+                                      </p:to>
+                                    </p:set>
+                                    <p:animEffect transition="in" filter="wipe(down)">
+                                      <p:cBhvr>
+                                        <p:cTn id="7" dur="500"/>
+                                        <p:tgtEl>
+                                          <p:spTgt spid="5"/>
+                                        </p:tgtEl>
+                                      </p:cBhvr>
+                                    </p:animEffect>
+                                  </p:childTnLst>
+                                </p:cTn>
+                              </p:par>
+                            </p:childTnLst>
+                          </p:cTn>
+                        </p:par>
+                      </p:childTnLst>
+                    </p:cTn>
+                  </p:par>
+                  <p:par>
+                    <p:cTn id="8" fill="hold">
+                      <p:stCondLst>
+                        <p:cond delay="indefinite"/>
+                      </p:stCondLst>
+                      <p:childTnLst>
+                        <p:par>
+                          <p:cTn id="9" fill="hold">
+                            <p:stCondLst>
+                              <p:cond delay="0"/>
+                            </p:stCondLst>
+                            <p:childTnLst>
+                              <p:par>
+                                <p:cTn id="10" presetID="22" presetClass="entr" presetSubtype="4" fill="hold" grpId="0" nodeType="clickEffect">
+                                  <p:stCondLst>
+                                    <p:cond delay="0"/>
+                                  </p:stCondLst>
+                                  <p:childTnLst>
+                                    <p:set>
+                                      <p:cBhvr>
+                                        <p:cTn id="11" dur="1" fill="hold">
+                                          <p:stCondLst>
+                                            <p:cond delay="0"/>
+                                          </p:stCondLst>
+                                        </p:cTn>
+                                        <p:tgtEl>
+                                          <p:spTgt spid="6"/>
+                                        </p:tgtEl>
+                                        <p:attrNameLst>
+                                          <p:attrName>style.visibility</p:attrName>
+                                        </p:attrNameLst>
+                                      </p:cBhvr>
+                                      <p:to>
+                                        <p:strVal val="visible"/>
+                                      </p:to>
+                                    </p:set>
+                                    <p:animEffect transition="in" filter="wipe(down)">
+                                      <p:cBhvr>
+                                        <p:cTn id="12" dur="500"/>
+                                        <p:tgtEl>
+                                          <p:spTgt spid="6"/>
+                                        </p:tgtEl>
+                                      </p:cBhvr>
+                                    </p:animEffect>
+                                  </p:childTnLst>
+                                </p:cTn>
+                              </p:par>
+                            </p:childTnLst>
+                          </p:cTn>
+                        </p:par>
+                      </p:childTnLst>
+                    </p:cTn>
+                  </p:par>
+                  <p:par>
+                    <p:cTn id="13" fill="hold">
+                      <p:stCondLst>
+                        <p:cond delay="indefinite"/>
+                      </p:stCondLst>
+                      <p:childTnLst>
+                        <p:par>
+                          <p:cTn id="14" fill="hold">
+                            <p:stCondLst>
+                              <p:cond delay="0"/>
+                            </p:stCondLst>
+                            <p:childTnLst>
+                              <p:par>
+                                <p:cTn id="15" presetID="22" presetClass="entr" presetSubtype="4" fill="hold" grpId="0" nodeType="clickEffect">
+                                  <p:stCondLst>
+                                    <p:cond delay="0"/>
+                                  </p:stCondLst>
+                                  <p:childTnLst>
+                                    <p:set>
+                                      <p:cBhvr>
+                                        <p:cTn id="16" dur="1" fill="hold">
+                                          <p:stCondLst>
+                                            <p:cond delay="0"/>
+                                          </p:stCondLst>
+                                        </p:cTn>
+                                        <p:tgtEl>
+                                          <p:spTgt spid="7"/>
+                                        </p:tgtEl>
+                                        <p:attrNameLst>
+                                          <p:attrName>style.visibility</p:attrName>
+                                        </p:attrNameLst>
+                                      </p:cBhvr>
+                                      <p:to>
+                                        <p:strVal val="visible"/>
+                                      </p:to>
+                                    </p:set>
+                                    <p:animEffect transition="in" filter="wipe(down)">
+                                      <p:cBhvr>
+                                        <p:cTn id="17" dur="500"/>
+                                        <p:tgtEl>
+                                          <p:spTgt spid="7"/>
+                                        </p:tgtEl>
+                                      </p:cBhvr>
+                                    </p:animEffect>
+                                  </p:childTnLst>
+                                </p:cTn>
+                              </p:par>
+                            </p:childTnLst>
+                          </p:cTn>
+                        </p:par>
+                      </p:childTnLst>
+                    </p:cTn>
+                  </p:par>
+                  <p:par>
+                    <p:cTn id="18" fill="hold">
+                      <p:stCondLst>
+                        <p:cond delay="indefinite"/>
+                      </p:stCondLst>
+                      <p:childTnLst>
+                        <p:par>
+                          <p:cTn id="19" fill="hold">
+                            <p:stCondLst>
+                              <p:cond delay="0"/>
+                            </p:stCondLst>
+                            <p:childTnLst>
+                              <p:par>
+                                <p:cTn id="20" presetID="22" presetClass="entr" presetSubtype="4" fill="hold" grpId="0" nodeType="clickEffect">
+                                  <p:stCondLst>
+                                    <p:cond delay="0"/>
+                                  </p:stCondLst>
+                                  <p:childTnLst>
+                                    <p:set>
+                                      <p:cBhvr>
+                                        <p:cTn id="21" dur="1" fill="hold">
+                                          <p:stCondLst>
+                                            <p:cond delay="0"/>
+                                          </p:stCondLst>
+                                        </p:cTn>
+                                        <p:tgtEl>
+                                          <p:spTgt spid="8"/>
+                                        </p:tgtEl>
+                                        <p:attrNameLst>
+                                          <p:attrName>style.visibility</p:attrName>
+                                        </p:attrNameLst>
+                                      </p:cBhvr>
+                                      <p:to>
+                                        <p:strVal val="visible"/>
+                                      </p:to>
+                                    </p:set>
+                                    <p:animEffect transition="in" filter="wipe(down)">
+                                      <p:cBhvr>
+                                        <p:cTn id="22" dur="500"/>
+                                        <p:tgtEl>
+                                          <p:spTgt spid="8"/>
+                                        </p:tgtEl>
+                                      </p:cBhvr>
+                                    </p:animEffect>
+                                  </p:childTnLst>
+                                </p:cTn>
+                              </p:par>
+                            </p:childTnLst>
+                          </p:cTn>
+                        </p:par>
+                      </p:childTnLst>
+                    </p:cTn>
+                  </p:par>
+                </p:childTnLst>
+              </p:cTn>
+              <p:prevCondLst>
+                <p:cond evt="onPrev" delay="0">
+                  <p:tgtEl>
+                    <p:sldTgt/>
+                  </p:tgtEl>
+                </p:cond>
+              </p:prevCondLst>
+              <p:nextCondLst>
+                <p:cond evt="onNext" delay="0">
+                  <p:tgtEl>
+                    <p:sldTgt/>
+                  </p:tgtEl>
+                </p:cond>
+              </p:nextCondLst>
+            </p:seq>
+          </p:childTnLst>
+        </p:cTn>
+      </p:par>
+    </p:tnLst>
+    <p:bldLst>
+      <p:bldP spid="5" grpId="0"/>
+      <p:bldP spid="6" grpId="0"/>
+      <p:bldP spid="7" grpId="0"/>
+      <p:bldP spid="8" grpId="0"/>
+    </p:bldLst>
+  </p:timing>
 </p:sld>
 </file>
 
-<file path=ppt/slides/slide3.xml><?xml version="1.0" encoding="utf-8"?>
+<file path=ppt/slides/slide4.xml><?xml version="1.0" encoding="utf-8"?>
 <p:sld xmlns:a="http://schemas.openxmlformats.org/drawingml/2006/main" xmlns:r="http://schemas.openxmlformats.org/officeDocument/2006/relationships" xmlns:p="http://schemas.openxmlformats.org/presentationml/2006/main">
   <p:cSld>
     <p:spTree>
@@ -22777,7 +26130,7 @@
 </p:sld>
 </file>
 
-<file path=ppt/slides/slide4.xml><?xml version="1.0" encoding="utf-8"?>
+<file path=ppt/slides/slide5.xml><?xml version="1.0" encoding="utf-8"?>
 <p:sld xmlns:a="http://schemas.openxmlformats.org/drawingml/2006/main" xmlns:r="http://schemas.openxmlformats.org/officeDocument/2006/relationships" xmlns:p="http://schemas.openxmlformats.org/presentationml/2006/main">
   <p:cSld>
     <p:spTree>
@@ -23360,7 +26713,7 @@
 </p:sld>
 </file>
 
-<file path=ppt/slides/slide5.xml><?xml version="1.0" encoding="utf-8"?>
+<file path=ppt/slides/slide6.xml><?xml version="1.0" encoding="utf-8"?>
 <p:sld xmlns:a="http://schemas.openxmlformats.org/drawingml/2006/main" xmlns:r="http://schemas.openxmlformats.org/officeDocument/2006/relationships" xmlns:p="http://schemas.openxmlformats.org/presentationml/2006/main">
   <p:cSld>
     <p:spTree>
@@ -24450,7 +27803,7 @@
 </p:sld>
 </file>
 
-<file path=ppt/slides/slide6.xml><?xml version="1.0" encoding="utf-8"?>
+<file path=ppt/slides/slide7.xml><?xml version="1.0" encoding="utf-8"?>
 <p:sld xmlns:a="http://schemas.openxmlformats.org/drawingml/2006/main" xmlns:r="http://schemas.openxmlformats.org/officeDocument/2006/relationships" xmlns:p="http://schemas.openxmlformats.org/presentationml/2006/main">
   <p:cSld>
     <p:spTree>
@@ -25075,7 +28428,7 @@
 </p:sld>
 </file>
 
-<file path=ppt/slides/slide7.xml><?xml version="1.0" encoding="utf-8"?>
+<file path=ppt/slides/slide8.xml><?xml version="1.0" encoding="utf-8"?>
 <p:sld xmlns:a="http://schemas.openxmlformats.org/drawingml/2006/main" xmlns:r="http://schemas.openxmlformats.org/officeDocument/2006/relationships" xmlns:p="http://schemas.openxmlformats.org/presentationml/2006/main">
   <p:cSld>
     <p:spTree>
@@ -25322,7 +28675,7 @@
 </p:sld>
 </file>
 
-<file path=ppt/slides/slide8.xml><?xml version="1.0" encoding="utf-8"?>
+<file path=ppt/slides/slide9.xml><?xml version="1.0" encoding="utf-8"?>
 <p:sld xmlns:a="http://schemas.openxmlformats.org/drawingml/2006/main" xmlns:r="http://schemas.openxmlformats.org/officeDocument/2006/relationships" xmlns:p="http://schemas.openxmlformats.org/presentationml/2006/main">
   <p:cSld>
     <p:spTree>
@@ -26319,954 +29672,6 @@
       <p:bldP spid="9" grpId="0"/>
       <p:bldP spid="12" grpId="0"/>
       <p:bldP spid="13" grpId="0"/>
-    </p:bldLst>
-  </p:timing>
-</p:sld>
-</file>
-
-<file path=ppt/slides/slide9.xml><?xml version="1.0" encoding="utf-8"?>
-<p:sld xmlns:a="http://schemas.openxmlformats.org/drawingml/2006/main" xmlns:r="http://schemas.openxmlformats.org/officeDocument/2006/relationships" xmlns:p="http://schemas.openxmlformats.org/presentationml/2006/main">
-  <p:cSld>
-    <p:spTree>
-      <p:nvGrpSpPr>
-        <p:cNvPr id="1" name=""/>
-        <p:cNvGrpSpPr/>
-        <p:nvPr/>
-      </p:nvGrpSpPr>
-      <p:grpSpPr>
-        <a:xfrm>
-          <a:off x="0" y="0"/>
-          <a:ext cx="0" cy="0"/>
-          <a:chOff x="0" y="0"/>
-          <a:chExt cx="0" cy="0"/>
-        </a:xfrm>
-      </p:grpSpPr>
-      <p:sp>
-        <p:nvSpPr>
-          <p:cNvPr id="5" name="Título 1">
-            <a:extLst>
-              <a:ext uri="{FF2B5EF4-FFF2-40B4-BE49-F238E27FC236}">
-                <a16:creationId xmlns:a16="http://schemas.microsoft.com/office/drawing/2014/main" id="{B7EC11B8-2E63-4591-AAD1-F42A06B57F92}"/>
-              </a:ext>
-            </a:extLst>
-          </p:cNvPr>
-          <p:cNvSpPr txBox="1">
-            <a:spLocks/>
-          </p:cNvSpPr>
-          <p:nvPr/>
-        </p:nvSpPr>
-        <p:spPr>
-          <a:xfrm>
-            <a:off x="781755" y="473213"/>
-            <a:ext cx="10732466" cy="1325563"/>
-          </a:xfrm>
-          <a:prstGeom prst="rect">
-            <a:avLst/>
-          </a:prstGeom>
-        </p:spPr>
-        <p:txBody>
-          <a:bodyPr vert="horz" lIns="91440" tIns="45720" rIns="91440" bIns="45720" rtlCol="0" anchor="ctr">
-            <a:normAutofit/>
-          </a:bodyPr>
-          <a:lstStyle>
-            <a:lvl1pPr algn="l" defTabSz="914400" rtl="0" eaLnBrk="1" latinLnBrk="0" hangingPunct="1">
-              <a:lnSpc>
-                <a:spcPct val="90000"/>
-              </a:lnSpc>
-              <a:spcBef>
-                <a:spcPct val="0"/>
-              </a:spcBef>
-              <a:buNone/>
-              <a:defRPr sz="4400" kern="1200">
-                <a:solidFill>
-                  <a:schemeClr val="tx1"/>
-                </a:solidFill>
-                <a:latin typeface="+mj-lt"/>
-                <a:ea typeface="+mj-ea"/>
-                <a:cs typeface="+mj-cs"/>
-              </a:defRPr>
-            </a:lvl1pPr>
-          </a:lstStyle>
-          <a:p>
-            <a:r>
-              <a:rPr lang="pt-BR" sz="2800" dirty="0">
-                <a:solidFill>
-                  <a:schemeClr val="bg1"/>
-                </a:solidFill>
-                <a:latin typeface="Eras Bold ITC" panose="020B0907030504020204" pitchFamily="34" charset="0"/>
-              </a:rPr>
-              <a:t>NADPH doa seus elétrons para compostos que combatem moléculas perigosas </a:t>
-            </a:r>
-          </a:p>
-        </p:txBody>
-      </p:sp>
-      <p:cxnSp>
-        <p:nvCxnSpPr>
-          <p:cNvPr id="6" name="Conector reto 5">
-            <a:extLst>
-              <a:ext uri="{FF2B5EF4-FFF2-40B4-BE49-F238E27FC236}">
-                <a16:creationId xmlns:a16="http://schemas.microsoft.com/office/drawing/2014/main" id="{74509A4A-31E4-4903-9145-7A4717A8494B}"/>
-              </a:ext>
-            </a:extLst>
-          </p:cNvPr>
-          <p:cNvCxnSpPr>
-            <a:cxnSpLocks/>
-          </p:cNvCxnSpPr>
-          <p:nvPr/>
-        </p:nvCxnSpPr>
-        <p:spPr>
-          <a:xfrm>
-            <a:off x="6509084" y="1299411"/>
-            <a:ext cx="4572000" cy="0"/>
-          </a:xfrm>
-          <a:prstGeom prst="line">
-            <a:avLst/>
-          </a:prstGeom>
-          <a:ln w="28575">
-            <a:solidFill>
-              <a:schemeClr val="accent4">
-                <a:lumMod val="60000"/>
-                <a:lumOff val="40000"/>
-              </a:schemeClr>
-            </a:solidFill>
-          </a:ln>
-        </p:spPr>
-        <p:style>
-          <a:lnRef idx="1">
-            <a:schemeClr val="accent1"/>
-          </a:lnRef>
-          <a:fillRef idx="0">
-            <a:schemeClr val="accent1"/>
-          </a:fillRef>
-          <a:effectRef idx="0">
-            <a:schemeClr val="accent1"/>
-          </a:effectRef>
-          <a:fontRef idx="minor">
-            <a:schemeClr val="tx1"/>
-          </a:fontRef>
-        </p:style>
-      </p:cxnSp>
-      <p:cxnSp>
-        <p:nvCxnSpPr>
-          <p:cNvPr id="9" name="Conector de Seta Reta 8">
-            <a:extLst>
-              <a:ext uri="{FF2B5EF4-FFF2-40B4-BE49-F238E27FC236}">
-                <a16:creationId xmlns:a16="http://schemas.microsoft.com/office/drawing/2014/main" id="{141F7774-2A0D-42D3-849D-30919FAADDDF}"/>
-              </a:ext>
-            </a:extLst>
-          </p:cNvPr>
-          <p:cNvCxnSpPr>
-            <a:cxnSpLocks/>
-          </p:cNvCxnSpPr>
-          <p:nvPr/>
-        </p:nvCxnSpPr>
-        <p:spPr>
-          <a:xfrm>
-            <a:off x="8834595" y="1299411"/>
-            <a:ext cx="0" cy="1656645"/>
-          </a:xfrm>
-          <a:prstGeom prst="straightConnector1">
-            <a:avLst/>
-          </a:prstGeom>
-          <a:ln w="76200">
-            <a:solidFill>
-              <a:schemeClr val="accent4">
-                <a:lumMod val="60000"/>
-                <a:lumOff val="40000"/>
-              </a:schemeClr>
-            </a:solidFill>
-            <a:tailEnd type="triangle"/>
-          </a:ln>
-        </p:spPr>
-        <p:style>
-          <a:lnRef idx="1">
-            <a:schemeClr val="accent1"/>
-          </a:lnRef>
-          <a:fillRef idx="0">
-            <a:schemeClr val="accent1"/>
-          </a:fillRef>
-          <a:effectRef idx="0">
-            <a:schemeClr val="accent1"/>
-          </a:effectRef>
-          <a:fontRef idx="minor">
-            <a:schemeClr val="tx1"/>
-          </a:fontRef>
-        </p:style>
-      </p:cxnSp>
-      <p:sp>
-        <p:nvSpPr>
-          <p:cNvPr id="10" name="CaixaDeTexto 9">
-            <a:extLst>
-              <a:ext uri="{FF2B5EF4-FFF2-40B4-BE49-F238E27FC236}">
-                <a16:creationId xmlns:a16="http://schemas.microsoft.com/office/drawing/2014/main" id="{576E376F-E143-4996-B791-488F736BD89E}"/>
-              </a:ext>
-            </a:extLst>
-          </p:cNvPr>
-          <p:cNvSpPr txBox="1"/>
-          <p:nvPr/>
-        </p:nvSpPr>
-        <p:spPr>
-          <a:xfrm>
-            <a:off x="6785810" y="2956056"/>
-            <a:ext cx="4018547" cy="461665"/>
-          </a:xfrm>
-          <a:prstGeom prst="rect">
-            <a:avLst/>
-          </a:prstGeom>
-          <a:noFill/>
-        </p:spPr>
-        <p:txBody>
-          <a:bodyPr wrap="square" rtlCol="0">
-            <a:spAutoFit/>
-          </a:bodyPr>
-          <a:lstStyle/>
-          <a:p>
-            <a:pPr algn="ctr"/>
-            <a:r>
-              <a:rPr lang="pt-BR" sz="2400" dirty="0">
-                <a:solidFill>
-                  <a:schemeClr val="bg1"/>
-                </a:solidFill>
-                <a:latin typeface="Bell MT" panose="02020503060305020303" pitchFamily="18" charset="0"/>
-              </a:rPr>
-              <a:t>Antioxidantes</a:t>
-            </a:r>
-          </a:p>
-        </p:txBody>
-      </p:sp>
-      <p:cxnSp>
-        <p:nvCxnSpPr>
-          <p:cNvPr id="14" name="Conector reto 13">
-            <a:extLst>
-              <a:ext uri="{FF2B5EF4-FFF2-40B4-BE49-F238E27FC236}">
-                <a16:creationId xmlns:a16="http://schemas.microsoft.com/office/drawing/2014/main" id="{5A9049B1-7021-47BE-BE07-ADC3727F7F09}"/>
-              </a:ext>
-            </a:extLst>
-          </p:cNvPr>
-          <p:cNvCxnSpPr>
-            <a:cxnSpLocks/>
-          </p:cNvCxnSpPr>
-          <p:nvPr/>
-        </p:nvCxnSpPr>
-        <p:spPr>
-          <a:xfrm>
-            <a:off x="798097" y="1622576"/>
-            <a:ext cx="3713745" cy="0"/>
-          </a:xfrm>
-          <a:prstGeom prst="line">
-            <a:avLst/>
-          </a:prstGeom>
-          <a:ln w="28575">
-            <a:solidFill>
-              <a:schemeClr val="accent4">
-                <a:lumMod val="60000"/>
-                <a:lumOff val="40000"/>
-              </a:schemeClr>
-            </a:solidFill>
-          </a:ln>
-        </p:spPr>
-        <p:style>
-          <a:lnRef idx="1">
-            <a:schemeClr val="accent1"/>
-          </a:lnRef>
-          <a:fillRef idx="0">
-            <a:schemeClr val="accent1"/>
-          </a:fillRef>
-          <a:effectRef idx="0">
-            <a:schemeClr val="accent1"/>
-          </a:effectRef>
-          <a:fontRef idx="minor">
-            <a:schemeClr val="tx1"/>
-          </a:fontRef>
-        </p:style>
-      </p:cxnSp>
-      <p:cxnSp>
-        <p:nvCxnSpPr>
-          <p:cNvPr id="15" name="Conector de Seta Reta 14">
-            <a:extLst>
-              <a:ext uri="{FF2B5EF4-FFF2-40B4-BE49-F238E27FC236}">
-                <a16:creationId xmlns:a16="http://schemas.microsoft.com/office/drawing/2014/main" id="{69540FF5-1FB4-45FE-B74F-E20897BD346B}"/>
-              </a:ext>
-            </a:extLst>
-          </p:cNvPr>
-          <p:cNvCxnSpPr>
-            <a:cxnSpLocks/>
-          </p:cNvCxnSpPr>
-          <p:nvPr/>
-        </p:nvCxnSpPr>
-        <p:spPr>
-          <a:xfrm>
-            <a:off x="2606250" y="1622576"/>
-            <a:ext cx="0" cy="1656645"/>
-          </a:xfrm>
-          <a:prstGeom prst="straightConnector1">
-            <a:avLst/>
-          </a:prstGeom>
-          <a:ln w="76200">
-            <a:solidFill>
-              <a:schemeClr val="accent4">
-                <a:lumMod val="60000"/>
-                <a:lumOff val="40000"/>
-              </a:schemeClr>
-            </a:solidFill>
-            <a:tailEnd type="triangle"/>
-          </a:ln>
-        </p:spPr>
-        <p:style>
-          <a:lnRef idx="1">
-            <a:schemeClr val="accent1"/>
-          </a:lnRef>
-          <a:fillRef idx="0">
-            <a:schemeClr val="accent1"/>
-          </a:fillRef>
-          <a:effectRef idx="0">
-            <a:schemeClr val="accent1"/>
-          </a:effectRef>
-          <a:fontRef idx="minor">
-            <a:schemeClr val="tx1"/>
-          </a:fontRef>
-        </p:style>
-      </p:cxnSp>
-      <p:sp>
-        <p:nvSpPr>
-          <p:cNvPr id="16" name="CaixaDeTexto 15">
-            <a:extLst>
-              <a:ext uri="{FF2B5EF4-FFF2-40B4-BE49-F238E27FC236}">
-                <a16:creationId xmlns:a16="http://schemas.microsoft.com/office/drawing/2014/main" id="{FB6EA337-E148-470A-B2FC-0AF6862F0B7D}"/>
-              </a:ext>
-            </a:extLst>
-          </p:cNvPr>
-          <p:cNvSpPr txBox="1"/>
-          <p:nvPr/>
-        </p:nvSpPr>
-        <p:spPr>
-          <a:xfrm>
-            <a:off x="596976" y="3279221"/>
-            <a:ext cx="4018547" cy="461665"/>
-          </a:xfrm>
-          <a:prstGeom prst="rect">
-            <a:avLst/>
-          </a:prstGeom>
-          <a:noFill/>
-        </p:spPr>
-        <p:txBody>
-          <a:bodyPr wrap="square" rtlCol="0">
-            <a:spAutoFit/>
-          </a:bodyPr>
-          <a:lstStyle/>
-          <a:p>
-            <a:pPr algn="ctr"/>
-            <a:r>
-              <a:rPr lang="pt-BR" sz="2400" dirty="0">
-                <a:solidFill>
-                  <a:schemeClr val="bg1"/>
-                </a:solidFill>
-                <a:latin typeface="Bell MT" panose="02020503060305020303" pitchFamily="18" charset="0"/>
-              </a:rPr>
-              <a:t>Radicais de oxigênio</a:t>
-            </a:r>
-          </a:p>
-        </p:txBody>
-      </p:sp>
-      <p:sp>
-        <p:nvSpPr>
-          <p:cNvPr id="18" name="CaixaDeTexto 17">
-            <a:extLst>
-              <a:ext uri="{FF2B5EF4-FFF2-40B4-BE49-F238E27FC236}">
-                <a16:creationId xmlns:a16="http://schemas.microsoft.com/office/drawing/2014/main" id="{C8098960-86D7-4A72-8231-97074708D227}"/>
-              </a:ext>
-            </a:extLst>
-          </p:cNvPr>
-          <p:cNvSpPr txBox="1"/>
-          <p:nvPr/>
-        </p:nvSpPr>
-        <p:spPr>
-          <a:xfrm>
-            <a:off x="5204246" y="3939165"/>
-            <a:ext cx="6697027" cy="2677656"/>
-          </a:xfrm>
-          <a:prstGeom prst="rect">
-            <a:avLst/>
-          </a:prstGeom>
-          <a:noFill/>
-          <a:ln>
-            <a:solidFill>
-              <a:schemeClr val="bg1"/>
-            </a:solidFill>
-          </a:ln>
-        </p:spPr>
-        <p:txBody>
-          <a:bodyPr wrap="square" rtlCol="0">
-            <a:spAutoFit/>
-          </a:bodyPr>
-          <a:lstStyle/>
-          <a:p>
-            <a:pPr algn="just"/>
-            <a:r>
-              <a:rPr lang="pt-BR" sz="2400" dirty="0">
-                <a:solidFill>
-                  <a:schemeClr val="bg1"/>
-                </a:solidFill>
-                <a:latin typeface="Bell MT" panose="02020503060305020303" pitchFamily="18" charset="0"/>
-              </a:rPr>
-              <a:t>Depois de neutralizarem os radicais de oxigênio os antioxidantes precisam recarregar rapidamente para estarem prontos para ação caso seja necessário</a:t>
-            </a:r>
-          </a:p>
-          <a:p>
-            <a:pPr algn="just"/>
-            <a:endParaRPr lang="pt-BR" sz="2400" dirty="0">
-              <a:solidFill>
-                <a:schemeClr val="bg1"/>
-              </a:solidFill>
-              <a:latin typeface="Bell MT" panose="02020503060305020303" pitchFamily="18" charset="0"/>
-            </a:endParaRPr>
-          </a:p>
-          <a:p>
-            <a:pPr algn="just"/>
-            <a:r>
-              <a:rPr lang="pt-BR" sz="2400" dirty="0">
-                <a:solidFill>
-                  <a:schemeClr val="bg1"/>
-                </a:solidFill>
-                <a:latin typeface="Bell MT" panose="02020503060305020303" pitchFamily="18" charset="0"/>
-              </a:rPr>
-              <a:t>O NADPH realiza então o papel de doador constante de elétrons e hidrogênio aos antioxidantes para combater os radicais de oxigênio</a:t>
-            </a:r>
-          </a:p>
-        </p:txBody>
-      </p:sp>
-      <p:sp>
-        <p:nvSpPr>
-          <p:cNvPr id="19" name="CaixaDeTexto 18">
-            <a:extLst>
-              <a:ext uri="{FF2B5EF4-FFF2-40B4-BE49-F238E27FC236}">
-                <a16:creationId xmlns:a16="http://schemas.microsoft.com/office/drawing/2014/main" id="{A4019200-3BF3-4AC4-A756-E15085038BE7}"/>
-              </a:ext>
-            </a:extLst>
-          </p:cNvPr>
-          <p:cNvSpPr txBox="1"/>
-          <p:nvPr/>
-        </p:nvSpPr>
-        <p:spPr>
-          <a:xfrm>
-            <a:off x="1330828" y="4075497"/>
-            <a:ext cx="774698" cy="584775"/>
-          </a:xfrm>
-          <a:prstGeom prst="rect">
-            <a:avLst/>
-          </a:prstGeom>
-          <a:noFill/>
-        </p:spPr>
-        <p:txBody>
-          <a:bodyPr wrap="square" rtlCol="0">
-            <a:spAutoFit/>
-          </a:bodyPr>
-          <a:lstStyle/>
-          <a:p>
-            <a:pPr algn="ctr"/>
-            <a:r>
-              <a:rPr lang="pt-BR" sz="3200" baseline="30000" dirty="0">
-                <a:solidFill>
-                  <a:schemeClr val="bg1"/>
-                </a:solidFill>
-                <a:latin typeface="Bell MT" panose="02020503060305020303" pitchFamily="18" charset="0"/>
-              </a:rPr>
-              <a:t>*</a:t>
-            </a:r>
-            <a:r>
-              <a:rPr lang="pt-BR" sz="3200" dirty="0">
-                <a:solidFill>
-                  <a:schemeClr val="bg1"/>
-                </a:solidFill>
-                <a:latin typeface="Bell MT" panose="02020503060305020303" pitchFamily="18" charset="0"/>
-              </a:rPr>
-              <a:t>O</a:t>
-            </a:r>
-            <a:r>
-              <a:rPr lang="pt-BR" sz="3200" baseline="-25000" dirty="0">
-                <a:solidFill>
-                  <a:schemeClr val="bg1"/>
-                </a:solidFill>
-                <a:latin typeface="Bell MT" panose="02020503060305020303" pitchFamily="18" charset="0"/>
-              </a:rPr>
-              <a:t>2</a:t>
-            </a:r>
-          </a:p>
-        </p:txBody>
-      </p:sp>
-      <p:sp>
-        <p:nvSpPr>
-          <p:cNvPr id="21" name="CaixaDeTexto 20">
-            <a:extLst>
-              <a:ext uri="{FF2B5EF4-FFF2-40B4-BE49-F238E27FC236}">
-                <a16:creationId xmlns:a16="http://schemas.microsoft.com/office/drawing/2014/main" id="{76ECA612-878A-4296-B062-AA89D083AEB9}"/>
-              </a:ext>
-            </a:extLst>
-          </p:cNvPr>
-          <p:cNvSpPr txBox="1"/>
-          <p:nvPr/>
-        </p:nvSpPr>
-        <p:spPr>
-          <a:xfrm>
-            <a:off x="2750628" y="4074454"/>
-            <a:ext cx="1232434" cy="584775"/>
-          </a:xfrm>
-          <a:prstGeom prst="rect">
-            <a:avLst/>
-          </a:prstGeom>
-          <a:noFill/>
-        </p:spPr>
-        <p:txBody>
-          <a:bodyPr wrap="square" rtlCol="0">
-            <a:spAutoFit/>
-          </a:bodyPr>
-          <a:lstStyle/>
-          <a:p>
-            <a:pPr algn="ctr"/>
-            <a:r>
-              <a:rPr lang="pt-BR" sz="3200" baseline="30000" dirty="0">
-                <a:solidFill>
-                  <a:schemeClr val="bg1"/>
-                </a:solidFill>
-                <a:latin typeface="Bell MT" panose="02020503060305020303" pitchFamily="18" charset="0"/>
-              </a:rPr>
-              <a:t>*</a:t>
-            </a:r>
-            <a:r>
-              <a:rPr lang="pt-BR" sz="3200" dirty="0">
-                <a:solidFill>
-                  <a:schemeClr val="bg1"/>
-                </a:solidFill>
-                <a:latin typeface="Bell MT" panose="02020503060305020303" pitchFamily="18" charset="0"/>
-              </a:rPr>
-              <a:t>OH</a:t>
-            </a:r>
-            <a:endParaRPr lang="pt-BR" sz="3200" baseline="30000" dirty="0">
-              <a:solidFill>
-                <a:schemeClr val="bg1"/>
-              </a:solidFill>
-              <a:latin typeface="Bell MT" panose="02020503060305020303" pitchFamily="18" charset="0"/>
-            </a:endParaRPr>
-          </a:p>
-        </p:txBody>
-      </p:sp>
-    </p:spTree>
-    <p:extLst>
-      <p:ext uri="{BB962C8B-B14F-4D97-AF65-F5344CB8AC3E}">
-        <p14:creationId xmlns:p14="http://schemas.microsoft.com/office/powerpoint/2010/main" val="592413336"/>
-      </p:ext>
-    </p:extLst>
-  </p:cSld>
-  <p:clrMapOvr>
-    <a:masterClrMapping/>
-  </p:clrMapOvr>
-  <p:transition spd="slow">
-    <p:push/>
-  </p:transition>
-  <p:timing>
-    <p:tnLst>
-      <p:par>
-        <p:cTn id="1" dur="indefinite" restart="never" nodeType="tmRoot">
-          <p:childTnLst>
-            <p:seq concurrent="1" nextAc="seek">
-              <p:cTn id="2" dur="indefinite" nodeType="mainSeq">
-                <p:childTnLst>
-                  <p:par>
-                    <p:cTn id="3" fill="hold">
-                      <p:stCondLst>
-                        <p:cond delay="indefinite"/>
-                      </p:stCondLst>
-                      <p:childTnLst>
-                        <p:par>
-                          <p:cTn id="4" fill="hold">
-                            <p:stCondLst>
-                              <p:cond delay="0"/>
-                            </p:stCondLst>
-                            <p:childTnLst>
-                              <p:par>
-                                <p:cTn id="5" presetID="22" presetClass="entr" presetSubtype="4" fill="hold" nodeType="clickEffect">
-                                  <p:stCondLst>
-                                    <p:cond delay="0"/>
-                                  </p:stCondLst>
-                                  <p:childTnLst>
-                                    <p:set>
-                                      <p:cBhvr>
-                                        <p:cTn id="6" dur="1" fill="hold">
-                                          <p:stCondLst>
-                                            <p:cond delay="0"/>
-                                          </p:stCondLst>
-                                        </p:cTn>
-                                        <p:tgtEl>
-                                          <p:spTgt spid="6"/>
-                                        </p:tgtEl>
-                                        <p:attrNameLst>
-                                          <p:attrName>style.visibility</p:attrName>
-                                        </p:attrNameLst>
-                                      </p:cBhvr>
-                                      <p:to>
-                                        <p:strVal val="visible"/>
-                                      </p:to>
-                                    </p:set>
-                                    <p:animEffect transition="in" filter="wipe(down)">
-                                      <p:cBhvr>
-                                        <p:cTn id="7" dur="500"/>
-                                        <p:tgtEl>
-                                          <p:spTgt spid="6"/>
-                                        </p:tgtEl>
-                                      </p:cBhvr>
-                                    </p:animEffect>
-                                  </p:childTnLst>
-                                </p:cTn>
-                              </p:par>
-                              <p:par>
-                                <p:cTn id="8" presetID="22" presetClass="entr" presetSubtype="4" fill="hold" nodeType="withEffect">
-                                  <p:stCondLst>
-                                    <p:cond delay="0"/>
-                                  </p:stCondLst>
-                                  <p:childTnLst>
-                                    <p:set>
-                                      <p:cBhvr>
-                                        <p:cTn id="9" dur="1" fill="hold">
-                                          <p:stCondLst>
-                                            <p:cond delay="0"/>
-                                          </p:stCondLst>
-                                        </p:cTn>
-                                        <p:tgtEl>
-                                          <p:spTgt spid="9"/>
-                                        </p:tgtEl>
-                                        <p:attrNameLst>
-                                          <p:attrName>style.visibility</p:attrName>
-                                        </p:attrNameLst>
-                                      </p:cBhvr>
-                                      <p:to>
-                                        <p:strVal val="visible"/>
-                                      </p:to>
-                                    </p:set>
-                                    <p:animEffect transition="in" filter="wipe(down)">
-                                      <p:cBhvr>
-                                        <p:cTn id="10" dur="500"/>
-                                        <p:tgtEl>
-                                          <p:spTgt spid="9"/>
-                                        </p:tgtEl>
-                                      </p:cBhvr>
-                                    </p:animEffect>
-                                  </p:childTnLst>
-                                </p:cTn>
-                              </p:par>
-                              <p:par>
-                                <p:cTn id="11" presetID="22" presetClass="entr" presetSubtype="4" fill="hold" grpId="0" nodeType="withEffect">
-                                  <p:stCondLst>
-                                    <p:cond delay="0"/>
-                                  </p:stCondLst>
-                                  <p:childTnLst>
-                                    <p:set>
-                                      <p:cBhvr>
-                                        <p:cTn id="12" dur="1" fill="hold">
-                                          <p:stCondLst>
-                                            <p:cond delay="0"/>
-                                          </p:stCondLst>
-                                        </p:cTn>
-                                        <p:tgtEl>
-                                          <p:spTgt spid="10"/>
-                                        </p:tgtEl>
-                                        <p:attrNameLst>
-                                          <p:attrName>style.visibility</p:attrName>
-                                        </p:attrNameLst>
-                                      </p:cBhvr>
-                                      <p:to>
-                                        <p:strVal val="visible"/>
-                                      </p:to>
-                                    </p:set>
-                                    <p:animEffect transition="in" filter="wipe(down)">
-                                      <p:cBhvr>
-                                        <p:cTn id="13" dur="500"/>
-                                        <p:tgtEl>
-                                          <p:spTgt spid="10"/>
-                                        </p:tgtEl>
-                                      </p:cBhvr>
-                                    </p:animEffect>
-                                  </p:childTnLst>
-                                </p:cTn>
-                              </p:par>
-                            </p:childTnLst>
-                          </p:cTn>
-                        </p:par>
-                      </p:childTnLst>
-                    </p:cTn>
-                  </p:par>
-                  <p:par>
-                    <p:cTn id="14" fill="hold">
-                      <p:stCondLst>
-                        <p:cond delay="indefinite"/>
-                      </p:stCondLst>
-                      <p:childTnLst>
-                        <p:par>
-                          <p:cTn id="15" fill="hold">
-                            <p:stCondLst>
-                              <p:cond delay="0"/>
-                            </p:stCondLst>
-                            <p:childTnLst>
-                              <p:par>
-                                <p:cTn id="16" presetID="22" presetClass="entr" presetSubtype="4" fill="hold" nodeType="clickEffect">
-                                  <p:stCondLst>
-                                    <p:cond delay="0"/>
-                                  </p:stCondLst>
-                                  <p:childTnLst>
-                                    <p:set>
-                                      <p:cBhvr>
-                                        <p:cTn id="17" dur="1" fill="hold">
-                                          <p:stCondLst>
-                                            <p:cond delay="0"/>
-                                          </p:stCondLst>
-                                        </p:cTn>
-                                        <p:tgtEl>
-                                          <p:spTgt spid="14"/>
-                                        </p:tgtEl>
-                                        <p:attrNameLst>
-                                          <p:attrName>style.visibility</p:attrName>
-                                        </p:attrNameLst>
-                                      </p:cBhvr>
-                                      <p:to>
-                                        <p:strVal val="visible"/>
-                                      </p:to>
-                                    </p:set>
-                                    <p:animEffect transition="in" filter="wipe(down)">
-                                      <p:cBhvr>
-                                        <p:cTn id="18" dur="500"/>
-                                        <p:tgtEl>
-                                          <p:spTgt spid="14"/>
-                                        </p:tgtEl>
-                                      </p:cBhvr>
-                                    </p:animEffect>
-                                  </p:childTnLst>
-                                </p:cTn>
-                              </p:par>
-                              <p:par>
-                                <p:cTn id="19" presetID="22" presetClass="entr" presetSubtype="4" fill="hold" nodeType="withEffect">
-                                  <p:stCondLst>
-                                    <p:cond delay="0"/>
-                                  </p:stCondLst>
-                                  <p:childTnLst>
-                                    <p:set>
-                                      <p:cBhvr>
-                                        <p:cTn id="20" dur="1" fill="hold">
-                                          <p:stCondLst>
-                                            <p:cond delay="0"/>
-                                          </p:stCondLst>
-                                        </p:cTn>
-                                        <p:tgtEl>
-                                          <p:spTgt spid="15"/>
-                                        </p:tgtEl>
-                                        <p:attrNameLst>
-                                          <p:attrName>style.visibility</p:attrName>
-                                        </p:attrNameLst>
-                                      </p:cBhvr>
-                                      <p:to>
-                                        <p:strVal val="visible"/>
-                                      </p:to>
-                                    </p:set>
-                                    <p:animEffect transition="in" filter="wipe(down)">
-                                      <p:cBhvr>
-                                        <p:cTn id="21" dur="500"/>
-                                        <p:tgtEl>
-                                          <p:spTgt spid="15"/>
-                                        </p:tgtEl>
-                                      </p:cBhvr>
-                                    </p:animEffect>
-                                  </p:childTnLst>
-                                </p:cTn>
-                              </p:par>
-                              <p:par>
-                                <p:cTn id="22" presetID="22" presetClass="entr" presetSubtype="4" fill="hold" grpId="0" nodeType="withEffect">
-                                  <p:stCondLst>
-                                    <p:cond delay="0"/>
-                                  </p:stCondLst>
-                                  <p:childTnLst>
-                                    <p:set>
-                                      <p:cBhvr>
-                                        <p:cTn id="23" dur="1" fill="hold">
-                                          <p:stCondLst>
-                                            <p:cond delay="0"/>
-                                          </p:stCondLst>
-                                        </p:cTn>
-                                        <p:tgtEl>
-                                          <p:spTgt spid="16"/>
-                                        </p:tgtEl>
-                                        <p:attrNameLst>
-                                          <p:attrName>style.visibility</p:attrName>
-                                        </p:attrNameLst>
-                                      </p:cBhvr>
-                                      <p:to>
-                                        <p:strVal val="visible"/>
-                                      </p:to>
-                                    </p:set>
-                                    <p:animEffect transition="in" filter="wipe(down)">
-                                      <p:cBhvr>
-                                        <p:cTn id="24" dur="500"/>
-                                        <p:tgtEl>
-                                          <p:spTgt spid="16"/>
-                                        </p:tgtEl>
-                                      </p:cBhvr>
-                                    </p:animEffect>
-                                  </p:childTnLst>
-                                </p:cTn>
-                              </p:par>
-                            </p:childTnLst>
-                          </p:cTn>
-                        </p:par>
-                      </p:childTnLst>
-                    </p:cTn>
-                  </p:par>
-                  <p:par>
-                    <p:cTn id="25" fill="hold">
-                      <p:stCondLst>
-                        <p:cond delay="indefinite"/>
-                      </p:stCondLst>
-                      <p:childTnLst>
-                        <p:par>
-                          <p:cTn id="26" fill="hold">
-                            <p:stCondLst>
-                              <p:cond delay="0"/>
-                            </p:stCondLst>
-                            <p:childTnLst>
-                              <p:par>
-                                <p:cTn id="27" presetID="22" presetClass="entr" presetSubtype="4" fill="hold" grpId="0" nodeType="clickEffect">
-                                  <p:stCondLst>
-                                    <p:cond delay="0"/>
-                                  </p:stCondLst>
-                                  <p:childTnLst>
-                                    <p:set>
-                                      <p:cBhvr>
-                                        <p:cTn id="28" dur="1" fill="hold">
-                                          <p:stCondLst>
-                                            <p:cond delay="0"/>
-                                          </p:stCondLst>
-                                        </p:cTn>
-                                        <p:tgtEl>
-                                          <p:spTgt spid="18"/>
-                                        </p:tgtEl>
-                                        <p:attrNameLst>
-                                          <p:attrName>style.visibility</p:attrName>
-                                        </p:attrNameLst>
-                                      </p:cBhvr>
-                                      <p:to>
-                                        <p:strVal val="visible"/>
-                                      </p:to>
-                                    </p:set>
-                                    <p:animEffect transition="in" filter="wipe(down)">
-                                      <p:cBhvr>
-                                        <p:cTn id="29" dur="500"/>
-                                        <p:tgtEl>
-                                          <p:spTgt spid="18"/>
-                                        </p:tgtEl>
-                                      </p:cBhvr>
-                                    </p:animEffect>
-                                  </p:childTnLst>
-                                </p:cTn>
-                              </p:par>
-                              <p:par>
-                                <p:cTn id="30" presetID="22" presetClass="entr" presetSubtype="4" fill="hold" grpId="0" nodeType="withEffect">
-                                  <p:stCondLst>
-                                    <p:cond delay="0"/>
-                                  </p:stCondLst>
-                                  <p:childTnLst>
-                                    <p:set>
-                                      <p:cBhvr>
-                                        <p:cTn id="31" dur="1" fill="hold">
-                                          <p:stCondLst>
-                                            <p:cond delay="0"/>
-                                          </p:stCondLst>
-                                        </p:cTn>
-                                        <p:tgtEl>
-                                          <p:spTgt spid="19"/>
-                                        </p:tgtEl>
-                                        <p:attrNameLst>
-                                          <p:attrName>style.visibility</p:attrName>
-                                        </p:attrNameLst>
-                                      </p:cBhvr>
-                                      <p:to>
-                                        <p:strVal val="visible"/>
-                                      </p:to>
-                                    </p:set>
-                                    <p:animEffect transition="in" filter="wipe(down)">
-                                      <p:cBhvr>
-                                        <p:cTn id="32" dur="500"/>
-                                        <p:tgtEl>
-                                          <p:spTgt spid="19"/>
-                                        </p:tgtEl>
-                                      </p:cBhvr>
-                                    </p:animEffect>
-                                  </p:childTnLst>
-                                </p:cTn>
-                              </p:par>
-                              <p:par>
-                                <p:cTn id="33" presetID="22" presetClass="entr" presetSubtype="4" fill="hold" grpId="0" nodeType="withEffect">
-                                  <p:stCondLst>
-                                    <p:cond delay="0"/>
-                                  </p:stCondLst>
-                                  <p:childTnLst>
-                                    <p:set>
-                                      <p:cBhvr>
-                                        <p:cTn id="34" dur="1" fill="hold">
-                                          <p:stCondLst>
-                                            <p:cond delay="0"/>
-                                          </p:stCondLst>
-                                        </p:cTn>
-                                        <p:tgtEl>
-                                          <p:spTgt spid="21"/>
-                                        </p:tgtEl>
-                                        <p:attrNameLst>
-                                          <p:attrName>style.visibility</p:attrName>
-                                        </p:attrNameLst>
-                                      </p:cBhvr>
-                                      <p:to>
-                                        <p:strVal val="visible"/>
-                                      </p:to>
-                                    </p:set>
-                                    <p:animEffect transition="in" filter="wipe(down)">
-                                      <p:cBhvr>
-                                        <p:cTn id="35" dur="500"/>
-                                        <p:tgtEl>
-                                          <p:spTgt spid="21"/>
-                                        </p:tgtEl>
-                                      </p:cBhvr>
-                                    </p:animEffect>
-                                  </p:childTnLst>
-                                </p:cTn>
-                              </p:par>
-                            </p:childTnLst>
-                          </p:cTn>
-                        </p:par>
-                      </p:childTnLst>
-                    </p:cTn>
-                  </p:par>
-                </p:childTnLst>
-              </p:cTn>
-              <p:prevCondLst>
-                <p:cond evt="onPrev" delay="0">
-                  <p:tgtEl>
-                    <p:sldTgt/>
-                  </p:tgtEl>
-                </p:cond>
-              </p:prevCondLst>
-              <p:nextCondLst>
-                <p:cond evt="onNext" delay="0">
-                  <p:tgtEl>
-                    <p:sldTgt/>
-                  </p:tgtEl>
-                </p:cond>
-              </p:nextCondLst>
-            </p:seq>
-          </p:childTnLst>
-        </p:cTn>
-      </p:par>
-    </p:tnLst>
-    <p:bldLst>
-      <p:bldP spid="10" grpId="0"/>
-      <p:bldP spid="16" grpId="0"/>
-      <p:bldP spid="18" grpId="0" animBg="1"/>
-      <p:bldP spid="19" grpId="0"/>
-      <p:bldP spid="21" grpId="0"/>
     </p:bldLst>
   </p:timing>
 </p:sld>
